--- a/Präsentationen/Endpräsi.pptx
+++ b/Präsentationen/Endpräsi.pptx
@@ -18,7 +18,7 @@
     <p:sldId id="442" r:id="rId6"/>
     <p:sldId id="436" r:id="rId7"/>
     <p:sldId id="445" r:id="rId8"/>
-    <p:sldId id="444" r:id="rId9"/>
+    <p:sldId id="446" r:id="rId9"/>
     <p:sldId id="441" r:id="rId10"/>
     <p:sldId id="437" r:id="rId11"/>
     <p:sldId id="440" r:id="rId12"/>
@@ -4463,6 +4463,10 @@
             </a:r>
           </a:p>
           <a:p>
+            <a:pPr marL="0" indent="0"/>
+            <a:endParaRPr lang="de-DE" sz="1800" dirty="0"/>
+          </a:p>
+          <a:p>
             <a:pPr marL="285750" indent="-285750">
               <a:buFont typeface="Arial" panose="020B0604020202020204" pitchFamily="34" charset="0"/>
               <a:buChar char="•"/>
@@ -4763,8 +4767,60 @@
             </a:pPr>
             <a:r>
               <a:rPr lang="de-DE" sz="1600" dirty="0"/>
-              <a:t>Kameradaten</a:t>
-            </a:r>
+              <a:t>Kameradaten erfassen ob andere </a:t>
+            </a:r>
+            <a:r>
+              <a:rPr lang="de-DE" sz="1600" dirty="0" err="1"/>
+              <a:t>Robotinos</a:t>
+            </a:r>
+            <a:r>
+              <a:rPr lang="de-DE" sz="1600" dirty="0"/>
+              <a:t> sich bewegen </a:t>
+            </a:r>
+          </a:p>
+          <a:p>
+            <a:pPr>
+              <a:buFont typeface="Arial" panose="020B0604020202020204" pitchFamily="34" charset="0"/>
+              <a:buChar char="•"/>
+            </a:pPr>
+            <a:r>
+              <a:rPr lang="de-DE" sz="1600" dirty="0"/>
+              <a:t>Wenn sich Roboter bewegen wird Ausweichmanöver bestimmt</a:t>
+            </a:r>
+          </a:p>
+          <a:p>
+            <a:pPr>
+              <a:buFont typeface="Arial" panose="020B0604020202020204" pitchFamily="34" charset="0"/>
+              <a:buChar char="•"/>
+            </a:pPr>
+            <a:r>
+              <a:rPr lang="de-DE" sz="1600" dirty="0"/>
+              <a:t>Anderer </a:t>
+            </a:r>
+            <a:r>
+              <a:rPr lang="de-DE" sz="1600" dirty="0" err="1"/>
+              <a:t>Robotino</a:t>
+            </a:r>
+            <a:r>
+              <a:rPr lang="de-DE" sz="1600" dirty="0"/>
+              <a:t> im Weg zwischen Ist-Position und Ziel</a:t>
+            </a:r>
+          </a:p>
+          <a:p>
+            <a:pPr marL="1001712" lvl="5" indent="0">
+              <a:buNone/>
+            </a:pPr>
+            <a:r>
+              <a:rPr lang="de-DE" sz="1600" dirty="0"/>
+              <a:t> 90° zum Ziel wird ein Ausweichvektor   auf den normalen Zielvektor addiert</a:t>
+            </a:r>
+          </a:p>
+          <a:p>
+            <a:pPr marL="342900" lvl="5" indent="-342900">
+              <a:buFont typeface="Arial" panose="020B0604020202020204" pitchFamily="34" charset="0"/>
+              <a:buChar char="•"/>
+            </a:pPr>
+            <a:endParaRPr lang="de-DE" sz="1600" dirty="0"/>
           </a:p>
         </p:txBody>
       </p:sp>
@@ -4895,6 +4951,52 @@
           </a:prstGeom>
         </p:spPr>
       </p:pic>
+      <p:sp>
+        <p:nvSpPr>
+          <p:cNvPr id="8" name="Pfeil: nach rechts 7">
+            <a:extLst>
+              <a:ext uri="{FF2B5EF4-FFF2-40B4-BE49-F238E27FC236}">
+                <a16:creationId xmlns:a16="http://schemas.microsoft.com/office/drawing/2014/main" id="{586405A1-545F-4B02-939C-F560480E8556}"/>
+              </a:ext>
+            </a:extLst>
+          </p:cNvPr>
+          <p:cNvSpPr/>
+          <p:nvPr/>
+        </p:nvSpPr>
+        <p:spPr>
+          <a:xfrm>
+            <a:off x="697157" y="3932054"/>
+            <a:ext cx="572721" cy="287338"/>
+          </a:xfrm>
+          <a:prstGeom prst="rightArrow">
+            <a:avLst/>
+          </a:prstGeom>
+        </p:spPr>
+        <p:style>
+          <a:lnRef idx="2">
+            <a:schemeClr val="accent1">
+              <a:shade val="50000"/>
+            </a:schemeClr>
+          </a:lnRef>
+          <a:fillRef idx="1">
+            <a:schemeClr val="accent1"/>
+          </a:fillRef>
+          <a:effectRef idx="0">
+            <a:schemeClr val="accent1"/>
+          </a:effectRef>
+          <a:fontRef idx="minor">
+            <a:schemeClr val="lt1"/>
+          </a:fontRef>
+        </p:style>
+        <p:txBody>
+          <a:bodyPr rtlCol="0" anchor="ctr"/>
+          <a:lstStyle/>
+          <a:p>
+            <a:pPr algn="ctr"/>
+            <a:endParaRPr lang="de-DE"/>
+          </a:p>
+        </p:txBody>
+      </p:sp>
     </p:spTree>
     <p:extLst>
       <p:ext uri="{BB962C8B-B14F-4D97-AF65-F5344CB8AC3E}">
@@ -4975,91 +5077,88 @@
           <a:bodyPr/>
           <a:lstStyle/>
           <a:p>
+            <a:pPr marL="0" indent="0"/>
+            <a:r>
+              <a:rPr lang="de-DE" sz="1800" dirty="0"/>
+              <a:t>Weitere Besonderheiten:</a:t>
+            </a:r>
+          </a:p>
+          <a:p>
             <a:pPr>
-              <a:buFont typeface="Arial" panose="020B0604020202020204" pitchFamily="34" charset="0"/>
-              <a:buChar char="•"/>
+              <a:buFont typeface="+mj-lt"/>
+              <a:buAutoNum type="arabicPeriod"/>
             </a:pPr>
             <a:r>
               <a:rPr lang="de-DE" sz="1800" dirty="0"/>
-              <a:t>Potentialfelder für Hindernisse, Ziel und Fahrrinnen bzw. Rampen weitestgehend fertig</a:t>
-            </a:r>
-            <a:br>
+              <a:t>Software unterscheidet zwischen fahrenden und stehenden </a:t>
+            </a:r>
+            <a:r>
+              <a:rPr lang="de-DE" sz="1800" dirty="0" err="1"/>
+              <a:t>Robotinos</a:t>
+            </a:r>
+            <a:endParaRPr lang="de-DE" sz="1800" dirty="0"/>
+          </a:p>
+          <a:p>
+            <a:pPr marL="0" indent="0"/>
+            <a:r>
               <a:rPr lang="de-DE" sz="1800" dirty="0"/>
-            </a:br>
+              <a:t>	 Potentialfelder werden angeglichen</a:t>
+            </a:r>
+          </a:p>
+          <a:p>
+            <a:pPr>
+              <a:buFont typeface="+mj-lt"/>
+              <a:buAutoNum type="arabicPeriod" startAt="2"/>
+            </a:pPr>
             <a:r>
               <a:rPr lang="de-DE" sz="1800" dirty="0"/>
-              <a:t>(letzter Feinschliff bezüglich Intensitäten erforderlich)</a:t>
+              <a:t>Ist </a:t>
+            </a:r>
+            <a:r>
+              <a:rPr lang="de-DE" sz="1800" dirty="0" err="1"/>
+              <a:t>Robotino</a:t>
+            </a:r>
+            <a:r>
+              <a:rPr lang="de-DE" sz="1800" dirty="0"/>
+              <a:t> in einer Station fertig und weitere </a:t>
+            </a:r>
+            <a:r>
+              <a:rPr lang="de-DE" sz="1800" dirty="0" err="1"/>
+              <a:t>Robotinos</a:t>
+            </a:r>
+            <a:r>
+              <a:rPr lang="de-DE" sz="1800" dirty="0"/>
+              <a:t> stehen an verlässt der </a:t>
+            </a:r>
+            <a:r>
+              <a:rPr lang="de-DE" sz="1800" dirty="0" err="1"/>
+              <a:t>Robotino</a:t>
+            </a:r>
+            <a:r>
+              <a:rPr lang="de-DE" sz="1800" dirty="0"/>
+              <a:t> den Fertigungsbereich nach Hinten</a:t>
+            </a:r>
+          </a:p>
+          <a:p>
+            <a:pPr marL="0" indent="0"/>
+            <a:r>
+              <a:rPr lang="de-DE" sz="1800" dirty="0"/>
+              <a:t>               Kollisionsgefahr minimiert</a:t>
             </a:r>
           </a:p>
           <a:p>
             <a:pPr>
-              <a:buFont typeface="Arial" panose="020B0604020202020204" pitchFamily="34" charset="0"/>
-              <a:buChar char="•"/>
+              <a:buFont typeface="+mj-lt"/>
+              <a:buAutoNum type="arabicPeriod" startAt="3"/>
             </a:pPr>
             <a:r>
               <a:rPr lang="de-DE" sz="1800" dirty="0"/>
-              <a:t>Warten und Anstellen im FIFO </a:t>
-            </a:r>
-          </a:p>
-          <a:p>
-            <a:pPr>
-              <a:buFont typeface="Arial" panose="020B0604020202020204" pitchFamily="34" charset="0"/>
-              <a:buChar char="•"/>
-            </a:pPr>
-            <a:r>
-              <a:rPr lang="de-DE" sz="1800" dirty="0"/>
-              <a:t>Auslesen der UDP-Daten zur Bestimmung der Roboterposition</a:t>
-            </a:r>
-          </a:p>
-          <a:p>
-            <a:pPr>
-              <a:buFont typeface="Arial" panose="020B0604020202020204" pitchFamily="34" charset="0"/>
-              <a:buChar char="•"/>
-            </a:pPr>
-            <a:r>
-              <a:rPr lang="de-DE" sz="1800" dirty="0"/>
-              <a:t>Benutzung der IR-Sensoren </a:t>
-            </a:r>
-          </a:p>
-          <a:p>
-            <a:pPr>
-              <a:buFont typeface="Arial" panose="020B0604020202020204" pitchFamily="34" charset="0"/>
-              <a:buChar char="•"/>
-            </a:pPr>
-            <a:r>
-              <a:rPr lang="de-DE" sz="1800" dirty="0"/>
-              <a:t>Ausweichen von statischen und dynamischen Hindernissen</a:t>
-            </a:r>
-          </a:p>
-          <a:p>
-            <a:pPr>
-              <a:buFont typeface="Arial" panose="020B0604020202020204" pitchFamily="34" charset="0"/>
-              <a:buChar char="•"/>
-            </a:pPr>
-            <a:r>
-              <a:rPr lang="de-DE" sz="1800" dirty="0"/>
-              <a:t>Übergang von Transport in den Fertigungsbereich und wieder zurück (Übergabe an Gewerk 3)</a:t>
-            </a:r>
-          </a:p>
-          <a:p>
-            <a:pPr>
-              <a:buFont typeface="Arial" panose="020B0604020202020204" pitchFamily="34" charset="0"/>
-              <a:buChar char="•"/>
-            </a:pPr>
-            <a:r>
-              <a:rPr lang="de-DE" sz="1800" dirty="0"/>
-              <a:t>Empfangen von einem Auftrag an die Roboter mittels UDP</a:t>
-            </a:r>
-          </a:p>
-          <a:p>
-            <a:pPr>
-              <a:buFont typeface="Arial" panose="020B0604020202020204" pitchFamily="34" charset="0"/>
-              <a:buChar char="•"/>
-            </a:pPr>
-            <a:r>
-              <a:rPr lang="de-DE" sz="1800" dirty="0"/>
-              <a:t>Fahren in Warteposition falls kein neuer Auftrag ankommt</a:t>
-            </a:r>
+              <a:t>Weitere Kollisionsvermeidung: Auftragslos =&gt; Warteposition anfahren</a:t>
+            </a:r>
+          </a:p>
+          <a:p>
+            <a:pPr marL="0" indent="0"/>
+            <a:endParaRPr lang="de-DE" sz="1800" dirty="0"/>
           </a:p>
           <a:p>
             <a:pPr>
@@ -5161,10 +5260,102 @@
           </a:p>
         </p:txBody>
       </p:sp>
+      <p:sp>
+        <p:nvSpPr>
+          <p:cNvPr id="7" name="Pfeil: nach rechts 6">
+            <a:extLst>
+              <a:ext uri="{FF2B5EF4-FFF2-40B4-BE49-F238E27FC236}">
+                <a16:creationId xmlns:a16="http://schemas.microsoft.com/office/drawing/2014/main" id="{0D303E9E-B37E-4930-A338-8405AD00A805}"/>
+              </a:ext>
+            </a:extLst>
+          </p:cNvPr>
+          <p:cNvSpPr/>
+          <p:nvPr/>
+        </p:nvSpPr>
+        <p:spPr>
+          <a:xfrm>
+            <a:off x="631825" y="2165927"/>
+            <a:ext cx="572721" cy="287338"/>
+          </a:xfrm>
+          <a:prstGeom prst="rightArrow">
+            <a:avLst/>
+          </a:prstGeom>
+        </p:spPr>
+        <p:style>
+          <a:lnRef idx="2">
+            <a:schemeClr val="accent1">
+              <a:shade val="50000"/>
+            </a:schemeClr>
+          </a:lnRef>
+          <a:fillRef idx="1">
+            <a:schemeClr val="accent1"/>
+          </a:fillRef>
+          <a:effectRef idx="0">
+            <a:schemeClr val="accent1"/>
+          </a:effectRef>
+          <a:fontRef idx="minor">
+            <a:schemeClr val="lt1"/>
+          </a:fontRef>
+        </p:style>
+        <p:txBody>
+          <a:bodyPr rtlCol="0" anchor="ctr"/>
+          <a:lstStyle/>
+          <a:p>
+            <a:pPr algn="ctr"/>
+            <a:endParaRPr lang="de-DE"/>
+          </a:p>
+        </p:txBody>
+      </p:sp>
+      <p:sp>
+        <p:nvSpPr>
+          <p:cNvPr id="8" name="Pfeil: nach rechts 7">
+            <a:extLst>
+              <a:ext uri="{FF2B5EF4-FFF2-40B4-BE49-F238E27FC236}">
+                <a16:creationId xmlns:a16="http://schemas.microsoft.com/office/drawing/2014/main" id="{44FCA105-1888-4AA9-91F4-A151BB70C287}"/>
+              </a:ext>
+            </a:extLst>
+          </p:cNvPr>
+          <p:cNvSpPr/>
+          <p:nvPr/>
+        </p:nvSpPr>
+        <p:spPr>
+          <a:xfrm>
+            <a:off x="631825" y="3285331"/>
+            <a:ext cx="572721" cy="287338"/>
+          </a:xfrm>
+          <a:prstGeom prst="rightArrow">
+            <a:avLst/>
+          </a:prstGeom>
+        </p:spPr>
+        <p:style>
+          <a:lnRef idx="2">
+            <a:schemeClr val="accent1">
+              <a:shade val="50000"/>
+            </a:schemeClr>
+          </a:lnRef>
+          <a:fillRef idx="1">
+            <a:schemeClr val="accent1"/>
+          </a:fillRef>
+          <a:effectRef idx="0">
+            <a:schemeClr val="accent1"/>
+          </a:effectRef>
+          <a:fontRef idx="minor">
+            <a:schemeClr val="lt1"/>
+          </a:fontRef>
+        </p:style>
+        <p:txBody>
+          <a:bodyPr rtlCol="0" anchor="ctr"/>
+          <a:lstStyle/>
+          <a:p>
+            <a:pPr algn="ctr"/>
+            <a:endParaRPr lang="de-DE"/>
+          </a:p>
+        </p:txBody>
+      </p:sp>
     </p:spTree>
     <p:extLst>
       <p:ext uri="{BB962C8B-B14F-4D97-AF65-F5344CB8AC3E}">
-        <p14:creationId xmlns:p14="http://schemas.microsoft.com/office/powerpoint/2010/main" val="496970247"/>
+        <p14:creationId xmlns:p14="http://schemas.microsoft.com/office/powerpoint/2010/main" val="2236331909"/>
       </p:ext>
     </p:extLst>
   </p:cSld>
@@ -5240,34 +5431,6 @@
         <p:txBody>
           <a:bodyPr/>
           <a:lstStyle/>
-          <a:p>
-            <a:pPr>
-              <a:buFont typeface="Arial" panose="020B0604020202020204" pitchFamily="34" charset="0"/>
-              <a:buChar char="•"/>
-            </a:pPr>
-            <a:r>
-              <a:rPr lang="de-DE" sz="1800" dirty="0"/>
-              <a:t>Potentialfelder sind perfektioniert. </a:t>
-            </a:r>
-          </a:p>
-          <a:p>
-            <a:pPr>
-              <a:buFont typeface="Arial" panose="020B0604020202020204" pitchFamily="34" charset="0"/>
-              <a:buChar char="•"/>
-            </a:pPr>
-            <a:r>
-              <a:rPr lang="de-DE" sz="1800" dirty="0"/>
-              <a:t>Größe der Potentialfelder der einzelnen </a:t>
-            </a:r>
-            <a:r>
-              <a:rPr lang="de-DE" sz="1800" dirty="0" err="1"/>
-              <a:t>Robotinos</a:t>
-            </a:r>
-            <a:r>
-              <a:rPr lang="de-DE" sz="1800" dirty="0"/>
-              <a:t> so angepasst, dass Ausweichen problemlos funktioniert</a:t>
-            </a:r>
-          </a:p>
           <a:p>
             <a:pPr>
               <a:buFont typeface="Arial" panose="020B0604020202020204" pitchFamily="34" charset="0"/>

--- a/Präsentationen/Endpräsi.pptx
+++ b/Präsentationen/Endpräsi.pptx
@@ -5,28 +5,29 @@
     <p:sldMasterId id="2147483656" r:id="rId1"/>
   </p:sldMasterIdLst>
   <p:notesMasterIdLst>
-    <p:notesMasterId r:id="rId13"/>
+    <p:notesMasterId r:id="rId14"/>
   </p:notesMasterIdLst>
   <p:handoutMasterIdLst>
-    <p:handoutMasterId r:id="rId14"/>
+    <p:handoutMasterId r:id="rId15"/>
   </p:handoutMasterIdLst>
   <p:sldIdLst>
     <p:sldId id="334" r:id="rId2"/>
     <p:sldId id="427" r:id="rId3"/>
     <p:sldId id="439" r:id="rId4"/>
-    <p:sldId id="438" r:id="rId5"/>
-    <p:sldId id="442" r:id="rId6"/>
-    <p:sldId id="436" r:id="rId7"/>
-    <p:sldId id="445" r:id="rId8"/>
-    <p:sldId id="446" r:id="rId9"/>
-    <p:sldId id="441" r:id="rId10"/>
+    <p:sldId id="447" r:id="rId5"/>
+    <p:sldId id="438" r:id="rId6"/>
+    <p:sldId id="442" r:id="rId7"/>
+    <p:sldId id="436" r:id="rId8"/>
+    <p:sldId id="445" r:id="rId9"/>
+    <p:sldId id="446" r:id="rId10"/>
     <p:sldId id="437" r:id="rId11"/>
-    <p:sldId id="440" r:id="rId12"/>
+    <p:sldId id="441" r:id="rId12"/>
+    <p:sldId id="440" r:id="rId13"/>
   </p:sldIdLst>
   <p:sldSz cx="9906000" cy="6858000" type="A4"/>
   <p:notesSz cx="6854825" cy="9750425"/>
   <p:custDataLst>
-    <p:tags r:id="rId15"/>
+    <p:tags r:id="rId16"/>
   </p:custDataLst>
   <p:defaultTextStyle>
     <a:defPPr>
@@ -3071,7 +3072,7 @@
           <a:p>
             <a:r>
               <a:rPr lang="de-DE" sz="1800" dirty="0"/>
-              <a:t>3. Probleme  </a:t>
+              <a:t>3. Probleme und Lösungen  </a:t>
             </a:r>
           </a:p>
         </p:txBody>
@@ -3097,13 +3098,67 @@
           <a:bodyPr/>
           <a:lstStyle/>
           <a:p>
+            <a:pPr marL="285750" indent="-285750">
+              <a:buFont typeface="Arial" panose="020B0604020202020204" pitchFamily="34" charset="0"/>
+              <a:buChar char="•"/>
+            </a:pPr>
+            <a:r>
+              <a:rPr lang="de-DE" sz="1800" b="1" dirty="0"/>
+              <a:t>P:</a:t>
+            </a:r>
+            <a:r>
+              <a:rPr lang="de-DE" sz="1800" dirty="0"/>
+              <a:t> IR-Erkennung zwischen zwei Sensoren</a:t>
+            </a:r>
+          </a:p>
+          <a:p>
+            <a:pPr lvl="3">
+              <a:buFont typeface="Arial" panose="020B0604020202020204" pitchFamily="34" charset="0"/>
+              <a:buChar char="•"/>
+            </a:pPr>
+            <a:r>
+              <a:rPr lang="de-DE" sz="1800" b="1" dirty="0"/>
+              <a:t>L:</a:t>
+            </a:r>
+            <a:r>
+              <a:rPr lang="de-DE" sz="1800" dirty="0"/>
+              <a:t> </a:t>
+            </a:r>
+            <a:r>
+              <a:rPr lang="de-DE" sz="1800" dirty="0" err="1"/>
+              <a:t>Robotino</a:t>
+            </a:r>
+            <a:r>
+              <a:rPr lang="de-DE" sz="1800" dirty="0"/>
+              <a:t> während der Fahrt drehen lassen</a:t>
+            </a:r>
+          </a:p>
+          <a:p>
             <a:pPr>
               <a:buFont typeface="Arial" panose="020B0604020202020204" pitchFamily="34" charset="0"/>
               <a:buChar char="•"/>
             </a:pPr>
             <a:r>
+              <a:rPr lang="de-DE" sz="1800" b="1" dirty="0"/>
+              <a:t>P:</a:t>
+            </a:r>
+            <a:r>
               <a:rPr lang="de-DE" sz="1800" dirty="0"/>
-              <a:t>Übergabe vom Transport in den Fertigungsbereich wird nicht immer direkt erkannt (schon behoben)</a:t>
+              <a:t> Kollisionen</a:t>
+            </a:r>
+          </a:p>
+          <a:p>
+            <a:pPr lvl="3">
+              <a:buFont typeface="Arial" panose="020B0604020202020204" pitchFamily="34" charset="0"/>
+              <a:buChar char="•"/>
+            </a:pPr>
+            <a:r>
+              <a:rPr lang="de-DE" sz="1800" b="1" dirty="0"/>
+              <a:t>L: </a:t>
+            </a:r>
+            <a:r>
+              <a:rPr lang="de-DE" sz="1800" dirty="0"/>
+              <a:t>Potentialfelder erhöhen, Geschwindigkeit anpassen</a:t>
             </a:r>
           </a:p>
           <a:p>
@@ -3112,18 +3167,27 @@
               <a:buChar char="•"/>
             </a:pPr>
             <a:r>
-              <a:rPr lang="de-DE" sz="1800" dirty="0" err="1"/>
-              <a:t>Robotino</a:t>
+              <a:rPr lang="de-DE" sz="1800" b="1" dirty="0"/>
+              <a:t>P: </a:t>
             </a:r>
             <a:r>
               <a:rPr lang="de-DE" sz="1800" dirty="0"/>
-              <a:t> stoppt sich willkürlich selbst nach Verbindung mit Gewerk 3 (schon von Gewerk3 </a:t>
-            </a:r>
-            <a:r>
-              <a:rPr lang="de-DE" sz="1800"/>
-              <a:t>behoben)</a:t>
-            </a:r>
-            <a:endParaRPr lang="de-DE" sz="1800" dirty="0"/>
+              <a:t>Ausweichmanöver</a:t>
+            </a:r>
+          </a:p>
+          <a:p>
+            <a:pPr lvl="3">
+              <a:buFont typeface="Arial" panose="020B0604020202020204" pitchFamily="34" charset="0"/>
+              <a:buChar char="•"/>
+            </a:pPr>
+            <a:r>
+              <a:rPr lang="de-DE" sz="1800" b="1" dirty="0"/>
+              <a:t>L:</a:t>
+            </a:r>
+            <a:r>
+              <a:rPr lang="de-DE" sz="1800" dirty="0"/>
+              <a:t> Raum in unterschiedliche Bereiche einteilen</a:t>
+            </a:r>
           </a:p>
           <a:p>
             <a:pPr>
@@ -3131,12 +3195,51 @@
               <a:buChar char="•"/>
             </a:pPr>
             <a:r>
+              <a:rPr lang="de-DE" sz="1800" b="1" dirty="0"/>
+              <a:t>P:</a:t>
+            </a:r>
+            <a:r>
               <a:rPr lang="de-DE" sz="1800" dirty="0"/>
-              <a:t>UDP Kommunikation mit Gewerk 1 zur Auftragsverteilung nicht möglich (teilweise behoben)</a:t>
-            </a:r>
-          </a:p>
-          <a:p>
-            <a:pPr>
+              <a:t> FIFO</a:t>
+            </a:r>
+          </a:p>
+          <a:p>
+            <a:pPr lvl="3">
+              <a:buFont typeface="Arial" panose="020B0604020202020204" pitchFamily="34" charset="0"/>
+              <a:buChar char="•"/>
+            </a:pPr>
+            <a:r>
+              <a:rPr lang="de-DE" sz="1800" b="1" dirty="0"/>
+              <a:t>L: </a:t>
+            </a:r>
+            <a:r>
+              <a:rPr lang="de-DE" sz="1800" dirty="0"/>
+              <a:t>Noch keine Lösung gefunden</a:t>
+            </a:r>
+          </a:p>
+          <a:p>
+            <a:pPr lvl="1">
+              <a:buFont typeface="Arial" panose="020B0604020202020204" pitchFamily="34" charset="0"/>
+              <a:buChar char="•"/>
+            </a:pPr>
+            <a:endParaRPr lang="de-DE" sz="1800" dirty="0"/>
+          </a:p>
+          <a:p>
+            <a:pPr lvl="1">
+              <a:buFont typeface="Arial" panose="020B0604020202020204" pitchFamily="34" charset="0"/>
+              <a:buChar char="•"/>
+            </a:pPr>
+            <a:endParaRPr lang="de-DE" sz="1800" dirty="0"/>
+          </a:p>
+          <a:p>
+            <a:pPr lvl="2">
+              <a:buFont typeface="Arial" panose="020B0604020202020204" pitchFamily="34" charset="0"/>
+              <a:buChar char="•"/>
+            </a:pPr>
+            <a:endParaRPr lang="de-DE" sz="1800" dirty="0"/>
+          </a:p>
+          <a:p>
+            <a:pPr lvl="2">
               <a:buFont typeface="Arial" panose="020B0604020202020204" pitchFamily="34" charset="0"/>
               <a:buChar char="•"/>
             </a:pPr>
@@ -3307,6 +3410,206 @@
           <p:cNvPr id="2" name="Titel 1">
             <a:extLst>
               <a:ext uri="{FF2B5EF4-FFF2-40B4-BE49-F238E27FC236}">
+                <a16:creationId xmlns:a16="http://schemas.microsoft.com/office/drawing/2014/main" id="{F3639E51-5011-4217-810D-F122D87922E7}"/>
+              </a:ext>
+            </a:extLst>
+          </p:cNvPr>
+          <p:cNvSpPr>
+            <a:spLocks noGrp="1"/>
+          </p:cNvSpPr>
+          <p:nvPr>
+            <p:ph type="title"/>
+          </p:nvPr>
+        </p:nvSpPr>
+        <p:spPr/>
+        <p:txBody>
+          <a:bodyPr/>
+          <a:lstStyle/>
+          <a:p>
+            <a:r>
+              <a:rPr lang="de-DE" dirty="0" err="1"/>
+              <a:t>Robotino</a:t>
+            </a:r>
+            <a:r>
+              <a:rPr lang="de-DE" dirty="0"/>
+              <a:t> 2.0</a:t>
+            </a:r>
+          </a:p>
+        </p:txBody>
+      </p:sp>
+      <p:sp>
+        <p:nvSpPr>
+          <p:cNvPr id="3" name="Inhaltsplatzhalter 2">
+            <a:extLst>
+              <a:ext uri="{FF2B5EF4-FFF2-40B4-BE49-F238E27FC236}">
+                <a16:creationId xmlns:a16="http://schemas.microsoft.com/office/drawing/2014/main" id="{A1594824-0012-4797-AAE7-048655F517C9}"/>
+              </a:ext>
+            </a:extLst>
+          </p:cNvPr>
+          <p:cNvSpPr>
+            <a:spLocks noGrp="1"/>
+          </p:cNvSpPr>
+          <p:nvPr>
+            <p:ph idx="1"/>
+          </p:nvPr>
+        </p:nvSpPr>
+        <p:spPr/>
+        <p:txBody>
+          <a:bodyPr/>
+          <a:lstStyle/>
+          <a:p>
+            <a:pPr marL="285750" indent="-285750">
+              <a:buFont typeface="Arial" panose="020B0604020202020204" pitchFamily="34" charset="0"/>
+              <a:buChar char="•"/>
+            </a:pPr>
+            <a:r>
+              <a:rPr lang="de-DE" sz="1800" dirty="0"/>
+              <a:t>Im Prinzip gleiches Programm wie </a:t>
+            </a:r>
+            <a:r>
+              <a:rPr lang="de-DE" sz="1800" dirty="0" err="1"/>
+              <a:t>Robotino</a:t>
+            </a:r>
+            <a:r>
+              <a:rPr lang="de-DE" sz="1800" dirty="0"/>
+              <a:t> 1.0</a:t>
+            </a:r>
+          </a:p>
+          <a:p>
+            <a:pPr marL="285750" indent="-285750">
+              <a:buFont typeface="Arial" panose="020B0604020202020204" pitchFamily="34" charset="0"/>
+              <a:buChar char="•"/>
+            </a:pPr>
+            <a:r>
+              <a:rPr lang="de-DE" sz="1800" dirty="0"/>
+              <a:t>Wenig Anpassungen</a:t>
+            </a:r>
+          </a:p>
+          <a:p>
+            <a:pPr marL="285750" indent="-285750">
+              <a:buFont typeface="Arial" panose="020B0604020202020204" pitchFamily="34" charset="0"/>
+              <a:buChar char="•"/>
+            </a:pPr>
+            <a:r>
+              <a:rPr lang="de-DE" sz="1800" dirty="0"/>
+              <a:t>Eigene Ladestation und Übergabepunkte</a:t>
+            </a:r>
+          </a:p>
+        </p:txBody>
+      </p:sp>
+      <p:sp>
+        <p:nvSpPr>
+          <p:cNvPr id="4" name="Fußzeilenplatzhalter 3">
+            <a:extLst>
+              <a:ext uri="{FF2B5EF4-FFF2-40B4-BE49-F238E27FC236}">
+                <a16:creationId xmlns:a16="http://schemas.microsoft.com/office/drawing/2014/main" id="{10069B3C-7643-4D6C-9022-3F34C2215C51}"/>
+              </a:ext>
+            </a:extLst>
+          </p:cNvPr>
+          <p:cNvSpPr>
+            <a:spLocks noGrp="1"/>
+          </p:cNvSpPr>
+          <p:nvPr>
+            <p:ph type="ftr" sz="quarter" idx="10"/>
+          </p:nvPr>
+        </p:nvSpPr>
+        <p:spPr/>
+        <p:txBody>
+          <a:bodyPr/>
+          <a:lstStyle/>
+          <a:p>
+            <a:pPr>
+              <a:defRPr/>
+            </a:pPr>
+            <a:r>
+              <a:rPr lang="de-DE"/>
+              <a:t>VPJ Gewerk 2 |  Bahnplanung  |  SoSe 2018  </a:t>
+            </a:r>
+            <a:r>
+              <a:rPr lang="de-DE">
+                <a:cs typeface="Arial" charset="0"/>
+              </a:rPr>
+              <a:t>|  Robin Möller, Inke Heynen, Jan Gellermann</a:t>
+            </a:r>
+            <a:endParaRPr lang="de-DE" dirty="0">
+              <a:cs typeface="Arial" charset="0"/>
+            </a:endParaRPr>
+          </a:p>
+        </p:txBody>
+      </p:sp>
+      <p:sp>
+        <p:nvSpPr>
+          <p:cNvPr id="5" name="Foliennummernplatzhalter 4">
+            <a:extLst>
+              <a:ext uri="{FF2B5EF4-FFF2-40B4-BE49-F238E27FC236}">
+                <a16:creationId xmlns:a16="http://schemas.microsoft.com/office/drawing/2014/main" id="{43A387BD-F344-4FCB-AF63-CA7D8E6B2EB1}"/>
+              </a:ext>
+            </a:extLst>
+          </p:cNvPr>
+          <p:cNvSpPr>
+            <a:spLocks noGrp="1"/>
+          </p:cNvSpPr>
+          <p:nvPr>
+            <p:ph type="sldNum" sz="quarter" idx="11"/>
+          </p:nvPr>
+        </p:nvSpPr>
+        <p:spPr/>
+        <p:txBody>
+          <a:bodyPr/>
+          <a:lstStyle/>
+          <a:p>
+            <a:fld id="{7FFA0C58-318F-4968-B44E-A586A02707A0}" type="slidenum">
+              <a:rPr lang="de-DE" altLang="es-ES" smtClean="0"/>
+              <a:pPr/>
+              <a:t>11</a:t>
+            </a:fld>
+            <a:r>
+              <a:rPr lang="de-DE" altLang="es-ES">
+                <a:solidFill>
+                  <a:schemeClr val="accent2"/>
+                </a:solidFill>
+              </a:rPr>
+              <a:t> </a:t>
+            </a:r>
+          </a:p>
+        </p:txBody>
+      </p:sp>
+    </p:spTree>
+    <p:extLst>
+      <p:ext uri="{BB962C8B-B14F-4D97-AF65-F5344CB8AC3E}">
+        <p14:creationId xmlns:p14="http://schemas.microsoft.com/office/powerpoint/2010/main" val="3378529180"/>
+      </p:ext>
+    </p:extLst>
+  </p:cSld>
+  <p:clrMapOvr>
+    <a:masterClrMapping/>
+  </p:clrMapOvr>
+  <p:transition/>
+</p:sld>
+</file>
+
+<file path=ppt/slides/slide12.xml><?xml version="1.0" encoding="utf-8"?>
+<p:sld xmlns:a="http://schemas.openxmlformats.org/drawingml/2006/main" xmlns:r="http://schemas.openxmlformats.org/officeDocument/2006/relationships" xmlns:p="http://schemas.openxmlformats.org/presentationml/2006/main">
+  <p:cSld>
+    <p:spTree>
+      <p:nvGrpSpPr>
+        <p:cNvPr id="1" name=""/>
+        <p:cNvGrpSpPr/>
+        <p:nvPr/>
+      </p:nvGrpSpPr>
+      <p:grpSpPr>
+        <a:xfrm>
+          <a:off x="0" y="0"/>
+          <a:ext cx="0" cy="0"/>
+          <a:chOff x="0" y="0"/>
+          <a:chExt cx="0" cy="0"/>
+        </a:xfrm>
+      </p:grpSpPr>
+      <p:sp>
+        <p:nvSpPr>
+          <p:cNvPr id="2" name="Titel 1">
+            <a:extLst>
+              <a:ext uri="{FF2B5EF4-FFF2-40B4-BE49-F238E27FC236}">
                 <a16:creationId xmlns:a16="http://schemas.microsoft.com/office/drawing/2014/main" id="{0DE113FB-13E9-4EBE-83D1-36549BEDE9B3}"/>
               </a:ext>
             </a:extLst>
@@ -3334,76 +3637,6 @@
               <a:t> Terminplan</a:t>
             </a:r>
             <a:endParaRPr lang="de-DE" sz="1800" dirty="0"/>
-          </a:p>
-        </p:txBody>
-      </p:sp>
-      <p:sp>
-        <p:nvSpPr>
-          <p:cNvPr id="3" name="Inhaltsplatzhalter 2">
-            <a:extLst>
-              <a:ext uri="{FF2B5EF4-FFF2-40B4-BE49-F238E27FC236}">
-                <a16:creationId xmlns:a16="http://schemas.microsoft.com/office/drawing/2014/main" id="{63B4F7EC-690A-4EEA-84CB-ADF923F87B5F}"/>
-              </a:ext>
-            </a:extLst>
-          </p:cNvPr>
-          <p:cNvSpPr>
-            <a:spLocks noGrp="1"/>
-          </p:cNvSpPr>
-          <p:nvPr>
-            <p:ph idx="1"/>
-          </p:nvPr>
-        </p:nvSpPr>
-        <p:spPr/>
-        <p:txBody>
-          <a:bodyPr/>
-          <a:lstStyle/>
-          <a:p>
-            <a:pPr marL="0" indent="0"/>
-            <a:r>
-              <a:rPr lang="de-DE" sz="1800" dirty="0"/>
-              <a:t>Was ist noch zu tun?</a:t>
-            </a:r>
-          </a:p>
-          <a:p>
-            <a:pPr marL="285750" indent="-285750">
-              <a:buFont typeface="Arial" panose="020B0604020202020204" pitchFamily="34" charset="0"/>
-              <a:buChar char="•"/>
-            </a:pPr>
-            <a:r>
-              <a:rPr lang="de-DE" sz="1800" dirty="0"/>
-              <a:t>Schnittstelle mit Gewerk 1</a:t>
-            </a:r>
-          </a:p>
-          <a:p>
-            <a:pPr marL="285750" indent="-285750">
-              <a:buFont typeface="Arial" panose="020B0604020202020204" pitchFamily="34" charset="0"/>
-              <a:buChar char="•"/>
-            </a:pPr>
-            <a:r>
-              <a:rPr lang="de-DE" sz="1800" dirty="0"/>
-              <a:t>Evtl. Einbindung des </a:t>
-            </a:r>
-            <a:r>
-              <a:rPr lang="de-DE" sz="1800" dirty="0" err="1"/>
-              <a:t>Robotino</a:t>
-            </a:r>
-            <a:r>
-              <a:rPr lang="de-DE" sz="1800" dirty="0"/>
-              <a:t> 2.0</a:t>
-            </a:r>
-          </a:p>
-          <a:p>
-            <a:pPr marL="285750" indent="-285750">
-              <a:buFont typeface="Arial" panose="020B0604020202020204" pitchFamily="34" charset="0"/>
-              <a:buChar char="•"/>
-            </a:pPr>
-            <a:r>
-              <a:rPr lang="de-DE" sz="1800" dirty="0"/>
-              <a:t>Optimierung der schon vorhandenen Funktionen</a:t>
-            </a:r>
-          </a:p>
-          <a:p>
-            <a:endParaRPr lang="de-DE" dirty="0"/>
           </a:p>
         </p:txBody>
       </p:sp>
@@ -3471,7 +3704,7 @@
             <a:fld id="{7FFA0C58-318F-4968-B44E-A586A02707A0}" type="slidenum">
               <a:rPr lang="de-DE" altLang="es-ES" smtClean="0"/>
               <a:pPr/>
-              <a:t>11</a:t>
+              <a:t>12</a:t>
             </a:fld>
             <a:r>
               <a:rPr lang="de-DE" altLang="es-ES">
@@ -3484,12 +3717,85 @@
           </a:p>
         </p:txBody>
       </p:sp>
+      <p:sp>
+        <p:nvSpPr>
+          <p:cNvPr id="14" name="Inhaltsplatzhalter 13">
+            <a:extLst>
+              <a:ext uri="{FF2B5EF4-FFF2-40B4-BE49-F238E27FC236}">
+                <a16:creationId xmlns:a16="http://schemas.microsoft.com/office/drawing/2014/main" id="{AD79B16F-E1D2-4831-8438-42DCC430CC3C}"/>
+              </a:ext>
+            </a:extLst>
+          </p:cNvPr>
+          <p:cNvSpPr>
+            <a:spLocks noGrp="1"/>
+          </p:cNvSpPr>
+          <p:nvPr>
+            <p:ph idx="1"/>
+          </p:nvPr>
+        </p:nvSpPr>
+        <p:spPr/>
+        <p:txBody>
+          <a:bodyPr/>
+          <a:lstStyle/>
+          <a:p>
+            <a:pPr>
+              <a:buFont typeface="Arial" panose="020B0604020202020204" pitchFamily="34" charset="0"/>
+              <a:buChar char="•"/>
+            </a:pPr>
+            <a:r>
+              <a:rPr lang="de-DE" sz="1800" dirty="0"/>
+              <a:t>Zeitplan bis KW14 eingehalten</a:t>
+            </a:r>
+          </a:p>
+          <a:p>
+            <a:pPr>
+              <a:buFont typeface="Arial" panose="020B0604020202020204" pitchFamily="34" charset="0"/>
+              <a:buChar char="•"/>
+            </a:pPr>
+            <a:r>
+              <a:rPr lang="de-DE" sz="1800" dirty="0"/>
+              <a:t>Erste Testfahrten mit Gewerk3 bereits in KW12</a:t>
+            </a:r>
+          </a:p>
+          <a:p>
+            <a:pPr>
+              <a:buFont typeface="Arial" panose="020B0604020202020204" pitchFamily="34" charset="0"/>
+              <a:buChar char="•"/>
+            </a:pPr>
+            <a:r>
+              <a:rPr lang="de-DE" sz="1800" dirty="0"/>
+              <a:t>Test mit Robotino2.0 ab KW 14</a:t>
+            </a:r>
+          </a:p>
+          <a:p>
+            <a:pPr>
+              <a:buFont typeface="Arial" panose="020B0604020202020204" pitchFamily="34" charset="0"/>
+              <a:buChar char="•"/>
+            </a:pPr>
+            <a:r>
+              <a:rPr lang="de-DE" sz="1800" dirty="0"/>
+              <a:t>Gesamttest erst in KW18</a:t>
+            </a:r>
+          </a:p>
+          <a:p>
+            <a:pPr marL="0" indent="0"/>
+            <a:endParaRPr lang="de-DE" sz="1800" dirty="0"/>
+          </a:p>
+          <a:p>
+            <a:pPr>
+              <a:buFont typeface="Arial" panose="020B0604020202020204" pitchFamily="34" charset="0"/>
+              <a:buChar char="•"/>
+            </a:pPr>
+            <a:endParaRPr lang="de-DE" dirty="0"/>
+          </a:p>
+        </p:txBody>
+      </p:sp>
       <p:pic>
         <p:nvPicPr>
-          <p:cNvPr id="6" name="Inhaltsplatzhalter 5">
+          <p:cNvPr id="16" name="Grafik 15">
             <a:extLst>
               <a:ext uri="{FF2B5EF4-FFF2-40B4-BE49-F238E27FC236}">
-                <a16:creationId xmlns:a16="http://schemas.microsoft.com/office/drawing/2014/main" id="{F1E18ED7-309C-498B-9958-294406DF35EA}"/>
+                <a16:creationId xmlns:a16="http://schemas.microsoft.com/office/drawing/2014/main" id="{2E0C0D6F-2419-433D-8A3A-87D155F1B6A1}"/>
               </a:ext>
             </a:extLst>
           </p:cNvPr>
@@ -3510,47 +3816,50 @@
             <a:fillRect/>
           </a:stretch>
         </p:blipFill>
-        <p:spPr bwMode="gray">
+        <p:spPr>
           <a:xfrm>
-            <a:off x="0" y="3204374"/>
-            <a:ext cx="9923904" cy="2859954"/>
+            <a:off x="1" y="3889613"/>
+            <a:ext cx="9873611" cy="2340000"/>
           </a:xfrm>
           <a:prstGeom prst="rect">
             <a:avLst/>
           </a:prstGeom>
-          <a:noFill/>
-          <a:ln>
-            <a:noFill/>
-          </a:ln>
-          <a:effectLst/>
-          <a:extLst>
-            <a:ext uri="{909E8E84-426E-40DD-AFC4-6F175D3DCCD1}">
-              <a14:hiddenFill xmlns:a14="http://schemas.microsoft.com/office/drawing/2010/main">
-                <a:solidFill>
-                  <a:schemeClr val="accent1"/>
-                </a:solidFill>
-              </a14:hiddenFill>
-            </a:ext>
-            <a:ext uri="{91240B29-F687-4F45-9708-019B960494DF}">
-              <a14:hiddenLine xmlns:a14="http://schemas.microsoft.com/office/drawing/2010/main" w="9525">
-                <a:solidFill>
-                  <a:schemeClr val="tx1"/>
-                </a:solidFill>
-                <a:miter lim="800000"/>
-                <a:headEnd/>
-                <a:tailEnd/>
-              </a14:hiddenLine>
-            </a:ext>
-            <a:ext uri="{AF507438-7753-43E0-B8FC-AC1667EBCBE1}">
-              <a14:hiddenEffects xmlns:a14="http://schemas.microsoft.com/office/drawing/2010/main">
-                <a:effectLst>
-                  <a:outerShdw dist="35921" dir="2700000" algn="ctr" rotWithShape="0">
-                    <a:schemeClr val="bg2"/>
-                  </a:outerShdw>
-                </a:effectLst>
-              </a14:hiddenEffects>
-            </a:ext>
-          </a:extLst>
+        </p:spPr>
+      </p:pic>
+      <p:pic>
+        <p:nvPicPr>
+          <p:cNvPr id="18" name="Grafik 17">
+            <a:extLst>
+              <a:ext uri="{FF2B5EF4-FFF2-40B4-BE49-F238E27FC236}">
+                <a16:creationId xmlns:a16="http://schemas.microsoft.com/office/drawing/2014/main" id="{079156A6-DD69-4D3B-B7F6-C495DAB36451}"/>
+              </a:ext>
+            </a:extLst>
+          </p:cNvPr>
+          <p:cNvPicPr>
+            <a:picLocks noChangeAspect="1"/>
+          </p:cNvPicPr>
+          <p:nvPr/>
+        </p:nvPicPr>
+        <p:blipFill>
+          <a:blip r:embed="rId3">
+            <a:extLst>
+              <a:ext uri="{28A0092B-C50C-407E-A947-70E740481C1C}">
+                <a14:useLocalDpi xmlns:a14="http://schemas.microsoft.com/office/drawing/2010/main" val="0"/>
+              </a:ext>
+            </a:extLst>
+          </a:blip>
+          <a:stretch>
+            <a:fillRect/>
+          </a:stretch>
+        </p:blipFill>
+        <p:spPr>
+          <a:xfrm>
+            <a:off x="7149534" y="3925613"/>
+            <a:ext cx="2715565" cy="2296800"/>
+          </a:xfrm>
+          <a:prstGeom prst="rect">
+            <a:avLst/>
+          </a:prstGeom>
         </p:spPr>
       </p:pic>
     </p:spTree>
@@ -3564,6 +3873,81 @@
     <a:masterClrMapping/>
   </p:clrMapOvr>
   <p:transition/>
+  <p:timing>
+    <p:tnLst>
+      <p:par>
+        <p:cTn id="1" dur="indefinite" restart="never" nodeType="tmRoot">
+          <p:childTnLst>
+            <p:seq concurrent="1" nextAc="seek">
+              <p:cTn id="2" dur="indefinite" nodeType="mainSeq">
+                <p:childTnLst>
+                  <p:par>
+                    <p:cTn id="3" fill="hold">
+                      <p:stCondLst>
+                        <p:cond delay="indefinite"/>
+                      </p:stCondLst>
+                      <p:childTnLst>
+                        <p:par>
+                          <p:cTn id="4" fill="hold">
+                            <p:stCondLst>
+                              <p:cond delay="0"/>
+                            </p:stCondLst>
+                            <p:childTnLst>
+                              <p:par>
+                                <p:cTn id="5" presetID="1" presetClass="entr" presetSubtype="0" fill="hold" nodeType="clickEffect">
+                                  <p:stCondLst>
+                                    <p:cond delay="0"/>
+                                  </p:stCondLst>
+                                  <p:childTnLst>
+                                    <p:set>
+                                      <p:cBhvr>
+                                        <p:cTn id="6" dur="1" fill="hold">
+                                          <p:stCondLst>
+                                            <p:cond delay="0"/>
+                                          </p:stCondLst>
+                                        </p:cTn>
+                                        <p:tgtEl>
+                                          <p:spTgt spid="18"/>
+                                        </p:tgtEl>
+                                        <p:attrNameLst>
+                                          <p:attrName>style.visibility</p:attrName>
+                                        </p:attrNameLst>
+                                      </p:cBhvr>
+                                      <p:to>
+                                        <p:strVal val="visible"/>
+                                      </p:to>
+                                    </p:set>
+                                  </p:childTnLst>
+                                </p:cTn>
+                              </p:par>
+                            </p:childTnLst>
+                          </p:cTn>
+                        </p:par>
+                      </p:childTnLst>
+                    </p:cTn>
+                  </p:par>
+                </p:childTnLst>
+              </p:cTn>
+              <p:prevCondLst>
+                <p:cond evt="onPrev" delay="0">
+                  <p:tgtEl>
+                    <p:sldTgt/>
+                  </p:tgtEl>
+                </p:cond>
+              </p:prevCondLst>
+              <p:nextCondLst>
+                <p:cond evt="onNext" delay="0">
+                  <p:tgtEl>
+                    <p:sldTgt/>
+                  </p:tgtEl>
+                </p:cond>
+              </p:nextCondLst>
+            </p:seq>
+          </p:childTnLst>
+        </p:cTn>
+      </p:par>
+    </p:tnLst>
+  </p:timing>
 </p:sld>
 </file>
 
@@ -3925,7 +4309,13 @@
       </p:sp>
       <p:pic>
         <p:nvPicPr>
-          <p:cNvPr id="9" name="Inhaltsplatzhalter 8"/>
+          <p:cNvPr id="8" name="Inhaltsplatzhalter 7">
+            <a:extLst>
+              <a:ext uri="{FF2B5EF4-FFF2-40B4-BE49-F238E27FC236}">
+                <a16:creationId xmlns:a16="http://schemas.microsoft.com/office/drawing/2014/main" id="{2D7B404C-6E29-4EAB-ABEB-6FF3532E892F}"/>
+              </a:ext>
+            </a:extLst>
+          </p:cNvPr>
           <p:cNvPicPr>
             <a:picLocks noGrp="1" noChangeAspect="1"/>
           </p:cNvPicPr>
@@ -3934,19 +4324,22 @@
           </p:nvPr>
         </p:nvPicPr>
         <p:blipFill>
-          <a:blip r:embed="rId2"/>
+          <a:blip r:embed="rId2">
+            <a:extLst>
+              <a:ext uri="{28A0092B-C50C-407E-A947-70E740481C1C}">
+                <a14:useLocalDpi xmlns:a14="http://schemas.microsoft.com/office/drawing/2010/main" val="0"/>
+              </a:ext>
+            </a:extLst>
+          </a:blip>
           <a:stretch>
             <a:fillRect/>
           </a:stretch>
         </p:blipFill>
         <p:spPr>
           <a:xfrm>
-            <a:off x="320675" y="1427212"/>
-            <a:ext cx="9344025" cy="4656039"/>
+            <a:off x="320675" y="1421203"/>
+            <a:ext cx="9344025" cy="4668056"/>
           </a:xfrm>
-          <a:prstGeom prst="rect">
-            <a:avLst/>
-          </a:prstGeom>
         </p:spPr>
       </p:pic>
     </p:spTree>
@@ -3985,7 +4378,7 @@
           <p:cNvPr id="2" name="Titel 1">
             <a:extLst>
               <a:ext uri="{FF2B5EF4-FFF2-40B4-BE49-F238E27FC236}">
-                <a16:creationId xmlns:a16="http://schemas.microsoft.com/office/drawing/2014/main" id="{46690A77-D47F-472A-AB27-1C3F26DAFD45}"/>
+                <a16:creationId xmlns:a16="http://schemas.microsoft.com/office/drawing/2014/main" id="{1D01E2E5-1074-46DC-8480-1F80146A86FC}"/>
               </a:ext>
             </a:extLst>
           </p:cNvPr>
@@ -4013,7 +4406,7 @@
           <p:cNvPr id="4" name="Fußzeilenplatzhalter 3">
             <a:extLst>
               <a:ext uri="{FF2B5EF4-FFF2-40B4-BE49-F238E27FC236}">
-                <a16:creationId xmlns:a16="http://schemas.microsoft.com/office/drawing/2014/main" id="{0437E12D-4F3D-495B-A07A-B6FA7C40A8D3}"/>
+                <a16:creationId xmlns:a16="http://schemas.microsoft.com/office/drawing/2014/main" id="{583DA148-6337-4743-A905-1AE732F50969}"/>
               </a:ext>
             </a:extLst>
           </p:cNvPr>
@@ -4033,28 +4426,14 @@
               <a:defRPr/>
             </a:pPr>
             <a:r>
-              <a:rPr lang="de-DE" dirty="0"/>
-              <a:t>VPJ Gewerk 2 |  Bahnplanung  |  </a:t>
-            </a:r>
-            <a:r>
-              <a:rPr lang="de-DE" dirty="0" err="1"/>
-              <a:t>SoSe</a:t>
-            </a:r>
-            <a:r>
-              <a:rPr lang="de-DE" dirty="0"/>
-              <a:t> 2018  </a:t>
-            </a:r>
-            <a:r>
-              <a:rPr lang="de-DE" dirty="0">
+              <a:rPr lang="de-DE"/>
+              <a:t>VPJ Gewerk 2 |  Bahnplanung  |  SoSe 2018  </a:t>
+            </a:r>
+            <a:r>
+              <a:rPr lang="de-DE">
                 <a:cs typeface="Arial" charset="0"/>
               </a:rPr>
-              <a:t>|  Robin Möller, Inke Heynen, Jan </a:t>
-            </a:r>
-            <a:r>
-              <a:rPr lang="de-DE" dirty="0" err="1">
-                <a:cs typeface="Arial" charset="0"/>
-              </a:rPr>
-              <a:t>Gellermann</a:t>
+              <a:t>|  Robin Möller, Inke Heynen, Jan Gellermann</a:t>
             </a:r>
             <a:endParaRPr lang="de-DE" dirty="0">
               <a:cs typeface="Arial" charset="0"/>
@@ -4067,7 +4446,7 @@
           <p:cNvPr id="5" name="Foliennummernplatzhalter 4">
             <a:extLst>
               <a:ext uri="{FF2B5EF4-FFF2-40B4-BE49-F238E27FC236}">
-                <a16:creationId xmlns:a16="http://schemas.microsoft.com/office/drawing/2014/main" id="{0886D6B4-2E03-4E02-8110-641A267784A8}"/>
+                <a16:creationId xmlns:a16="http://schemas.microsoft.com/office/drawing/2014/main" id="{A0D5C8BD-9677-4BC5-A234-D3DA6C5C17F2}"/>
               </a:ext>
             </a:extLst>
           </p:cNvPr>
@@ -4101,10 +4480,10 @@
       </p:sp>
       <p:pic>
         <p:nvPicPr>
-          <p:cNvPr id="6" name="Inhaltsplatzhalter 6">
+          <p:cNvPr id="9" name="Inhaltsplatzhalter 8">
             <a:extLst>
               <a:ext uri="{FF2B5EF4-FFF2-40B4-BE49-F238E27FC236}">
-                <a16:creationId xmlns:a16="http://schemas.microsoft.com/office/drawing/2014/main" id="{47CA03EB-15C9-46A7-AC74-65C5D3926AE3}"/>
+                <a16:creationId xmlns:a16="http://schemas.microsoft.com/office/drawing/2014/main" id="{59BC9062-F814-426E-96AA-3E0DF14A7F5A}"/>
               </a:ext>
             </a:extLst>
           </p:cNvPr>
@@ -4116,25 +4495,28 @@
           </p:nvPr>
         </p:nvPicPr>
         <p:blipFill>
-          <a:blip r:embed="rId2"/>
+          <a:blip r:embed="rId2">
+            <a:extLst>
+              <a:ext uri="{28A0092B-C50C-407E-A947-70E740481C1C}">
+                <a14:useLocalDpi xmlns:a14="http://schemas.microsoft.com/office/drawing/2010/main" val="0"/>
+              </a:ext>
+            </a:extLst>
+          </a:blip>
           <a:stretch>
             <a:fillRect/>
           </a:stretch>
         </p:blipFill>
         <p:spPr>
           <a:xfrm>
-            <a:off x="320675" y="1312185"/>
-            <a:ext cx="9344025" cy="4886093"/>
+            <a:off x="320675" y="1431103"/>
+            <a:ext cx="9344025" cy="4648256"/>
           </a:xfrm>
-          <a:prstGeom prst="rect">
-            <a:avLst/>
-          </a:prstGeom>
         </p:spPr>
       </p:pic>
     </p:spTree>
     <p:extLst>
       <p:ext uri="{BB962C8B-B14F-4D97-AF65-F5344CB8AC3E}">
-        <p14:creationId xmlns:p14="http://schemas.microsoft.com/office/powerpoint/2010/main" val="400690389"/>
+        <p14:creationId xmlns:p14="http://schemas.microsoft.com/office/powerpoint/2010/main" val="1268259379"/>
       </p:ext>
     </p:extLst>
   </p:cSld>
@@ -4167,6 +4549,191 @@
           <p:cNvPr id="2" name="Titel 1">
             <a:extLst>
               <a:ext uri="{FF2B5EF4-FFF2-40B4-BE49-F238E27FC236}">
+                <a16:creationId xmlns:a16="http://schemas.microsoft.com/office/drawing/2014/main" id="{46690A77-D47F-472A-AB27-1C3F26DAFD45}"/>
+              </a:ext>
+            </a:extLst>
+          </p:cNvPr>
+          <p:cNvSpPr>
+            <a:spLocks noGrp="1"/>
+          </p:cNvSpPr>
+          <p:nvPr>
+            <p:ph type="title"/>
+          </p:nvPr>
+        </p:nvSpPr>
+        <p:spPr/>
+        <p:txBody>
+          <a:bodyPr/>
+          <a:lstStyle/>
+          <a:p>
+            <a:r>
+              <a:rPr lang="de-DE" dirty="0"/>
+              <a:t>1. Konzept</a:t>
+            </a:r>
+          </a:p>
+        </p:txBody>
+      </p:sp>
+      <p:sp>
+        <p:nvSpPr>
+          <p:cNvPr id="4" name="Fußzeilenplatzhalter 3">
+            <a:extLst>
+              <a:ext uri="{FF2B5EF4-FFF2-40B4-BE49-F238E27FC236}">
+                <a16:creationId xmlns:a16="http://schemas.microsoft.com/office/drawing/2014/main" id="{0437E12D-4F3D-495B-A07A-B6FA7C40A8D3}"/>
+              </a:ext>
+            </a:extLst>
+          </p:cNvPr>
+          <p:cNvSpPr>
+            <a:spLocks noGrp="1"/>
+          </p:cNvSpPr>
+          <p:nvPr>
+            <p:ph type="ftr" sz="quarter" idx="10"/>
+          </p:nvPr>
+        </p:nvSpPr>
+        <p:spPr/>
+        <p:txBody>
+          <a:bodyPr/>
+          <a:lstStyle/>
+          <a:p>
+            <a:pPr>
+              <a:defRPr/>
+            </a:pPr>
+            <a:r>
+              <a:rPr lang="de-DE" dirty="0"/>
+              <a:t>VPJ Gewerk 2 |  Bahnplanung  |  </a:t>
+            </a:r>
+            <a:r>
+              <a:rPr lang="de-DE" dirty="0" err="1"/>
+              <a:t>SoSe</a:t>
+            </a:r>
+            <a:r>
+              <a:rPr lang="de-DE" dirty="0"/>
+              <a:t> 2018  </a:t>
+            </a:r>
+            <a:r>
+              <a:rPr lang="de-DE" dirty="0">
+                <a:cs typeface="Arial" charset="0"/>
+              </a:rPr>
+              <a:t>|  Robin Möller, Inke Heynen, Jan </a:t>
+            </a:r>
+            <a:r>
+              <a:rPr lang="de-DE" dirty="0" err="1">
+                <a:cs typeface="Arial" charset="0"/>
+              </a:rPr>
+              <a:t>Gellermann</a:t>
+            </a:r>
+            <a:endParaRPr lang="de-DE" dirty="0">
+              <a:cs typeface="Arial" charset="0"/>
+            </a:endParaRPr>
+          </a:p>
+        </p:txBody>
+      </p:sp>
+      <p:sp>
+        <p:nvSpPr>
+          <p:cNvPr id="5" name="Foliennummernplatzhalter 4">
+            <a:extLst>
+              <a:ext uri="{FF2B5EF4-FFF2-40B4-BE49-F238E27FC236}">
+                <a16:creationId xmlns:a16="http://schemas.microsoft.com/office/drawing/2014/main" id="{0886D6B4-2E03-4E02-8110-641A267784A8}"/>
+              </a:ext>
+            </a:extLst>
+          </p:cNvPr>
+          <p:cNvSpPr>
+            <a:spLocks noGrp="1"/>
+          </p:cNvSpPr>
+          <p:nvPr>
+            <p:ph type="sldNum" sz="quarter" idx="11"/>
+          </p:nvPr>
+        </p:nvSpPr>
+        <p:spPr/>
+        <p:txBody>
+          <a:bodyPr/>
+          <a:lstStyle/>
+          <a:p>
+            <a:fld id="{7FFA0C58-318F-4968-B44E-A586A02707A0}" type="slidenum">
+              <a:rPr lang="de-DE" altLang="es-ES" smtClean="0"/>
+              <a:pPr/>
+              <a:t>5</a:t>
+            </a:fld>
+            <a:r>
+              <a:rPr lang="de-DE" altLang="es-ES">
+                <a:solidFill>
+                  <a:schemeClr val="accent2"/>
+                </a:solidFill>
+              </a:rPr>
+              <a:t> </a:t>
+            </a:r>
+          </a:p>
+        </p:txBody>
+      </p:sp>
+      <p:pic>
+        <p:nvPicPr>
+          <p:cNvPr id="9" name="Inhaltsplatzhalter 8">
+            <a:extLst>
+              <a:ext uri="{FF2B5EF4-FFF2-40B4-BE49-F238E27FC236}">
+                <a16:creationId xmlns:a16="http://schemas.microsoft.com/office/drawing/2014/main" id="{4E0A2C57-F1B1-41D8-83F3-C708FFB3744D}"/>
+              </a:ext>
+            </a:extLst>
+          </p:cNvPr>
+          <p:cNvPicPr>
+            <a:picLocks noGrp="1" noChangeAspect="1"/>
+          </p:cNvPicPr>
+          <p:nvPr>
+            <p:ph idx="1"/>
+          </p:nvPr>
+        </p:nvPicPr>
+        <p:blipFill>
+          <a:blip r:embed="rId2">
+            <a:extLst>
+              <a:ext uri="{28A0092B-C50C-407E-A947-70E740481C1C}">
+                <a14:useLocalDpi xmlns:a14="http://schemas.microsoft.com/office/drawing/2010/main" val="0"/>
+              </a:ext>
+            </a:extLst>
+          </a:blip>
+          <a:stretch>
+            <a:fillRect/>
+          </a:stretch>
+        </p:blipFill>
+        <p:spPr>
+          <a:xfrm>
+            <a:off x="320675" y="1341221"/>
+            <a:ext cx="9344025" cy="4828020"/>
+          </a:xfrm>
+        </p:spPr>
+      </p:pic>
+    </p:spTree>
+    <p:extLst>
+      <p:ext uri="{BB962C8B-B14F-4D97-AF65-F5344CB8AC3E}">
+        <p14:creationId xmlns:p14="http://schemas.microsoft.com/office/powerpoint/2010/main" val="400690389"/>
+      </p:ext>
+    </p:extLst>
+  </p:cSld>
+  <p:clrMapOvr>
+    <a:masterClrMapping/>
+  </p:clrMapOvr>
+  <p:transition/>
+</p:sld>
+</file>
+
+<file path=ppt/slides/slide6.xml><?xml version="1.0" encoding="utf-8"?>
+<p:sld xmlns:a="http://schemas.openxmlformats.org/drawingml/2006/main" xmlns:r="http://schemas.openxmlformats.org/officeDocument/2006/relationships" xmlns:p="http://schemas.openxmlformats.org/presentationml/2006/main">
+  <p:cSld>
+    <p:spTree>
+      <p:nvGrpSpPr>
+        <p:cNvPr id="1" name=""/>
+        <p:cNvGrpSpPr/>
+        <p:nvPr/>
+      </p:nvGrpSpPr>
+      <p:grpSpPr>
+        <a:xfrm>
+          <a:off x="0" y="0"/>
+          <a:ext cx="0" cy="0"/>
+          <a:chOff x="0" y="0"/>
+          <a:chExt cx="0" cy="0"/>
+        </a:xfrm>
+      </p:grpSpPr>
+      <p:sp>
+        <p:nvSpPr>
+          <p:cNvPr id="2" name="Titel 1">
+            <a:extLst>
+              <a:ext uri="{FF2B5EF4-FFF2-40B4-BE49-F238E27FC236}">
                 <a16:creationId xmlns:a16="http://schemas.microsoft.com/office/drawing/2014/main" id="{2D3E2030-5BB9-4D06-91FD-164687F4F48F}"/>
               </a:ext>
             </a:extLst>
@@ -4254,7 +4821,7 @@
             <a:fld id="{7FFA0C58-318F-4968-B44E-A586A02707A0}" type="slidenum">
               <a:rPr lang="de-DE" altLang="es-ES" smtClean="0"/>
               <a:pPr/>
-              <a:t>5</a:t>
+              <a:t>6</a:t>
             </a:fld>
             <a:r>
               <a:rPr lang="de-DE" altLang="es-ES">
@@ -4316,7 +4883,7 @@
 </p:sld>
 </file>
 
-<file path=ppt/slides/slide6.xml><?xml version="1.0" encoding="utf-8"?>
+<file path=ppt/slides/slide7.xml><?xml version="1.0" encoding="utf-8"?>
 <p:sld xmlns:a="http://schemas.openxmlformats.org/drawingml/2006/main" xmlns:r="http://schemas.openxmlformats.org/officeDocument/2006/relationships" xmlns:p="http://schemas.openxmlformats.org/presentationml/2006/main">
   <p:cSld>
     <p:spTree>
@@ -4564,7 +5131,7 @@
             <a:fld id="{7FFA0C58-318F-4968-B44E-A586A02707A0}" type="slidenum">
               <a:rPr lang="de-DE" altLang="es-ES" smtClean="0"/>
               <a:pPr/>
-              <a:t>6</a:t>
+              <a:t>7</a:t>
             </a:fld>
             <a:r>
               <a:rPr lang="de-DE" altLang="es-ES">
@@ -4673,7 +5240,7 @@
 </p:sld>
 </file>
 
-<file path=ppt/slides/slide7.xml><?xml version="1.0" encoding="utf-8"?>
+<file path=ppt/slides/slide8.xml><?xml version="1.0" encoding="utf-8"?>
 <p:sld xmlns:a="http://schemas.openxmlformats.org/drawingml/2006/main" xmlns:r="http://schemas.openxmlformats.org/officeDocument/2006/relationships" xmlns:p="http://schemas.openxmlformats.org/presentationml/2006/main">
   <p:cSld>
     <p:spTree>
@@ -4902,7 +5469,7 @@
             <a:fld id="{7FFA0C58-318F-4968-B44E-A586A02707A0}" type="slidenum">
               <a:rPr lang="de-DE" altLang="es-ES" smtClean="0"/>
               <a:pPr/>
-              <a:t>7</a:t>
+              <a:t>8</a:t>
             </a:fld>
             <a:r>
               <a:rPr lang="de-DE" altLang="es-ES">
@@ -5011,7 +5578,7 @@
 </p:sld>
 </file>
 
-<file path=ppt/slides/slide8.xml><?xml version="1.0" encoding="utf-8"?>
+<file path=ppt/slides/slide9.xml><?xml version="1.0" encoding="utf-8"?>
 <p:sld xmlns:a="http://schemas.openxmlformats.org/drawingml/2006/main" xmlns:r="http://schemas.openxmlformats.org/officeDocument/2006/relationships" xmlns:p="http://schemas.openxmlformats.org/presentationml/2006/main">
   <p:cSld>
     <p:spTree>
@@ -5247,7 +5814,7 @@
             <a:fld id="{7FFA0C58-318F-4968-B44E-A586A02707A0}" type="slidenum">
               <a:rPr lang="de-DE" altLang="es-ES" smtClean="0"/>
               <a:pPr/>
-              <a:t>8</a:t>
+              <a:t>9</a:t>
             </a:fld>
             <a:r>
               <a:rPr lang="de-DE" altLang="es-ES">
@@ -5356,171 +5923,6 @@
     <p:extLst>
       <p:ext uri="{BB962C8B-B14F-4D97-AF65-F5344CB8AC3E}">
         <p14:creationId xmlns:p14="http://schemas.microsoft.com/office/powerpoint/2010/main" val="2236331909"/>
-      </p:ext>
-    </p:extLst>
-  </p:cSld>
-  <p:clrMapOvr>
-    <a:masterClrMapping/>
-  </p:clrMapOvr>
-  <p:transition/>
-</p:sld>
-</file>
-
-<file path=ppt/slides/slide9.xml><?xml version="1.0" encoding="utf-8"?>
-<p:sld xmlns:a="http://schemas.openxmlformats.org/drawingml/2006/main" xmlns:r="http://schemas.openxmlformats.org/officeDocument/2006/relationships" xmlns:p="http://schemas.openxmlformats.org/presentationml/2006/main">
-  <p:cSld>
-    <p:spTree>
-      <p:nvGrpSpPr>
-        <p:cNvPr id="1" name=""/>
-        <p:cNvGrpSpPr/>
-        <p:nvPr/>
-      </p:nvGrpSpPr>
-      <p:grpSpPr>
-        <a:xfrm>
-          <a:off x="0" y="0"/>
-          <a:ext cx="0" cy="0"/>
-          <a:chOff x="0" y="0"/>
-          <a:chExt cx="0" cy="0"/>
-        </a:xfrm>
-      </p:grpSpPr>
-      <p:sp>
-        <p:nvSpPr>
-          <p:cNvPr id="2" name="Titel 1">
-            <a:extLst>
-              <a:ext uri="{FF2B5EF4-FFF2-40B4-BE49-F238E27FC236}">
-                <a16:creationId xmlns:a16="http://schemas.microsoft.com/office/drawing/2014/main" id="{107063D8-E3F8-4946-9B8A-14C865C6E315}"/>
-              </a:ext>
-            </a:extLst>
-          </p:cNvPr>
-          <p:cNvSpPr>
-            <a:spLocks noGrp="1"/>
-          </p:cNvSpPr>
-          <p:nvPr>
-            <p:ph type="title"/>
-          </p:nvPr>
-        </p:nvSpPr>
-        <p:spPr/>
-        <p:txBody>
-          <a:bodyPr/>
-          <a:lstStyle/>
-          <a:p>
-            <a:r>
-              <a:rPr lang="de-DE" dirty="0"/>
-              <a:t>2. Erfolge</a:t>
-            </a:r>
-          </a:p>
-        </p:txBody>
-      </p:sp>
-      <p:sp>
-        <p:nvSpPr>
-          <p:cNvPr id="3" name="Inhaltsplatzhalter 2">
-            <a:extLst>
-              <a:ext uri="{FF2B5EF4-FFF2-40B4-BE49-F238E27FC236}">
-                <a16:creationId xmlns:a16="http://schemas.microsoft.com/office/drawing/2014/main" id="{F15D5269-0BF8-42C2-AAE7-7D211A42C3C3}"/>
-              </a:ext>
-            </a:extLst>
-          </p:cNvPr>
-          <p:cNvSpPr>
-            <a:spLocks noGrp="1"/>
-          </p:cNvSpPr>
-          <p:nvPr>
-            <p:ph idx="1"/>
-          </p:nvPr>
-        </p:nvSpPr>
-        <p:spPr/>
-        <p:txBody>
-          <a:bodyPr/>
-          <a:lstStyle/>
-          <a:p>
-            <a:pPr>
-              <a:buFont typeface="Arial" panose="020B0604020202020204" pitchFamily="34" charset="0"/>
-              <a:buChar char="•"/>
-            </a:pPr>
-            <a:endParaRPr lang="de-DE" sz="1800" dirty="0"/>
-          </a:p>
-        </p:txBody>
-      </p:sp>
-      <p:sp>
-        <p:nvSpPr>
-          <p:cNvPr id="4" name="Fußzeilenplatzhalter 3">
-            <a:extLst>
-              <a:ext uri="{FF2B5EF4-FFF2-40B4-BE49-F238E27FC236}">
-                <a16:creationId xmlns:a16="http://schemas.microsoft.com/office/drawing/2014/main" id="{FE0EEFC7-6F7F-433E-88DD-83D367A2804A}"/>
-              </a:ext>
-            </a:extLst>
-          </p:cNvPr>
-          <p:cNvSpPr>
-            <a:spLocks noGrp="1"/>
-          </p:cNvSpPr>
-          <p:nvPr>
-            <p:ph type="ftr" sz="quarter" idx="10"/>
-          </p:nvPr>
-        </p:nvSpPr>
-        <p:spPr/>
-        <p:txBody>
-          <a:bodyPr/>
-          <a:lstStyle/>
-          <a:p>
-            <a:pPr>
-              <a:defRPr/>
-            </a:pPr>
-            <a:r>
-              <a:rPr lang="de-DE"/>
-              <a:t>VPJ Gewerk 2 |  Bahnplanung  |  SoSe 2018  </a:t>
-            </a:r>
-            <a:r>
-              <a:rPr lang="de-DE">
-                <a:cs typeface="Arial" charset="0"/>
-              </a:rPr>
-              <a:t>|  Robin Möller, Inke Heynen, Jan Gellermann</a:t>
-            </a:r>
-            <a:endParaRPr lang="de-DE" dirty="0">
-              <a:cs typeface="Arial" charset="0"/>
-            </a:endParaRPr>
-          </a:p>
-        </p:txBody>
-      </p:sp>
-      <p:sp>
-        <p:nvSpPr>
-          <p:cNvPr id="5" name="Foliennummernplatzhalter 4">
-            <a:extLst>
-              <a:ext uri="{FF2B5EF4-FFF2-40B4-BE49-F238E27FC236}">
-                <a16:creationId xmlns:a16="http://schemas.microsoft.com/office/drawing/2014/main" id="{6EA1BE90-B1BB-402E-86D9-C2434FC64E7D}"/>
-              </a:ext>
-            </a:extLst>
-          </p:cNvPr>
-          <p:cNvSpPr>
-            <a:spLocks noGrp="1"/>
-          </p:cNvSpPr>
-          <p:nvPr>
-            <p:ph type="sldNum" sz="quarter" idx="11"/>
-          </p:nvPr>
-        </p:nvSpPr>
-        <p:spPr/>
-        <p:txBody>
-          <a:bodyPr/>
-          <a:lstStyle/>
-          <a:p>
-            <a:fld id="{7FFA0C58-318F-4968-B44E-A586A02707A0}" type="slidenum">
-              <a:rPr lang="de-DE" altLang="es-ES" smtClean="0"/>
-              <a:pPr/>
-              <a:t>9</a:t>
-            </a:fld>
-            <a:r>
-              <a:rPr lang="de-DE" altLang="es-ES">
-                <a:solidFill>
-                  <a:schemeClr val="accent2"/>
-                </a:solidFill>
-              </a:rPr>
-              <a:t> </a:t>
-            </a:r>
-          </a:p>
-        </p:txBody>
-      </p:sp>
-    </p:spTree>
-    <p:extLst>
-      <p:ext uri="{BB962C8B-B14F-4D97-AF65-F5344CB8AC3E}">
-        <p14:creationId xmlns:p14="http://schemas.microsoft.com/office/powerpoint/2010/main" val="1977102109"/>
       </p:ext>
     </p:extLst>
   </p:cSld>

--- a/Präsentationen/Endpräsi.pptx
+++ b/Präsentationen/Endpräsi.pptx
@@ -5,10 +5,10 @@
     <p:sldMasterId id="2147483656" r:id="rId1"/>
   </p:sldMasterIdLst>
   <p:notesMasterIdLst>
-    <p:notesMasterId r:id="rId14"/>
+    <p:notesMasterId r:id="rId15"/>
   </p:notesMasterIdLst>
   <p:handoutMasterIdLst>
-    <p:handoutMasterId r:id="rId15"/>
+    <p:handoutMasterId r:id="rId16"/>
   </p:handoutMasterIdLst>
   <p:sldIdLst>
     <p:sldId id="334" r:id="rId2"/>
@@ -20,14 +20,15 @@
     <p:sldId id="436" r:id="rId8"/>
     <p:sldId id="445" r:id="rId9"/>
     <p:sldId id="446" r:id="rId10"/>
-    <p:sldId id="437" r:id="rId11"/>
-    <p:sldId id="441" r:id="rId12"/>
-    <p:sldId id="440" r:id="rId13"/>
+    <p:sldId id="448" r:id="rId11"/>
+    <p:sldId id="437" r:id="rId12"/>
+    <p:sldId id="441" r:id="rId13"/>
+    <p:sldId id="440" r:id="rId14"/>
   </p:sldIdLst>
   <p:sldSz cx="9906000" cy="6858000" type="A4"/>
   <p:notesSz cx="6854825" cy="9750425"/>
   <p:custDataLst>
-    <p:tags r:id="rId16"/>
+    <p:tags r:id="rId17"/>
   </p:custDataLst>
   <p:defaultTextStyle>
     <a:defPPr>
@@ -3054,7 +3055,7 @@
           <p:cNvPr id="2" name="Titel 1">
             <a:extLst>
               <a:ext uri="{FF2B5EF4-FFF2-40B4-BE49-F238E27FC236}">
-                <a16:creationId xmlns:a16="http://schemas.microsoft.com/office/drawing/2014/main" id="{69D175C7-2277-48EE-80FF-0E761953819F}"/>
+                <a16:creationId xmlns:a16="http://schemas.microsoft.com/office/drawing/2014/main" id="{77C7410A-A749-403D-90C6-63AE79254069}"/>
               </a:ext>
             </a:extLst>
           </p:cNvPr>
@@ -3071,8 +3072,8 @@
           <a:lstStyle/>
           <a:p>
             <a:r>
-              <a:rPr lang="de-DE" sz="1800" dirty="0"/>
-              <a:t>3. Probleme und Lösungen  </a:t>
+              <a:rPr lang="de-DE" dirty="0"/>
+              <a:t>Fehler-Handling</a:t>
             </a:r>
           </a:p>
         </p:txBody>
@@ -3082,7 +3083,7 @@
           <p:cNvPr id="3" name="Inhaltsplatzhalter 2">
             <a:extLst>
               <a:ext uri="{FF2B5EF4-FFF2-40B4-BE49-F238E27FC236}">
-                <a16:creationId xmlns:a16="http://schemas.microsoft.com/office/drawing/2014/main" id="{D48E999B-3E55-4E29-B367-1F5A664CD438}"/>
+                <a16:creationId xmlns:a16="http://schemas.microsoft.com/office/drawing/2014/main" id="{6ABAA3C3-7524-4E18-9B49-AA59EE12C569}"/>
               </a:ext>
             </a:extLst>
           </p:cNvPr>
@@ -3097,189 +3098,56 @@
         <p:txBody>
           <a:bodyPr/>
           <a:lstStyle/>
-          <a:p>
-            <a:pPr marL="285750" indent="-285750">
-              <a:buFont typeface="Arial" panose="020B0604020202020204" pitchFamily="34" charset="0"/>
-              <a:buChar char="•"/>
-            </a:pPr>
-            <a:r>
-              <a:rPr lang="de-DE" sz="1800" b="1" dirty="0"/>
-              <a:t>P:</a:t>
-            </a:r>
-            <a:r>
-              <a:rPr lang="de-DE" sz="1800" dirty="0"/>
-              <a:t> IR-Erkennung zwischen zwei Sensoren</a:t>
-            </a:r>
-          </a:p>
-          <a:p>
-            <a:pPr lvl="3">
-              <a:buFont typeface="Arial" panose="020B0604020202020204" pitchFamily="34" charset="0"/>
-              <a:buChar char="•"/>
-            </a:pPr>
-            <a:r>
-              <a:rPr lang="de-DE" sz="1800" b="1" dirty="0"/>
-              <a:t>L:</a:t>
-            </a:r>
-            <a:r>
-              <a:rPr lang="de-DE" sz="1800" dirty="0"/>
-              <a:t> </a:t>
-            </a:r>
-            <a:r>
-              <a:rPr lang="de-DE" sz="1800" dirty="0" err="1"/>
-              <a:t>Robotino</a:t>
-            </a:r>
-            <a:r>
-              <a:rPr lang="de-DE" sz="1800" dirty="0"/>
-              <a:t> während der Fahrt drehen lassen</a:t>
-            </a:r>
-          </a:p>
           <a:p>
             <a:pPr>
               <a:buFont typeface="Arial" panose="020B0604020202020204" pitchFamily="34" charset="0"/>
               <a:buChar char="•"/>
             </a:pPr>
             <a:r>
-              <a:rPr lang="de-DE" sz="1800" b="1" dirty="0"/>
-              <a:t>P:</a:t>
-            </a:r>
-            <a:r>
               <a:rPr lang="de-DE" sz="1800" dirty="0"/>
-              <a:t> Kollisionen</a:t>
-            </a:r>
-          </a:p>
-          <a:p>
-            <a:pPr lvl="3">
-              <a:buFont typeface="Arial" panose="020B0604020202020204" pitchFamily="34" charset="0"/>
-              <a:buChar char="•"/>
-            </a:pPr>
-            <a:r>
-              <a:rPr lang="de-DE" sz="1800" b="1" dirty="0"/>
-              <a:t>L: </a:t>
-            </a:r>
-            <a:r>
-              <a:rPr lang="de-DE" sz="1800" dirty="0"/>
-              <a:t>Potentialfelder erhöhen, Geschwindigkeit anpassen</a:t>
-            </a:r>
-          </a:p>
-          <a:p>
-            <a:pPr>
-              <a:buFont typeface="Arial" panose="020B0604020202020204" pitchFamily="34" charset="0"/>
-              <a:buChar char="•"/>
-            </a:pPr>
-            <a:r>
-              <a:rPr lang="de-DE" sz="1800" b="1" dirty="0"/>
-              <a:t>P: </a:t>
-            </a:r>
-            <a:r>
-              <a:rPr lang="de-DE" sz="1800" dirty="0"/>
-              <a:t>Ausweichmanöver</a:t>
-            </a:r>
-          </a:p>
-          <a:p>
-            <a:pPr lvl="3">
-              <a:buFont typeface="Arial" panose="020B0604020202020204" pitchFamily="34" charset="0"/>
-              <a:buChar char="•"/>
-            </a:pPr>
-            <a:r>
-              <a:rPr lang="de-DE" sz="1800" b="1" dirty="0"/>
-              <a:t>L:</a:t>
-            </a:r>
-            <a:r>
-              <a:rPr lang="de-DE" sz="1800" dirty="0"/>
-              <a:t> Raum in unterschiedliche Bereiche einteilen</a:t>
-            </a:r>
-          </a:p>
-          <a:p>
-            <a:pPr>
-              <a:buFont typeface="Arial" panose="020B0604020202020204" pitchFamily="34" charset="0"/>
-              <a:buChar char="•"/>
-            </a:pPr>
-            <a:r>
-              <a:rPr lang="de-DE" sz="1800" b="1" dirty="0"/>
-              <a:t>P:</a:t>
-            </a:r>
-            <a:r>
-              <a:rPr lang="de-DE" sz="1800" dirty="0"/>
-              <a:t> FIFO</a:t>
-            </a:r>
-          </a:p>
-          <a:p>
-            <a:pPr lvl="3">
-              <a:buFont typeface="Arial" panose="020B0604020202020204" pitchFamily="34" charset="0"/>
-              <a:buChar char="•"/>
-            </a:pPr>
-            <a:r>
-              <a:rPr lang="de-DE" sz="1800" b="1" dirty="0"/>
-              <a:t>L: </a:t>
-            </a:r>
-            <a:r>
-              <a:rPr lang="de-DE" sz="1800" dirty="0"/>
-              <a:t>Noch keine Lösung gefunden</a:t>
-            </a:r>
-          </a:p>
-          <a:p>
-            <a:pPr lvl="1">
-              <a:buFont typeface="Arial" panose="020B0604020202020204" pitchFamily="34" charset="0"/>
-              <a:buChar char="•"/>
-            </a:pPr>
-            <a:endParaRPr lang="de-DE" sz="1800" dirty="0"/>
-          </a:p>
-          <a:p>
-            <a:pPr lvl="1">
-              <a:buFont typeface="Arial" panose="020B0604020202020204" pitchFamily="34" charset="0"/>
-              <a:buChar char="•"/>
-            </a:pPr>
-            <a:endParaRPr lang="de-DE" sz="1800" dirty="0"/>
+              <a:t>Fehlerfälle: </a:t>
+            </a:r>
           </a:p>
           <a:p>
             <a:pPr lvl="2">
               <a:buFont typeface="Arial" panose="020B0604020202020204" pitchFamily="34" charset="0"/>
               <a:buChar char="•"/>
             </a:pPr>
-            <a:endParaRPr lang="de-DE" sz="1800" dirty="0"/>
+            <a:r>
+              <a:rPr lang="de-DE" sz="1800" dirty="0"/>
+              <a:t>Kein Werkstück vorhanden, wo eins abgeholt werden soll</a:t>
+            </a:r>
           </a:p>
           <a:p>
             <a:pPr lvl="2">
               <a:buFont typeface="Arial" panose="020B0604020202020204" pitchFamily="34" charset="0"/>
               <a:buChar char="•"/>
             </a:pPr>
-            <a:endParaRPr lang="de-DE" sz="1800" dirty="0"/>
-          </a:p>
-          <a:p>
-            <a:pPr marL="0" indent="0"/>
-            <a:endParaRPr lang="de-DE" sz="1800" dirty="0"/>
-          </a:p>
-          <a:p>
-            <a:pPr marL="0" indent="0"/>
-            <a:endParaRPr lang="de-DE" sz="1800" dirty="0"/>
-          </a:p>
-          <a:p>
-            <a:pPr>
+            <a:r>
+              <a:rPr lang="de-DE" sz="1800" dirty="0"/>
+              <a:t>Bereits ein Werkstück da, wo eins abgelegt werden soll</a:t>
+            </a:r>
+          </a:p>
+          <a:p>
+            <a:pPr lvl="2">
               <a:buFont typeface="Arial" panose="020B0604020202020204" pitchFamily="34" charset="0"/>
               <a:buChar char="•"/>
             </a:pPr>
-            <a:endParaRPr lang="de-DE" sz="1800" dirty="0"/>
-          </a:p>
-          <a:p>
-            <a:pPr>
+            <a:r>
+              <a:rPr lang="de-DE" sz="1800" dirty="0"/>
+              <a:t>Station und alle </a:t>
+            </a:r>
+            <a:r>
+              <a:rPr lang="de-DE" sz="1800"/>
+              <a:t>Fifo-Plätze besetzt</a:t>
+            </a:r>
+          </a:p>
+          <a:p>
+            <a:pPr lvl="2">
               <a:buFont typeface="Arial" panose="020B0604020202020204" pitchFamily="34" charset="0"/>
               <a:buChar char="•"/>
             </a:pPr>
-            <a:endParaRPr lang="de-DE" sz="1800" dirty="0"/>
-          </a:p>
-          <a:p>
-            <a:pPr>
-              <a:buFont typeface="Arial" panose="020B0604020202020204" pitchFamily="34" charset="0"/>
-              <a:buChar char="•"/>
-            </a:pPr>
-            <a:endParaRPr lang="de-DE" sz="1800" dirty="0"/>
-          </a:p>
-          <a:p>
-            <a:pPr>
-              <a:buFont typeface="Arial" panose="020B0604020202020204" pitchFamily="34" charset="0"/>
-              <a:buChar char="•"/>
-            </a:pPr>
-            <a:endParaRPr lang="de-DE" dirty="0"/>
+            <a:endParaRPr lang="de-DE" sz="1800"/>
           </a:p>
         </p:txBody>
       </p:sp>
@@ -3288,7 +3156,7 @@
           <p:cNvPr id="4" name="Fußzeilenplatzhalter 3">
             <a:extLst>
               <a:ext uri="{FF2B5EF4-FFF2-40B4-BE49-F238E27FC236}">
-                <a16:creationId xmlns:a16="http://schemas.microsoft.com/office/drawing/2014/main" id="{2137E165-7B19-4681-A71E-0B75A5F168F0}"/>
+                <a16:creationId xmlns:a16="http://schemas.microsoft.com/office/drawing/2014/main" id="{78B07854-0228-4BD8-B365-CD96563C4722}"/>
               </a:ext>
             </a:extLst>
           </p:cNvPr>
@@ -3308,28 +3176,14 @@
               <a:defRPr/>
             </a:pPr>
             <a:r>
-              <a:rPr lang="de-DE" dirty="0"/>
-              <a:t>VPJ Gewerk 2 |  Bahnplanung  | </a:t>
-            </a:r>
-            <a:r>
-              <a:rPr lang="de-DE" dirty="0" err="1"/>
-              <a:t>SoSe</a:t>
-            </a:r>
-            <a:r>
-              <a:rPr lang="de-DE" dirty="0"/>
-              <a:t> 2018  </a:t>
-            </a:r>
-            <a:r>
-              <a:rPr lang="de-DE" dirty="0">
+              <a:rPr lang="de-DE"/>
+              <a:t>VPJ Gewerk 2 |  Bahnplanung  |  SoSe 2018  </a:t>
+            </a:r>
+            <a:r>
+              <a:rPr lang="de-DE">
                 <a:cs typeface="Arial" charset="0"/>
               </a:rPr>
-              <a:t>|  Robin Möller, Inke Heynen, Jan </a:t>
-            </a:r>
-            <a:r>
-              <a:rPr lang="de-DE" dirty="0" err="1">
-                <a:cs typeface="Arial" charset="0"/>
-              </a:rPr>
-              <a:t>Gellermann</a:t>
+              <a:t>|  Robin Möller, Inke Heynen, Jan Gellermann</a:t>
             </a:r>
             <a:endParaRPr lang="de-DE" dirty="0">
               <a:cs typeface="Arial" charset="0"/>
@@ -3342,7 +3196,7 @@
           <p:cNvPr id="5" name="Foliennummernplatzhalter 4">
             <a:extLst>
               <a:ext uri="{FF2B5EF4-FFF2-40B4-BE49-F238E27FC236}">
-                <a16:creationId xmlns:a16="http://schemas.microsoft.com/office/drawing/2014/main" id="{4C25DBB2-B24D-49AD-BB7F-6A16BA69840D}"/>
+                <a16:creationId xmlns:a16="http://schemas.microsoft.com/office/drawing/2014/main" id="{BCD3049B-3E92-4BC4-B654-90432C8C6D39}"/>
               </a:ext>
             </a:extLst>
           </p:cNvPr>
@@ -3377,7 +3231,7 @@
     </p:spTree>
     <p:extLst>
       <p:ext uri="{BB962C8B-B14F-4D97-AF65-F5344CB8AC3E}">
-        <p14:creationId xmlns:p14="http://schemas.microsoft.com/office/powerpoint/2010/main" val="3861007313"/>
+        <p14:creationId xmlns:p14="http://schemas.microsoft.com/office/powerpoint/2010/main" val="2800754241"/>
       </p:ext>
     </p:extLst>
   </p:cSld>
@@ -3410,7 +3264,7 @@
           <p:cNvPr id="2" name="Titel 1">
             <a:extLst>
               <a:ext uri="{FF2B5EF4-FFF2-40B4-BE49-F238E27FC236}">
-                <a16:creationId xmlns:a16="http://schemas.microsoft.com/office/drawing/2014/main" id="{F3639E51-5011-4217-810D-F122D87922E7}"/>
+                <a16:creationId xmlns:a16="http://schemas.microsoft.com/office/drawing/2014/main" id="{69D175C7-2277-48EE-80FF-0E761953819F}"/>
               </a:ext>
             </a:extLst>
           </p:cNvPr>
@@ -3427,12 +3281,8 @@
           <a:lstStyle/>
           <a:p>
             <a:r>
-              <a:rPr lang="de-DE" dirty="0" err="1"/>
-              <a:t>Robotino</a:t>
-            </a:r>
-            <a:r>
-              <a:rPr lang="de-DE" dirty="0"/>
-              <a:t> 2.0</a:t>
+              <a:rPr lang="de-DE" sz="1800" dirty="0"/>
+              <a:t>3. Probleme und Lösungen  </a:t>
             </a:r>
           </a:p>
         </p:txBody>
@@ -3442,7 +3292,7 @@
           <p:cNvPr id="3" name="Inhaltsplatzhalter 2">
             <a:extLst>
               <a:ext uri="{FF2B5EF4-FFF2-40B4-BE49-F238E27FC236}">
-                <a16:creationId xmlns:a16="http://schemas.microsoft.com/office/drawing/2014/main" id="{A1594824-0012-4797-AAE7-048655F517C9}"/>
+                <a16:creationId xmlns:a16="http://schemas.microsoft.com/office/drawing/2014/main" id="{D48E999B-3E55-4E29-B367-1F5A664CD438}"/>
               </a:ext>
             </a:extLst>
           </p:cNvPr>
@@ -3463,37 +3313,155 @@
               <a:buChar char="•"/>
             </a:pPr>
             <a:r>
+              <a:rPr lang="de-DE" sz="1800" b="1" dirty="0"/>
+              <a:t>P:</a:t>
+            </a:r>
+            <a:r>
               <a:rPr lang="de-DE" sz="1800" dirty="0"/>
-              <a:t>Im Prinzip gleiches Programm wie </a:t>
-            </a:r>
-            <a:r>
-              <a:rPr lang="de-DE" sz="1800" dirty="0" err="1"/>
-              <a:t>Robotino</a:t>
-            </a:r>
-            <a:r>
-              <a:rPr lang="de-DE" sz="1800" dirty="0"/>
-              <a:t> 1.0</a:t>
-            </a:r>
-          </a:p>
-          <a:p>
-            <a:pPr marL="285750" indent="-285750">
+              <a:t> IR-Erkennung zwischen zwei Sensoren</a:t>
+            </a:r>
+          </a:p>
+          <a:p>
+            <a:pPr lvl="3">
               <a:buFont typeface="Arial" panose="020B0604020202020204" pitchFamily="34" charset="0"/>
               <a:buChar char="•"/>
             </a:pPr>
             <a:r>
+              <a:rPr lang="de-DE" sz="1800" b="1" dirty="0"/>
+              <a:t>L:</a:t>
+            </a:r>
+            <a:r>
               <a:rPr lang="de-DE" sz="1800" dirty="0"/>
-              <a:t>Wenig Anpassungen</a:t>
-            </a:r>
-          </a:p>
-          <a:p>
-            <a:pPr marL="285750" indent="-285750">
+              <a:t> </a:t>
+            </a:r>
+            <a:r>
+              <a:rPr lang="de-DE" sz="1800" dirty="0" err="1"/>
+              <a:t>Robotino</a:t>
+            </a:r>
+            <a:r>
+              <a:rPr lang="de-DE" sz="1800" dirty="0"/>
+              <a:t> während der Fahrt drehen lassen</a:t>
+            </a:r>
+          </a:p>
+          <a:p>
+            <a:pPr>
               <a:buFont typeface="Arial" panose="020B0604020202020204" pitchFamily="34" charset="0"/>
               <a:buChar char="•"/>
             </a:pPr>
             <a:r>
+              <a:rPr lang="de-DE" sz="1800" b="1" dirty="0"/>
+              <a:t>P:</a:t>
+            </a:r>
+            <a:r>
               <a:rPr lang="de-DE" sz="1800" dirty="0"/>
-              <a:t>Eigene Ladestation und Übergabepunkte</a:t>
-            </a:r>
+              <a:t> Kollisionen</a:t>
+            </a:r>
+          </a:p>
+          <a:p>
+            <a:pPr lvl="3">
+              <a:buFont typeface="Arial" panose="020B0604020202020204" pitchFamily="34" charset="0"/>
+              <a:buChar char="•"/>
+            </a:pPr>
+            <a:r>
+              <a:rPr lang="de-DE" sz="1800" b="1" dirty="0"/>
+              <a:t>L: </a:t>
+            </a:r>
+            <a:r>
+              <a:rPr lang="de-DE" sz="1800" dirty="0"/>
+              <a:t>Potentialfelder erhöhen, Geschwindigkeit anpassen</a:t>
+            </a:r>
+          </a:p>
+          <a:p>
+            <a:pPr>
+              <a:buFont typeface="Arial" panose="020B0604020202020204" pitchFamily="34" charset="0"/>
+              <a:buChar char="•"/>
+            </a:pPr>
+            <a:r>
+              <a:rPr lang="de-DE" sz="1800" b="1" dirty="0"/>
+              <a:t>P: </a:t>
+            </a:r>
+            <a:r>
+              <a:rPr lang="de-DE" sz="1800" dirty="0"/>
+              <a:t>Ausweichmanöver</a:t>
+            </a:r>
+          </a:p>
+          <a:p>
+            <a:pPr lvl="3">
+              <a:buFont typeface="Arial" panose="020B0604020202020204" pitchFamily="34" charset="0"/>
+              <a:buChar char="•"/>
+            </a:pPr>
+            <a:r>
+              <a:rPr lang="de-DE" sz="1800" b="1" dirty="0"/>
+              <a:t>L:</a:t>
+            </a:r>
+            <a:r>
+              <a:rPr lang="de-DE" sz="1800" dirty="0"/>
+              <a:t> Raum in unterschiedliche Bereiche einteilen</a:t>
+            </a:r>
+          </a:p>
+          <a:p>
+            <a:pPr lvl="1">
+              <a:buFont typeface="Arial" panose="020B0604020202020204" pitchFamily="34" charset="0"/>
+              <a:buChar char="•"/>
+            </a:pPr>
+            <a:endParaRPr lang="de-DE" sz="1800" dirty="0"/>
+          </a:p>
+          <a:p>
+            <a:pPr lvl="1">
+              <a:buFont typeface="Arial" panose="020B0604020202020204" pitchFamily="34" charset="0"/>
+              <a:buChar char="•"/>
+            </a:pPr>
+            <a:endParaRPr lang="de-DE" sz="1800" dirty="0"/>
+          </a:p>
+          <a:p>
+            <a:pPr lvl="2">
+              <a:buFont typeface="Arial" panose="020B0604020202020204" pitchFamily="34" charset="0"/>
+              <a:buChar char="•"/>
+            </a:pPr>
+            <a:endParaRPr lang="de-DE" sz="1800" dirty="0"/>
+          </a:p>
+          <a:p>
+            <a:pPr lvl="2">
+              <a:buFont typeface="Arial" panose="020B0604020202020204" pitchFamily="34" charset="0"/>
+              <a:buChar char="•"/>
+            </a:pPr>
+            <a:endParaRPr lang="de-DE" sz="1800" dirty="0"/>
+          </a:p>
+          <a:p>
+            <a:pPr marL="0" indent="0"/>
+            <a:endParaRPr lang="de-DE" sz="1800" dirty="0"/>
+          </a:p>
+          <a:p>
+            <a:pPr marL="0" indent="0"/>
+            <a:endParaRPr lang="de-DE" sz="1800" dirty="0"/>
+          </a:p>
+          <a:p>
+            <a:pPr>
+              <a:buFont typeface="Arial" panose="020B0604020202020204" pitchFamily="34" charset="0"/>
+              <a:buChar char="•"/>
+            </a:pPr>
+            <a:endParaRPr lang="de-DE" sz="1800" dirty="0"/>
+          </a:p>
+          <a:p>
+            <a:pPr>
+              <a:buFont typeface="Arial" panose="020B0604020202020204" pitchFamily="34" charset="0"/>
+              <a:buChar char="•"/>
+            </a:pPr>
+            <a:endParaRPr lang="de-DE" sz="1800" dirty="0"/>
+          </a:p>
+          <a:p>
+            <a:pPr>
+              <a:buFont typeface="Arial" panose="020B0604020202020204" pitchFamily="34" charset="0"/>
+              <a:buChar char="•"/>
+            </a:pPr>
+            <a:endParaRPr lang="de-DE" sz="1800" dirty="0"/>
+          </a:p>
+          <a:p>
+            <a:pPr>
+              <a:buFont typeface="Arial" panose="020B0604020202020204" pitchFamily="34" charset="0"/>
+              <a:buChar char="•"/>
+            </a:pPr>
+            <a:endParaRPr lang="de-DE" dirty="0"/>
           </a:p>
         </p:txBody>
       </p:sp>
@@ -3502,7 +3470,7 @@
           <p:cNvPr id="4" name="Fußzeilenplatzhalter 3">
             <a:extLst>
               <a:ext uri="{FF2B5EF4-FFF2-40B4-BE49-F238E27FC236}">
-                <a16:creationId xmlns:a16="http://schemas.microsoft.com/office/drawing/2014/main" id="{10069B3C-7643-4D6C-9022-3F34C2215C51}"/>
+                <a16:creationId xmlns:a16="http://schemas.microsoft.com/office/drawing/2014/main" id="{2137E165-7B19-4681-A71E-0B75A5F168F0}"/>
               </a:ext>
             </a:extLst>
           </p:cNvPr>
@@ -3522,14 +3490,28 @@
               <a:defRPr/>
             </a:pPr>
             <a:r>
-              <a:rPr lang="de-DE"/>
-              <a:t>VPJ Gewerk 2 |  Bahnplanung  |  SoSe 2018  </a:t>
-            </a:r>
-            <a:r>
-              <a:rPr lang="de-DE">
+              <a:rPr lang="de-DE" dirty="0"/>
+              <a:t>VPJ Gewerk 2 |  Bahnplanung  | </a:t>
+            </a:r>
+            <a:r>
+              <a:rPr lang="de-DE" dirty="0" err="1"/>
+              <a:t>SoSe</a:t>
+            </a:r>
+            <a:r>
+              <a:rPr lang="de-DE" dirty="0"/>
+              <a:t> 2018  </a:t>
+            </a:r>
+            <a:r>
+              <a:rPr lang="de-DE" dirty="0">
                 <a:cs typeface="Arial" charset="0"/>
               </a:rPr>
-              <a:t>|  Robin Möller, Inke Heynen, Jan Gellermann</a:t>
+              <a:t>|  Robin Möller, Inke Heynen, Jan </a:t>
+            </a:r>
+            <a:r>
+              <a:rPr lang="de-DE" dirty="0" err="1">
+                <a:cs typeface="Arial" charset="0"/>
+              </a:rPr>
+              <a:t>Gellermann</a:t>
             </a:r>
             <a:endParaRPr lang="de-DE" dirty="0">
               <a:cs typeface="Arial" charset="0"/>
@@ -3542,7 +3524,7 @@
           <p:cNvPr id="5" name="Foliennummernplatzhalter 4">
             <a:extLst>
               <a:ext uri="{FF2B5EF4-FFF2-40B4-BE49-F238E27FC236}">
-                <a16:creationId xmlns:a16="http://schemas.microsoft.com/office/drawing/2014/main" id="{43A387BD-F344-4FCB-AF63-CA7D8E6B2EB1}"/>
+                <a16:creationId xmlns:a16="http://schemas.microsoft.com/office/drawing/2014/main" id="{4C25DBB2-B24D-49AD-BB7F-6A16BA69840D}"/>
               </a:ext>
             </a:extLst>
           </p:cNvPr>
@@ -3577,7 +3559,7 @@
     </p:spTree>
     <p:extLst>
       <p:ext uri="{BB962C8B-B14F-4D97-AF65-F5344CB8AC3E}">
-        <p14:creationId xmlns:p14="http://schemas.microsoft.com/office/powerpoint/2010/main" val="3378529180"/>
+        <p14:creationId xmlns:p14="http://schemas.microsoft.com/office/powerpoint/2010/main" val="3861007313"/>
       </p:ext>
     </p:extLst>
   </p:cSld>
@@ -3610,6 +3592,206 @@
           <p:cNvPr id="2" name="Titel 1">
             <a:extLst>
               <a:ext uri="{FF2B5EF4-FFF2-40B4-BE49-F238E27FC236}">
+                <a16:creationId xmlns:a16="http://schemas.microsoft.com/office/drawing/2014/main" id="{F3639E51-5011-4217-810D-F122D87922E7}"/>
+              </a:ext>
+            </a:extLst>
+          </p:cNvPr>
+          <p:cNvSpPr>
+            <a:spLocks noGrp="1"/>
+          </p:cNvSpPr>
+          <p:nvPr>
+            <p:ph type="title"/>
+          </p:nvPr>
+        </p:nvSpPr>
+        <p:spPr/>
+        <p:txBody>
+          <a:bodyPr/>
+          <a:lstStyle/>
+          <a:p>
+            <a:r>
+              <a:rPr lang="de-DE" dirty="0" err="1"/>
+              <a:t>Robotino</a:t>
+            </a:r>
+            <a:r>
+              <a:rPr lang="de-DE" dirty="0"/>
+              <a:t> 2.0</a:t>
+            </a:r>
+          </a:p>
+        </p:txBody>
+      </p:sp>
+      <p:sp>
+        <p:nvSpPr>
+          <p:cNvPr id="3" name="Inhaltsplatzhalter 2">
+            <a:extLst>
+              <a:ext uri="{FF2B5EF4-FFF2-40B4-BE49-F238E27FC236}">
+                <a16:creationId xmlns:a16="http://schemas.microsoft.com/office/drawing/2014/main" id="{A1594824-0012-4797-AAE7-048655F517C9}"/>
+              </a:ext>
+            </a:extLst>
+          </p:cNvPr>
+          <p:cNvSpPr>
+            <a:spLocks noGrp="1"/>
+          </p:cNvSpPr>
+          <p:nvPr>
+            <p:ph idx="1"/>
+          </p:nvPr>
+        </p:nvSpPr>
+        <p:spPr/>
+        <p:txBody>
+          <a:bodyPr/>
+          <a:lstStyle/>
+          <a:p>
+            <a:pPr marL="285750" indent="-285750">
+              <a:buFont typeface="Arial" panose="020B0604020202020204" pitchFamily="34" charset="0"/>
+              <a:buChar char="•"/>
+            </a:pPr>
+            <a:r>
+              <a:rPr lang="de-DE" sz="1800" dirty="0"/>
+              <a:t>Im Prinzip gleiches Programm wie </a:t>
+            </a:r>
+            <a:r>
+              <a:rPr lang="de-DE" sz="1800" dirty="0" err="1"/>
+              <a:t>Robotino</a:t>
+            </a:r>
+            <a:r>
+              <a:rPr lang="de-DE" sz="1800" dirty="0"/>
+              <a:t> 1.0</a:t>
+            </a:r>
+          </a:p>
+          <a:p>
+            <a:pPr marL="285750" indent="-285750">
+              <a:buFont typeface="Arial" panose="020B0604020202020204" pitchFamily="34" charset="0"/>
+              <a:buChar char="•"/>
+            </a:pPr>
+            <a:r>
+              <a:rPr lang="de-DE" sz="1800" dirty="0"/>
+              <a:t>Wenig Anpassungen</a:t>
+            </a:r>
+          </a:p>
+          <a:p>
+            <a:pPr marL="285750" indent="-285750">
+              <a:buFont typeface="Arial" panose="020B0604020202020204" pitchFamily="34" charset="0"/>
+              <a:buChar char="•"/>
+            </a:pPr>
+            <a:r>
+              <a:rPr lang="de-DE" sz="1800" dirty="0"/>
+              <a:t>Eigene Ladestation und Übergabepunkte</a:t>
+            </a:r>
+          </a:p>
+        </p:txBody>
+      </p:sp>
+      <p:sp>
+        <p:nvSpPr>
+          <p:cNvPr id="4" name="Fußzeilenplatzhalter 3">
+            <a:extLst>
+              <a:ext uri="{FF2B5EF4-FFF2-40B4-BE49-F238E27FC236}">
+                <a16:creationId xmlns:a16="http://schemas.microsoft.com/office/drawing/2014/main" id="{10069B3C-7643-4D6C-9022-3F34C2215C51}"/>
+              </a:ext>
+            </a:extLst>
+          </p:cNvPr>
+          <p:cNvSpPr>
+            <a:spLocks noGrp="1"/>
+          </p:cNvSpPr>
+          <p:nvPr>
+            <p:ph type="ftr" sz="quarter" idx="10"/>
+          </p:nvPr>
+        </p:nvSpPr>
+        <p:spPr/>
+        <p:txBody>
+          <a:bodyPr/>
+          <a:lstStyle/>
+          <a:p>
+            <a:pPr>
+              <a:defRPr/>
+            </a:pPr>
+            <a:r>
+              <a:rPr lang="de-DE"/>
+              <a:t>VPJ Gewerk 2 |  Bahnplanung  |  SoSe 2018  </a:t>
+            </a:r>
+            <a:r>
+              <a:rPr lang="de-DE">
+                <a:cs typeface="Arial" charset="0"/>
+              </a:rPr>
+              <a:t>|  Robin Möller, Inke Heynen, Jan Gellermann</a:t>
+            </a:r>
+            <a:endParaRPr lang="de-DE" dirty="0">
+              <a:cs typeface="Arial" charset="0"/>
+            </a:endParaRPr>
+          </a:p>
+        </p:txBody>
+      </p:sp>
+      <p:sp>
+        <p:nvSpPr>
+          <p:cNvPr id="5" name="Foliennummernplatzhalter 4">
+            <a:extLst>
+              <a:ext uri="{FF2B5EF4-FFF2-40B4-BE49-F238E27FC236}">
+                <a16:creationId xmlns:a16="http://schemas.microsoft.com/office/drawing/2014/main" id="{43A387BD-F344-4FCB-AF63-CA7D8E6B2EB1}"/>
+              </a:ext>
+            </a:extLst>
+          </p:cNvPr>
+          <p:cNvSpPr>
+            <a:spLocks noGrp="1"/>
+          </p:cNvSpPr>
+          <p:nvPr>
+            <p:ph type="sldNum" sz="quarter" idx="11"/>
+          </p:nvPr>
+        </p:nvSpPr>
+        <p:spPr/>
+        <p:txBody>
+          <a:bodyPr/>
+          <a:lstStyle/>
+          <a:p>
+            <a:fld id="{7FFA0C58-318F-4968-B44E-A586A02707A0}" type="slidenum">
+              <a:rPr lang="de-DE" altLang="es-ES" smtClean="0"/>
+              <a:pPr/>
+              <a:t>12</a:t>
+            </a:fld>
+            <a:r>
+              <a:rPr lang="de-DE" altLang="es-ES">
+                <a:solidFill>
+                  <a:schemeClr val="accent2"/>
+                </a:solidFill>
+              </a:rPr>
+              <a:t> </a:t>
+            </a:r>
+          </a:p>
+        </p:txBody>
+      </p:sp>
+    </p:spTree>
+    <p:extLst>
+      <p:ext uri="{BB962C8B-B14F-4D97-AF65-F5344CB8AC3E}">
+        <p14:creationId xmlns:p14="http://schemas.microsoft.com/office/powerpoint/2010/main" val="3378529180"/>
+      </p:ext>
+    </p:extLst>
+  </p:cSld>
+  <p:clrMapOvr>
+    <a:masterClrMapping/>
+  </p:clrMapOvr>
+  <p:transition/>
+</p:sld>
+</file>
+
+<file path=ppt/slides/slide13.xml><?xml version="1.0" encoding="utf-8"?>
+<p:sld xmlns:a="http://schemas.openxmlformats.org/drawingml/2006/main" xmlns:r="http://schemas.openxmlformats.org/officeDocument/2006/relationships" xmlns:p="http://schemas.openxmlformats.org/presentationml/2006/main">
+  <p:cSld>
+    <p:spTree>
+      <p:nvGrpSpPr>
+        <p:cNvPr id="1" name=""/>
+        <p:cNvGrpSpPr/>
+        <p:nvPr/>
+      </p:nvGrpSpPr>
+      <p:grpSpPr>
+        <a:xfrm>
+          <a:off x="0" y="0"/>
+          <a:ext cx="0" cy="0"/>
+          <a:chOff x="0" y="0"/>
+          <a:chExt cx="0" cy="0"/>
+        </a:xfrm>
+      </p:grpSpPr>
+      <p:sp>
+        <p:nvSpPr>
+          <p:cNvPr id="2" name="Titel 1">
+            <a:extLst>
+              <a:ext uri="{FF2B5EF4-FFF2-40B4-BE49-F238E27FC236}">
                 <a16:creationId xmlns:a16="http://schemas.microsoft.com/office/drawing/2014/main" id="{0DE113FB-13E9-4EBE-83D1-36549BEDE9B3}"/>
               </a:ext>
             </a:extLst>
@@ -3704,7 +3886,7 @@
             <a:fld id="{7FFA0C58-318F-4968-B44E-A586A02707A0}" type="slidenum">
               <a:rPr lang="de-DE" altLang="es-ES" smtClean="0"/>
               <a:pPr/>
-              <a:t>12</a:t>
+              <a:t>13</a:t>
             </a:fld>
             <a:r>
               <a:rPr lang="de-DE" altLang="es-ES">

--- a/Präsentationen/Endpräsi.pptx
+++ b/Präsentationen/Endpräsi.pptx
@@ -13,9 +13,9 @@
   <p:sldIdLst>
     <p:sldId id="334" r:id="rId2"/>
     <p:sldId id="427" r:id="rId3"/>
-    <p:sldId id="439" r:id="rId4"/>
-    <p:sldId id="447" r:id="rId5"/>
-    <p:sldId id="438" r:id="rId6"/>
+    <p:sldId id="438" r:id="rId4"/>
+    <p:sldId id="439" r:id="rId5"/>
+    <p:sldId id="447" r:id="rId6"/>
     <p:sldId id="442" r:id="rId7"/>
     <p:sldId id="436" r:id="rId8"/>
     <p:sldId id="445" r:id="rId9"/>
@@ -2771,6 +2771,16 @@
               </a:rPr>
               <a:t> Gewerk 2</a:t>
             </a:r>
+            <a:r>
+              <a:rPr lang="en-US" dirty="0">
+                <a:solidFill>
+                  <a:schemeClr val="tx1"/>
+                </a:solidFill>
+                <a:latin typeface="+mj-ea"/>
+                <a:cs typeface="+mj-ea"/>
+              </a:rPr>
+              <a:t/>
+            </a:r>
             <a:br>
               <a:rPr lang="en-US" dirty="0">
                 <a:solidFill>
@@ -2815,6 +2825,14 @@
                 <a:spcPct val="90000"/>
               </a:lnSpc>
             </a:pPr>
+            <a:r>
+              <a:rPr lang="en-US" dirty="0">
+                <a:solidFill>
+                  <a:schemeClr val="tx1"/>
+                </a:solidFill>
+              </a:rPr>
+              <a:t/>
+            </a:r>
             <a:br>
               <a:rPr lang="en-US" dirty="0">
                 <a:solidFill>
@@ -2957,7 +2975,7 @@
           <p:cNvPr id="4" name="Grafik 3">
             <a:extLst>
               <a:ext uri="{FF2B5EF4-FFF2-40B4-BE49-F238E27FC236}">
-                <a16:creationId xmlns:a16="http://schemas.microsoft.com/office/drawing/2014/main" id="{E8FD4E4A-4BD4-441B-A6FB-F1DF917A54FF}"/>
+                <a16:creationId xmlns:a16="http://schemas.microsoft.com/office/drawing/2014/main" xmlns="" id="{E8FD4E4A-4BD4-441B-A6FB-F1DF917A54FF}"/>
               </a:ext>
             </a:extLst>
           </p:cNvPr>
@@ -2993,7 +3011,7 @@
           <p:cNvPr id="6" name="Grafik 5">
             <a:extLst>
               <a:ext uri="{FF2B5EF4-FFF2-40B4-BE49-F238E27FC236}">
-                <a16:creationId xmlns:a16="http://schemas.microsoft.com/office/drawing/2014/main" id="{2FAA14AD-2BD0-4AB6-B784-D2821EEA1036}"/>
+                <a16:creationId xmlns:a16="http://schemas.microsoft.com/office/drawing/2014/main" xmlns="" id="{2FAA14AD-2BD0-4AB6-B784-D2821EEA1036}"/>
               </a:ext>
             </a:extLst>
           </p:cNvPr>
@@ -3055,7 +3073,7 @@
           <p:cNvPr id="2" name="Titel 1">
             <a:extLst>
               <a:ext uri="{FF2B5EF4-FFF2-40B4-BE49-F238E27FC236}">
-                <a16:creationId xmlns:a16="http://schemas.microsoft.com/office/drawing/2014/main" id="{77C7410A-A749-403D-90C6-63AE79254069}"/>
+                <a16:creationId xmlns:a16="http://schemas.microsoft.com/office/drawing/2014/main" xmlns="" id="{77C7410A-A749-403D-90C6-63AE79254069}"/>
               </a:ext>
             </a:extLst>
           </p:cNvPr>
@@ -3083,7 +3101,7 @@
           <p:cNvPr id="3" name="Inhaltsplatzhalter 2">
             <a:extLst>
               <a:ext uri="{FF2B5EF4-FFF2-40B4-BE49-F238E27FC236}">
-                <a16:creationId xmlns:a16="http://schemas.microsoft.com/office/drawing/2014/main" id="{6ABAA3C3-7524-4E18-9B49-AA59EE12C569}"/>
+                <a16:creationId xmlns:a16="http://schemas.microsoft.com/office/drawing/2014/main" xmlns="" id="{6ABAA3C3-7524-4E18-9B49-AA59EE12C569}"/>
               </a:ext>
             </a:extLst>
           </p:cNvPr>
@@ -3115,7 +3133,11 @@
             </a:pPr>
             <a:r>
               <a:rPr lang="de-DE" sz="1800" dirty="0"/>
-              <a:t>Kein Werkstück vorhanden, wo eins abgeholt werden soll</a:t>
+              <a:t>Kein Werkstück vorhanden, wo eins abgeholt werden </a:t>
+            </a:r>
+            <a:r>
+              <a:rPr lang="de-DE" sz="1800" dirty="0" smtClean="0"/>
+              <a:t>soll</a:t>
             </a:r>
           </a:p>
           <a:p>
@@ -3124,9 +3146,10 @@
               <a:buChar char="•"/>
             </a:pPr>
             <a:r>
-              <a:rPr lang="de-DE" sz="1800" dirty="0"/>
-              <a:t>Bereits ein Werkstück da, wo eins abgelegt werden soll</a:t>
-            </a:r>
+              <a:rPr lang="de-DE" sz="1800" dirty="0" smtClean="0"/>
+              <a:t>Beim Transport wird ein Werkstück verloren</a:t>
+            </a:r>
+            <a:endParaRPr lang="de-DE" sz="1800" dirty="0"/>
           </a:p>
           <a:p>
             <a:pPr lvl="2">
@@ -3135,11 +3158,7 @@
             </a:pPr>
             <a:r>
               <a:rPr lang="de-DE" sz="1800" dirty="0"/>
-              <a:t>Station und alle </a:t>
-            </a:r>
-            <a:r>
-              <a:rPr lang="de-DE" sz="1800"/>
-              <a:t>Fifo-Plätze besetzt</a:t>
+              <a:t>Bereits ein Werkstück da, wo eins abgelegt werden soll</a:t>
             </a:r>
           </a:p>
           <a:p>
@@ -3147,7 +3166,7 @@
               <a:buFont typeface="Arial" panose="020B0604020202020204" pitchFamily="34" charset="0"/>
               <a:buChar char="•"/>
             </a:pPr>
-            <a:endParaRPr lang="de-DE" sz="1800"/>
+            <a:endParaRPr lang="de-DE" sz="1800" dirty="0"/>
           </a:p>
         </p:txBody>
       </p:sp>
@@ -3156,7 +3175,7 @@
           <p:cNvPr id="4" name="Fußzeilenplatzhalter 3">
             <a:extLst>
               <a:ext uri="{FF2B5EF4-FFF2-40B4-BE49-F238E27FC236}">
-                <a16:creationId xmlns:a16="http://schemas.microsoft.com/office/drawing/2014/main" id="{78B07854-0228-4BD8-B365-CD96563C4722}"/>
+                <a16:creationId xmlns:a16="http://schemas.microsoft.com/office/drawing/2014/main" xmlns="" id="{78B07854-0228-4BD8-B365-CD96563C4722}"/>
               </a:ext>
             </a:extLst>
           </p:cNvPr>
@@ -3196,7 +3215,7 @@
           <p:cNvPr id="5" name="Foliennummernplatzhalter 4">
             <a:extLst>
               <a:ext uri="{FF2B5EF4-FFF2-40B4-BE49-F238E27FC236}">
-                <a16:creationId xmlns:a16="http://schemas.microsoft.com/office/drawing/2014/main" id="{BCD3049B-3E92-4BC4-B654-90432C8C6D39}"/>
+                <a16:creationId xmlns:a16="http://schemas.microsoft.com/office/drawing/2014/main" xmlns="" id="{BCD3049B-3E92-4BC4-B654-90432C8C6D39}"/>
               </a:ext>
             </a:extLst>
           </p:cNvPr>
@@ -3264,7 +3283,7 @@
           <p:cNvPr id="2" name="Titel 1">
             <a:extLst>
               <a:ext uri="{FF2B5EF4-FFF2-40B4-BE49-F238E27FC236}">
-                <a16:creationId xmlns:a16="http://schemas.microsoft.com/office/drawing/2014/main" id="{69D175C7-2277-48EE-80FF-0E761953819F}"/>
+                <a16:creationId xmlns:a16="http://schemas.microsoft.com/office/drawing/2014/main" xmlns="" id="{69D175C7-2277-48EE-80FF-0E761953819F}"/>
               </a:ext>
             </a:extLst>
           </p:cNvPr>
@@ -3292,7 +3311,7 @@
           <p:cNvPr id="3" name="Inhaltsplatzhalter 2">
             <a:extLst>
               <a:ext uri="{FF2B5EF4-FFF2-40B4-BE49-F238E27FC236}">
-                <a16:creationId xmlns:a16="http://schemas.microsoft.com/office/drawing/2014/main" id="{D48E999B-3E55-4E29-B367-1F5A664CD438}"/>
+                <a16:creationId xmlns:a16="http://schemas.microsoft.com/office/drawing/2014/main" xmlns="" id="{D48E999B-3E55-4E29-B367-1F5A664CD438}"/>
               </a:ext>
             </a:extLst>
           </p:cNvPr>
@@ -3470,7 +3489,7 @@
           <p:cNvPr id="4" name="Fußzeilenplatzhalter 3">
             <a:extLst>
               <a:ext uri="{FF2B5EF4-FFF2-40B4-BE49-F238E27FC236}">
-                <a16:creationId xmlns:a16="http://schemas.microsoft.com/office/drawing/2014/main" id="{2137E165-7B19-4681-A71E-0B75A5F168F0}"/>
+                <a16:creationId xmlns:a16="http://schemas.microsoft.com/office/drawing/2014/main" xmlns="" id="{2137E165-7B19-4681-A71E-0B75A5F168F0}"/>
               </a:ext>
             </a:extLst>
           </p:cNvPr>
@@ -3524,7 +3543,7 @@
           <p:cNvPr id="5" name="Foliennummernplatzhalter 4">
             <a:extLst>
               <a:ext uri="{FF2B5EF4-FFF2-40B4-BE49-F238E27FC236}">
-                <a16:creationId xmlns:a16="http://schemas.microsoft.com/office/drawing/2014/main" id="{4C25DBB2-B24D-49AD-BB7F-6A16BA69840D}"/>
+                <a16:creationId xmlns:a16="http://schemas.microsoft.com/office/drawing/2014/main" xmlns="" id="{4C25DBB2-B24D-49AD-BB7F-6A16BA69840D}"/>
               </a:ext>
             </a:extLst>
           </p:cNvPr>
@@ -3592,7 +3611,7 @@
           <p:cNvPr id="2" name="Titel 1">
             <a:extLst>
               <a:ext uri="{FF2B5EF4-FFF2-40B4-BE49-F238E27FC236}">
-                <a16:creationId xmlns:a16="http://schemas.microsoft.com/office/drawing/2014/main" id="{F3639E51-5011-4217-810D-F122D87922E7}"/>
+                <a16:creationId xmlns:a16="http://schemas.microsoft.com/office/drawing/2014/main" xmlns="" id="{F3639E51-5011-4217-810D-F122D87922E7}"/>
               </a:ext>
             </a:extLst>
           </p:cNvPr>
@@ -3624,7 +3643,7 @@
           <p:cNvPr id="3" name="Inhaltsplatzhalter 2">
             <a:extLst>
               <a:ext uri="{FF2B5EF4-FFF2-40B4-BE49-F238E27FC236}">
-                <a16:creationId xmlns:a16="http://schemas.microsoft.com/office/drawing/2014/main" id="{A1594824-0012-4797-AAE7-048655F517C9}"/>
+                <a16:creationId xmlns:a16="http://schemas.microsoft.com/office/drawing/2014/main" xmlns="" id="{A1594824-0012-4797-AAE7-048655F517C9}"/>
               </a:ext>
             </a:extLst>
           </p:cNvPr>
@@ -3684,7 +3703,7 @@
           <p:cNvPr id="4" name="Fußzeilenplatzhalter 3">
             <a:extLst>
               <a:ext uri="{FF2B5EF4-FFF2-40B4-BE49-F238E27FC236}">
-                <a16:creationId xmlns:a16="http://schemas.microsoft.com/office/drawing/2014/main" id="{10069B3C-7643-4D6C-9022-3F34C2215C51}"/>
+                <a16:creationId xmlns:a16="http://schemas.microsoft.com/office/drawing/2014/main" xmlns="" id="{10069B3C-7643-4D6C-9022-3F34C2215C51}"/>
               </a:ext>
             </a:extLst>
           </p:cNvPr>
@@ -3724,7 +3743,7 @@
           <p:cNvPr id="5" name="Foliennummernplatzhalter 4">
             <a:extLst>
               <a:ext uri="{FF2B5EF4-FFF2-40B4-BE49-F238E27FC236}">
-                <a16:creationId xmlns:a16="http://schemas.microsoft.com/office/drawing/2014/main" id="{43A387BD-F344-4FCB-AF63-CA7D8E6B2EB1}"/>
+                <a16:creationId xmlns:a16="http://schemas.microsoft.com/office/drawing/2014/main" xmlns="" id="{43A387BD-F344-4FCB-AF63-CA7D8E6B2EB1}"/>
               </a:ext>
             </a:extLst>
           </p:cNvPr>
@@ -3792,7 +3811,7 @@
           <p:cNvPr id="2" name="Titel 1">
             <a:extLst>
               <a:ext uri="{FF2B5EF4-FFF2-40B4-BE49-F238E27FC236}">
-                <a16:creationId xmlns:a16="http://schemas.microsoft.com/office/drawing/2014/main" id="{0DE113FB-13E9-4EBE-83D1-36549BEDE9B3}"/>
+                <a16:creationId xmlns:a16="http://schemas.microsoft.com/office/drawing/2014/main" xmlns="" id="{0DE113FB-13E9-4EBE-83D1-36549BEDE9B3}"/>
               </a:ext>
             </a:extLst>
           </p:cNvPr>
@@ -3827,7 +3846,7 @@
           <p:cNvPr id="4" name="Fußzeilenplatzhalter 3">
             <a:extLst>
               <a:ext uri="{FF2B5EF4-FFF2-40B4-BE49-F238E27FC236}">
-                <a16:creationId xmlns:a16="http://schemas.microsoft.com/office/drawing/2014/main" id="{4F8AE508-9E5F-4810-ADFD-2B16A9A9B7BF}"/>
+                <a16:creationId xmlns:a16="http://schemas.microsoft.com/office/drawing/2014/main" xmlns="" id="{4F8AE508-9E5F-4810-ADFD-2B16A9A9B7BF}"/>
               </a:ext>
             </a:extLst>
           </p:cNvPr>
@@ -3867,7 +3886,7 @@
           <p:cNvPr id="5" name="Foliennummernplatzhalter 4">
             <a:extLst>
               <a:ext uri="{FF2B5EF4-FFF2-40B4-BE49-F238E27FC236}">
-                <a16:creationId xmlns:a16="http://schemas.microsoft.com/office/drawing/2014/main" id="{E58A3AE0-41E8-4290-A24B-CBD45BFF565F}"/>
+                <a16:creationId xmlns:a16="http://schemas.microsoft.com/office/drawing/2014/main" xmlns="" id="{E58A3AE0-41E8-4290-A24B-CBD45BFF565F}"/>
               </a:ext>
             </a:extLst>
           </p:cNvPr>
@@ -3904,7 +3923,7 @@
           <p:cNvPr id="14" name="Inhaltsplatzhalter 13">
             <a:extLst>
               <a:ext uri="{FF2B5EF4-FFF2-40B4-BE49-F238E27FC236}">
-                <a16:creationId xmlns:a16="http://schemas.microsoft.com/office/drawing/2014/main" id="{AD79B16F-E1D2-4831-8438-42DCC430CC3C}"/>
+                <a16:creationId xmlns:a16="http://schemas.microsoft.com/office/drawing/2014/main" xmlns="" id="{AD79B16F-E1D2-4831-8438-42DCC430CC3C}"/>
               </a:ext>
             </a:extLst>
           </p:cNvPr>
@@ -3977,7 +3996,7 @@
           <p:cNvPr id="16" name="Grafik 15">
             <a:extLst>
               <a:ext uri="{FF2B5EF4-FFF2-40B4-BE49-F238E27FC236}">
-                <a16:creationId xmlns:a16="http://schemas.microsoft.com/office/drawing/2014/main" id="{2E0C0D6F-2419-433D-8A3A-87D155F1B6A1}"/>
+                <a16:creationId xmlns:a16="http://schemas.microsoft.com/office/drawing/2014/main" xmlns="" id="{2E0C0D6F-2419-433D-8A3A-87D155F1B6A1}"/>
               </a:ext>
             </a:extLst>
           </p:cNvPr>
@@ -3987,7 +4006,7 @@
           <p:nvPr/>
         </p:nvPicPr>
         <p:blipFill>
-          <a:blip r:embed="rId2">
+          <a:blip r:embed="rId2" cstate="print">
             <a:extLst>
               <a:ext uri="{28A0092B-C50C-407E-A947-70E740481C1C}">
                 <a14:useLocalDpi xmlns:a14="http://schemas.microsoft.com/office/drawing/2010/main" val="0"/>
@@ -4013,7 +4032,7 @@
           <p:cNvPr id="18" name="Grafik 17">
             <a:extLst>
               <a:ext uri="{FF2B5EF4-FFF2-40B4-BE49-F238E27FC236}">
-                <a16:creationId xmlns:a16="http://schemas.microsoft.com/office/drawing/2014/main" id="{079156A6-DD69-4D3B-B7F6-C495DAB36451}"/>
+                <a16:creationId xmlns:a16="http://schemas.microsoft.com/office/drawing/2014/main" xmlns="" id="{079156A6-DD69-4D3B-B7F6-C495DAB36451}"/>
               </a:ext>
             </a:extLst>
           </p:cNvPr>
@@ -4155,7 +4174,7 @@
           <p:cNvPr id="2" name="Titel 1">
             <a:extLst>
               <a:ext uri="{FF2B5EF4-FFF2-40B4-BE49-F238E27FC236}">
-                <a16:creationId xmlns:a16="http://schemas.microsoft.com/office/drawing/2014/main" id="{199E0412-C9C1-4338-AF11-254B58531795}"/>
+                <a16:creationId xmlns:a16="http://schemas.microsoft.com/office/drawing/2014/main" xmlns="" id="{199E0412-C9C1-4338-AF11-254B58531795}"/>
               </a:ext>
             </a:extLst>
           </p:cNvPr>
@@ -4184,7 +4203,7 @@
           <p:cNvPr id="3" name="Inhaltsplatzhalter 2">
             <a:extLst>
               <a:ext uri="{FF2B5EF4-FFF2-40B4-BE49-F238E27FC236}">
-                <a16:creationId xmlns:a16="http://schemas.microsoft.com/office/drawing/2014/main" id="{C398954B-85C0-425D-A3DF-8844D64D05F0}"/>
+                <a16:creationId xmlns:a16="http://schemas.microsoft.com/office/drawing/2014/main" xmlns="" id="{C398954B-85C0-425D-A3DF-8844D64D05F0}"/>
               </a:ext>
             </a:extLst>
           </p:cNvPr>
@@ -4267,7 +4286,7 @@
           <p:cNvPr id="4" name="Fußzeilenplatzhalter 3">
             <a:extLst>
               <a:ext uri="{FF2B5EF4-FFF2-40B4-BE49-F238E27FC236}">
-                <a16:creationId xmlns:a16="http://schemas.microsoft.com/office/drawing/2014/main" id="{CF38E57F-8951-4C6C-808C-D512836D4D27}"/>
+                <a16:creationId xmlns:a16="http://schemas.microsoft.com/office/drawing/2014/main" xmlns="" id="{CF38E57F-8951-4C6C-808C-D512836D4D27}"/>
               </a:ext>
             </a:extLst>
           </p:cNvPr>
@@ -4321,7 +4340,7 @@
           <p:cNvPr id="5" name="Foliennummernplatzhalter 4">
             <a:extLst>
               <a:ext uri="{FF2B5EF4-FFF2-40B4-BE49-F238E27FC236}">
-                <a16:creationId xmlns:a16="http://schemas.microsoft.com/office/drawing/2014/main" id="{DF2B7CFB-9EDB-41B2-98FF-80F53662EB29}"/>
+                <a16:creationId xmlns:a16="http://schemas.microsoft.com/office/drawing/2014/main" xmlns="" id="{DF2B7CFB-9EDB-41B2-98FF-80F53662EB29}"/>
               </a:ext>
             </a:extLst>
           </p:cNvPr>
@@ -4389,7 +4408,7 @@
           <p:cNvPr id="2" name="Titel 1">
             <a:extLst>
               <a:ext uri="{FF2B5EF4-FFF2-40B4-BE49-F238E27FC236}">
-                <a16:creationId xmlns:a16="http://schemas.microsoft.com/office/drawing/2014/main" id="{1D01E2E5-1074-46DC-8480-1F80146A86FC}"/>
+                <a16:creationId xmlns:a16="http://schemas.microsoft.com/office/drawing/2014/main" xmlns="" id="{46690A77-D47F-472A-AB27-1C3F26DAFD45}"/>
               </a:ext>
             </a:extLst>
           </p:cNvPr>
@@ -4417,7 +4436,7 @@
           <p:cNvPr id="4" name="Fußzeilenplatzhalter 3">
             <a:extLst>
               <a:ext uri="{FF2B5EF4-FFF2-40B4-BE49-F238E27FC236}">
-                <a16:creationId xmlns:a16="http://schemas.microsoft.com/office/drawing/2014/main" id="{583DA148-6337-4743-A905-1AE732F50969}"/>
+                <a16:creationId xmlns:a16="http://schemas.microsoft.com/office/drawing/2014/main" xmlns="" id="{0437E12D-4F3D-495B-A07A-B6FA7C40A8D3}"/>
               </a:ext>
             </a:extLst>
           </p:cNvPr>
@@ -4437,14 +4456,28 @@
               <a:defRPr/>
             </a:pPr>
             <a:r>
-              <a:rPr lang="de-DE"/>
-              <a:t>VPJ Gewerk 2 |  Bahnplanung  |  SoSe 2018  </a:t>
-            </a:r>
-            <a:r>
-              <a:rPr lang="de-DE">
+              <a:rPr lang="de-DE" dirty="0"/>
+              <a:t>VPJ Gewerk 2 |  Bahnplanung  |  </a:t>
+            </a:r>
+            <a:r>
+              <a:rPr lang="de-DE" dirty="0" err="1"/>
+              <a:t>SoSe</a:t>
+            </a:r>
+            <a:r>
+              <a:rPr lang="de-DE" dirty="0"/>
+              <a:t> 2018  </a:t>
+            </a:r>
+            <a:r>
+              <a:rPr lang="de-DE" dirty="0">
                 <a:cs typeface="Arial" charset="0"/>
               </a:rPr>
-              <a:t>|  Robin Möller, Inke Heynen, Jan Gellermann</a:t>
+              <a:t>|  Robin Möller, Inke Heynen, Jan </a:t>
+            </a:r>
+            <a:r>
+              <a:rPr lang="de-DE" dirty="0" err="1">
+                <a:cs typeface="Arial" charset="0"/>
+              </a:rPr>
+              <a:t>Gellermann</a:t>
             </a:r>
             <a:endParaRPr lang="de-DE" dirty="0">
               <a:cs typeface="Arial" charset="0"/>
@@ -4457,7 +4490,7 @@
           <p:cNvPr id="5" name="Foliennummernplatzhalter 4">
             <a:extLst>
               <a:ext uri="{FF2B5EF4-FFF2-40B4-BE49-F238E27FC236}">
-                <a16:creationId xmlns:a16="http://schemas.microsoft.com/office/drawing/2014/main" id="{A0D5C8BD-9677-4BC5-A234-D3DA6C5C17F2}"/>
+                <a16:creationId xmlns:a16="http://schemas.microsoft.com/office/drawing/2014/main" xmlns="" id="{0886D6B4-2E03-4E02-8110-641A267784A8}"/>
               </a:ext>
             </a:extLst>
           </p:cNvPr>
@@ -4491,10 +4524,10 @@
       </p:sp>
       <p:pic>
         <p:nvPicPr>
-          <p:cNvPr id="8" name="Inhaltsplatzhalter 7">
+          <p:cNvPr id="9" name="Inhaltsplatzhalter 8">
             <a:extLst>
               <a:ext uri="{FF2B5EF4-FFF2-40B4-BE49-F238E27FC236}">
-                <a16:creationId xmlns:a16="http://schemas.microsoft.com/office/drawing/2014/main" id="{2D7B404C-6E29-4EAB-ABEB-6FF3532E892F}"/>
+                <a16:creationId xmlns:a16="http://schemas.microsoft.com/office/drawing/2014/main" xmlns="" id="{4E0A2C57-F1B1-41D8-83F3-C708FFB3744D}"/>
               </a:ext>
             </a:extLst>
           </p:cNvPr>
@@ -4519,15 +4552,15 @@
         </p:blipFill>
         <p:spPr>
           <a:xfrm>
-            <a:off x="320675" y="1421203"/>
-            <a:ext cx="9344025" cy="4668056"/>
+            <a:off x="320675" y="1341221"/>
+            <a:ext cx="9344025" cy="4828020"/>
           </a:xfrm>
         </p:spPr>
       </p:pic>
     </p:spTree>
     <p:extLst>
       <p:ext uri="{BB962C8B-B14F-4D97-AF65-F5344CB8AC3E}">
-        <p14:creationId xmlns:p14="http://schemas.microsoft.com/office/powerpoint/2010/main" val="3102421075"/>
+        <p14:creationId xmlns:p14="http://schemas.microsoft.com/office/powerpoint/2010/main" val="400690389"/>
       </p:ext>
     </p:extLst>
   </p:cSld>
@@ -4560,7 +4593,7 @@
           <p:cNvPr id="2" name="Titel 1">
             <a:extLst>
               <a:ext uri="{FF2B5EF4-FFF2-40B4-BE49-F238E27FC236}">
-                <a16:creationId xmlns:a16="http://schemas.microsoft.com/office/drawing/2014/main" id="{1D01E2E5-1074-46DC-8480-1F80146A86FC}"/>
+                <a16:creationId xmlns:a16="http://schemas.microsoft.com/office/drawing/2014/main" xmlns="" id="{1D01E2E5-1074-46DC-8480-1F80146A86FC}"/>
               </a:ext>
             </a:extLst>
           </p:cNvPr>
@@ -4588,7 +4621,7 @@
           <p:cNvPr id="4" name="Fußzeilenplatzhalter 3">
             <a:extLst>
               <a:ext uri="{FF2B5EF4-FFF2-40B4-BE49-F238E27FC236}">
-                <a16:creationId xmlns:a16="http://schemas.microsoft.com/office/drawing/2014/main" id="{583DA148-6337-4743-A905-1AE732F50969}"/>
+                <a16:creationId xmlns:a16="http://schemas.microsoft.com/office/drawing/2014/main" xmlns="" id="{583DA148-6337-4743-A905-1AE732F50969}"/>
               </a:ext>
             </a:extLst>
           </p:cNvPr>
@@ -4628,7 +4661,7 @@
           <p:cNvPr id="5" name="Foliennummernplatzhalter 4">
             <a:extLst>
               <a:ext uri="{FF2B5EF4-FFF2-40B4-BE49-F238E27FC236}">
-                <a16:creationId xmlns:a16="http://schemas.microsoft.com/office/drawing/2014/main" id="{A0D5C8BD-9677-4BC5-A234-D3DA6C5C17F2}"/>
+                <a16:creationId xmlns:a16="http://schemas.microsoft.com/office/drawing/2014/main" xmlns="" id="{A0D5C8BD-9677-4BC5-A234-D3DA6C5C17F2}"/>
               </a:ext>
             </a:extLst>
           </p:cNvPr>
@@ -4662,10 +4695,10 @@
       </p:sp>
       <p:pic>
         <p:nvPicPr>
-          <p:cNvPr id="9" name="Inhaltsplatzhalter 8">
+          <p:cNvPr id="8" name="Inhaltsplatzhalter 7">
             <a:extLst>
               <a:ext uri="{FF2B5EF4-FFF2-40B4-BE49-F238E27FC236}">
-                <a16:creationId xmlns:a16="http://schemas.microsoft.com/office/drawing/2014/main" id="{59BC9062-F814-426E-96AA-3E0DF14A7F5A}"/>
+                <a16:creationId xmlns:a16="http://schemas.microsoft.com/office/drawing/2014/main" xmlns="" id="{2D7B404C-6E29-4EAB-ABEB-6FF3532E892F}"/>
               </a:ext>
             </a:extLst>
           </p:cNvPr>
@@ -4690,15 +4723,15 @@
         </p:blipFill>
         <p:spPr>
           <a:xfrm>
-            <a:off x="320675" y="1431103"/>
-            <a:ext cx="9344025" cy="4648256"/>
+            <a:off x="320675" y="1421203"/>
+            <a:ext cx="9344025" cy="4668056"/>
           </a:xfrm>
         </p:spPr>
       </p:pic>
     </p:spTree>
     <p:extLst>
       <p:ext uri="{BB962C8B-B14F-4D97-AF65-F5344CB8AC3E}">
-        <p14:creationId xmlns:p14="http://schemas.microsoft.com/office/powerpoint/2010/main" val="1268259379"/>
+        <p14:creationId xmlns:p14="http://schemas.microsoft.com/office/powerpoint/2010/main" val="3102421075"/>
       </p:ext>
     </p:extLst>
   </p:cSld>
@@ -4731,7 +4764,7 @@
           <p:cNvPr id="2" name="Titel 1">
             <a:extLst>
               <a:ext uri="{FF2B5EF4-FFF2-40B4-BE49-F238E27FC236}">
-                <a16:creationId xmlns:a16="http://schemas.microsoft.com/office/drawing/2014/main" id="{46690A77-D47F-472A-AB27-1C3F26DAFD45}"/>
+                <a16:creationId xmlns:a16="http://schemas.microsoft.com/office/drawing/2014/main" xmlns="" id="{1D01E2E5-1074-46DC-8480-1F80146A86FC}"/>
               </a:ext>
             </a:extLst>
           </p:cNvPr>
@@ -4759,7 +4792,7 @@
           <p:cNvPr id="4" name="Fußzeilenplatzhalter 3">
             <a:extLst>
               <a:ext uri="{FF2B5EF4-FFF2-40B4-BE49-F238E27FC236}">
-                <a16:creationId xmlns:a16="http://schemas.microsoft.com/office/drawing/2014/main" id="{0437E12D-4F3D-495B-A07A-B6FA7C40A8D3}"/>
+                <a16:creationId xmlns:a16="http://schemas.microsoft.com/office/drawing/2014/main" xmlns="" id="{583DA148-6337-4743-A905-1AE732F50969}"/>
               </a:ext>
             </a:extLst>
           </p:cNvPr>
@@ -4779,28 +4812,14 @@
               <a:defRPr/>
             </a:pPr>
             <a:r>
-              <a:rPr lang="de-DE" dirty="0"/>
-              <a:t>VPJ Gewerk 2 |  Bahnplanung  |  </a:t>
-            </a:r>
-            <a:r>
-              <a:rPr lang="de-DE" dirty="0" err="1"/>
-              <a:t>SoSe</a:t>
-            </a:r>
-            <a:r>
-              <a:rPr lang="de-DE" dirty="0"/>
-              <a:t> 2018  </a:t>
-            </a:r>
-            <a:r>
-              <a:rPr lang="de-DE" dirty="0">
+              <a:rPr lang="de-DE"/>
+              <a:t>VPJ Gewerk 2 |  Bahnplanung  |  SoSe 2018  </a:t>
+            </a:r>
+            <a:r>
+              <a:rPr lang="de-DE">
                 <a:cs typeface="Arial" charset="0"/>
               </a:rPr>
-              <a:t>|  Robin Möller, Inke Heynen, Jan </a:t>
-            </a:r>
-            <a:r>
-              <a:rPr lang="de-DE" dirty="0" err="1">
-                <a:cs typeface="Arial" charset="0"/>
-              </a:rPr>
-              <a:t>Gellermann</a:t>
+              <a:t>|  Robin Möller, Inke Heynen, Jan Gellermann</a:t>
             </a:r>
             <a:endParaRPr lang="de-DE" dirty="0">
               <a:cs typeface="Arial" charset="0"/>
@@ -4813,7 +4832,7 @@
           <p:cNvPr id="5" name="Foliennummernplatzhalter 4">
             <a:extLst>
               <a:ext uri="{FF2B5EF4-FFF2-40B4-BE49-F238E27FC236}">
-                <a16:creationId xmlns:a16="http://schemas.microsoft.com/office/drawing/2014/main" id="{0886D6B4-2E03-4E02-8110-641A267784A8}"/>
+                <a16:creationId xmlns:a16="http://schemas.microsoft.com/office/drawing/2014/main" xmlns="" id="{A0D5C8BD-9677-4BC5-A234-D3DA6C5C17F2}"/>
               </a:ext>
             </a:extLst>
           </p:cNvPr>
@@ -4850,7 +4869,7 @@
           <p:cNvPr id="9" name="Inhaltsplatzhalter 8">
             <a:extLst>
               <a:ext uri="{FF2B5EF4-FFF2-40B4-BE49-F238E27FC236}">
-                <a16:creationId xmlns:a16="http://schemas.microsoft.com/office/drawing/2014/main" id="{4E0A2C57-F1B1-41D8-83F3-C708FFB3744D}"/>
+                <a16:creationId xmlns:a16="http://schemas.microsoft.com/office/drawing/2014/main" xmlns="" id="{59BC9062-F814-426E-96AA-3E0DF14A7F5A}"/>
               </a:ext>
             </a:extLst>
           </p:cNvPr>
@@ -4875,15 +4894,15 @@
         </p:blipFill>
         <p:spPr>
           <a:xfrm>
-            <a:off x="320675" y="1341221"/>
-            <a:ext cx="9344025" cy="4828020"/>
+            <a:off x="320675" y="1431103"/>
+            <a:ext cx="9344025" cy="4648256"/>
           </a:xfrm>
         </p:spPr>
       </p:pic>
     </p:spTree>
     <p:extLst>
       <p:ext uri="{BB962C8B-B14F-4D97-AF65-F5344CB8AC3E}">
-        <p14:creationId xmlns:p14="http://schemas.microsoft.com/office/powerpoint/2010/main" val="400690389"/>
+        <p14:creationId xmlns:p14="http://schemas.microsoft.com/office/powerpoint/2010/main" val="1268259379"/>
       </p:ext>
     </p:extLst>
   </p:cSld>
@@ -4916,7 +4935,7 @@
           <p:cNvPr id="2" name="Titel 1">
             <a:extLst>
               <a:ext uri="{FF2B5EF4-FFF2-40B4-BE49-F238E27FC236}">
-                <a16:creationId xmlns:a16="http://schemas.microsoft.com/office/drawing/2014/main" id="{2D3E2030-5BB9-4D06-91FD-164687F4F48F}"/>
+                <a16:creationId xmlns:a16="http://schemas.microsoft.com/office/drawing/2014/main" xmlns="" id="{2D3E2030-5BB9-4D06-91FD-164687F4F48F}"/>
               </a:ext>
             </a:extLst>
           </p:cNvPr>
@@ -4944,7 +4963,7 @@
           <p:cNvPr id="4" name="Fußzeilenplatzhalter 3">
             <a:extLst>
               <a:ext uri="{FF2B5EF4-FFF2-40B4-BE49-F238E27FC236}">
-                <a16:creationId xmlns:a16="http://schemas.microsoft.com/office/drawing/2014/main" id="{8D087DE4-FA3C-4B3F-8025-4A054DA6B3BD}"/>
+                <a16:creationId xmlns:a16="http://schemas.microsoft.com/office/drawing/2014/main" xmlns="" id="{8D087DE4-FA3C-4B3F-8025-4A054DA6B3BD}"/>
               </a:ext>
             </a:extLst>
           </p:cNvPr>
@@ -4984,7 +5003,7 @@
           <p:cNvPr id="5" name="Foliennummernplatzhalter 4">
             <a:extLst>
               <a:ext uri="{FF2B5EF4-FFF2-40B4-BE49-F238E27FC236}">
-                <a16:creationId xmlns:a16="http://schemas.microsoft.com/office/drawing/2014/main" id="{E0035365-0548-47C9-BEA8-79F847D29ED9}"/>
+                <a16:creationId xmlns:a16="http://schemas.microsoft.com/office/drawing/2014/main" xmlns="" id="{E0035365-0548-47C9-BEA8-79F847D29ED9}"/>
               </a:ext>
             </a:extLst>
           </p:cNvPr>
@@ -5021,7 +5040,7 @@
           <p:cNvPr id="11" name="Inhaltsplatzhalter 10">
             <a:extLst>
               <a:ext uri="{FF2B5EF4-FFF2-40B4-BE49-F238E27FC236}">
-                <a16:creationId xmlns:a16="http://schemas.microsoft.com/office/drawing/2014/main" id="{E1E1C9C5-F4AD-4A8E-BFF9-9CDDE1129207}"/>
+                <a16:creationId xmlns:a16="http://schemas.microsoft.com/office/drawing/2014/main" xmlns="" id="{E1E1C9C5-F4AD-4A8E-BFF9-9CDDE1129207}"/>
               </a:ext>
             </a:extLst>
           </p:cNvPr>
@@ -5087,7 +5106,7 @@
           <p:cNvPr id="2" name="Titel 1">
             <a:extLst>
               <a:ext uri="{FF2B5EF4-FFF2-40B4-BE49-F238E27FC236}">
-                <a16:creationId xmlns:a16="http://schemas.microsoft.com/office/drawing/2014/main" id="{4A0F5E8D-F58A-4E19-847B-829BC0D241AE}"/>
+                <a16:creationId xmlns:a16="http://schemas.microsoft.com/office/drawing/2014/main" xmlns="" id="{4A0F5E8D-F58A-4E19-847B-829BC0D241AE}"/>
               </a:ext>
             </a:extLst>
           </p:cNvPr>
@@ -5115,7 +5134,7 @@
           <p:cNvPr id="3" name="Inhaltsplatzhalter 2">
             <a:extLst>
               <a:ext uri="{FF2B5EF4-FFF2-40B4-BE49-F238E27FC236}">
-                <a16:creationId xmlns:a16="http://schemas.microsoft.com/office/drawing/2014/main" id="{5A6611EA-D485-4EFE-BAE3-245FB9833B89}"/>
+                <a16:creationId xmlns:a16="http://schemas.microsoft.com/office/drawing/2014/main" xmlns="" id="{5A6611EA-D485-4EFE-BAE3-245FB9833B89}"/>
               </a:ext>
             </a:extLst>
           </p:cNvPr>
@@ -5240,7 +5259,7 @@
           <p:cNvPr id="4" name="Fußzeilenplatzhalter 3">
             <a:extLst>
               <a:ext uri="{FF2B5EF4-FFF2-40B4-BE49-F238E27FC236}">
-                <a16:creationId xmlns:a16="http://schemas.microsoft.com/office/drawing/2014/main" id="{22BA5185-90F9-48FD-BC24-F8F43126611C}"/>
+                <a16:creationId xmlns:a16="http://schemas.microsoft.com/office/drawing/2014/main" xmlns="" id="{22BA5185-90F9-48FD-BC24-F8F43126611C}"/>
               </a:ext>
             </a:extLst>
           </p:cNvPr>
@@ -5294,7 +5313,7 @@
           <p:cNvPr id="5" name="Foliennummernplatzhalter 4">
             <a:extLst>
               <a:ext uri="{FF2B5EF4-FFF2-40B4-BE49-F238E27FC236}">
-                <a16:creationId xmlns:a16="http://schemas.microsoft.com/office/drawing/2014/main" id="{8A66F8E3-E660-4C88-A4B4-347CF57581B2}"/>
+                <a16:creationId xmlns:a16="http://schemas.microsoft.com/office/drawing/2014/main" xmlns="" id="{8A66F8E3-E660-4C88-A4B4-347CF57581B2}"/>
               </a:ext>
             </a:extLst>
           </p:cNvPr>
@@ -5331,7 +5350,7 @@
           <p:cNvPr id="7" name="Grafik 6">
             <a:extLst>
               <a:ext uri="{FF2B5EF4-FFF2-40B4-BE49-F238E27FC236}">
-                <a16:creationId xmlns:a16="http://schemas.microsoft.com/office/drawing/2014/main" id="{C29A8163-ADF9-4618-A744-D39307692309}"/>
+                <a16:creationId xmlns:a16="http://schemas.microsoft.com/office/drawing/2014/main" xmlns="" id="{C29A8163-ADF9-4618-A744-D39307692309}"/>
               </a:ext>
             </a:extLst>
           </p:cNvPr>
@@ -5367,7 +5386,7 @@
           <p:cNvPr id="8" name="Pfeil: nach rechts 7">
             <a:extLst>
               <a:ext uri="{FF2B5EF4-FFF2-40B4-BE49-F238E27FC236}">
-                <a16:creationId xmlns:a16="http://schemas.microsoft.com/office/drawing/2014/main" id="{CF4A36E8-65DD-415E-BF4C-24F89800958C}"/>
+                <a16:creationId xmlns:a16="http://schemas.microsoft.com/office/drawing/2014/main" xmlns="" id="{CF4A36E8-65DD-415E-BF4C-24F89800958C}"/>
               </a:ext>
             </a:extLst>
           </p:cNvPr>
@@ -5444,7 +5463,7 @@
           <p:cNvPr id="2" name="Titel 1">
             <a:extLst>
               <a:ext uri="{FF2B5EF4-FFF2-40B4-BE49-F238E27FC236}">
-                <a16:creationId xmlns:a16="http://schemas.microsoft.com/office/drawing/2014/main" id="{4A0F5E8D-F58A-4E19-847B-829BC0D241AE}"/>
+                <a16:creationId xmlns:a16="http://schemas.microsoft.com/office/drawing/2014/main" xmlns="" id="{4A0F5E8D-F58A-4E19-847B-829BC0D241AE}"/>
               </a:ext>
             </a:extLst>
           </p:cNvPr>
@@ -5472,7 +5491,7 @@
           <p:cNvPr id="3" name="Inhaltsplatzhalter 2">
             <a:extLst>
               <a:ext uri="{FF2B5EF4-FFF2-40B4-BE49-F238E27FC236}">
-                <a16:creationId xmlns:a16="http://schemas.microsoft.com/office/drawing/2014/main" id="{5A6611EA-D485-4EFE-BAE3-245FB9833B89}"/>
+                <a16:creationId xmlns:a16="http://schemas.microsoft.com/office/drawing/2014/main" xmlns="" id="{5A6611EA-D485-4EFE-BAE3-245FB9833B89}"/>
               </a:ext>
             </a:extLst>
           </p:cNvPr>
@@ -5578,7 +5597,7 @@
           <p:cNvPr id="4" name="Fußzeilenplatzhalter 3">
             <a:extLst>
               <a:ext uri="{FF2B5EF4-FFF2-40B4-BE49-F238E27FC236}">
-                <a16:creationId xmlns:a16="http://schemas.microsoft.com/office/drawing/2014/main" id="{22BA5185-90F9-48FD-BC24-F8F43126611C}"/>
+                <a16:creationId xmlns:a16="http://schemas.microsoft.com/office/drawing/2014/main" xmlns="" id="{22BA5185-90F9-48FD-BC24-F8F43126611C}"/>
               </a:ext>
             </a:extLst>
           </p:cNvPr>
@@ -5632,7 +5651,7 @@
           <p:cNvPr id="5" name="Foliennummernplatzhalter 4">
             <a:extLst>
               <a:ext uri="{FF2B5EF4-FFF2-40B4-BE49-F238E27FC236}">
-                <a16:creationId xmlns:a16="http://schemas.microsoft.com/office/drawing/2014/main" id="{8A66F8E3-E660-4C88-A4B4-347CF57581B2}"/>
+                <a16:creationId xmlns:a16="http://schemas.microsoft.com/office/drawing/2014/main" xmlns="" id="{8A66F8E3-E660-4C88-A4B4-347CF57581B2}"/>
               </a:ext>
             </a:extLst>
           </p:cNvPr>
@@ -5669,7 +5688,7 @@
           <p:cNvPr id="7" name="Grafik 6">
             <a:extLst>
               <a:ext uri="{FF2B5EF4-FFF2-40B4-BE49-F238E27FC236}">
-                <a16:creationId xmlns:a16="http://schemas.microsoft.com/office/drawing/2014/main" id="{B8EEDB8B-0C1B-4278-BA62-B71C3D16253A}"/>
+                <a16:creationId xmlns:a16="http://schemas.microsoft.com/office/drawing/2014/main" xmlns="" id="{B8EEDB8B-0C1B-4278-BA62-B71C3D16253A}"/>
               </a:ext>
             </a:extLst>
           </p:cNvPr>
@@ -5705,7 +5724,7 @@
           <p:cNvPr id="8" name="Pfeil: nach rechts 7">
             <a:extLst>
               <a:ext uri="{FF2B5EF4-FFF2-40B4-BE49-F238E27FC236}">
-                <a16:creationId xmlns:a16="http://schemas.microsoft.com/office/drawing/2014/main" id="{586405A1-545F-4B02-939C-F560480E8556}"/>
+                <a16:creationId xmlns:a16="http://schemas.microsoft.com/office/drawing/2014/main" xmlns="" id="{586405A1-545F-4B02-939C-F560480E8556}"/>
               </a:ext>
             </a:extLst>
           </p:cNvPr>
@@ -5782,7 +5801,7 @@
           <p:cNvPr id="2" name="Titel 1">
             <a:extLst>
               <a:ext uri="{FF2B5EF4-FFF2-40B4-BE49-F238E27FC236}">
-                <a16:creationId xmlns:a16="http://schemas.microsoft.com/office/drawing/2014/main" id="{4A0F5E8D-F58A-4E19-847B-829BC0D241AE}"/>
+                <a16:creationId xmlns:a16="http://schemas.microsoft.com/office/drawing/2014/main" xmlns="" id="{4A0F5E8D-F58A-4E19-847B-829BC0D241AE}"/>
               </a:ext>
             </a:extLst>
           </p:cNvPr>
@@ -5810,7 +5829,7 @@
           <p:cNvPr id="3" name="Inhaltsplatzhalter 2">
             <a:extLst>
               <a:ext uri="{FF2B5EF4-FFF2-40B4-BE49-F238E27FC236}">
-                <a16:creationId xmlns:a16="http://schemas.microsoft.com/office/drawing/2014/main" id="{5A6611EA-D485-4EFE-BAE3-245FB9833B89}"/>
+                <a16:creationId xmlns:a16="http://schemas.microsoft.com/office/drawing/2014/main" xmlns="" id="{5A6611EA-D485-4EFE-BAE3-245FB9833B89}"/>
               </a:ext>
             </a:extLst>
           </p:cNvPr>
@@ -5923,7 +5942,7 @@
           <p:cNvPr id="4" name="Fußzeilenplatzhalter 3">
             <a:extLst>
               <a:ext uri="{FF2B5EF4-FFF2-40B4-BE49-F238E27FC236}">
-                <a16:creationId xmlns:a16="http://schemas.microsoft.com/office/drawing/2014/main" id="{22BA5185-90F9-48FD-BC24-F8F43126611C}"/>
+                <a16:creationId xmlns:a16="http://schemas.microsoft.com/office/drawing/2014/main" xmlns="" id="{22BA5185-90F9-48FD-BC24-F8F43126611C}"/>
               </a:ext>
             </a:extLst>
           </p:cNvPr>
@@ -5977,7 +5996,7 @@
           <p:cNvPr id="5" name="Foliennummernplatzhalter 4">
             <a:extLst>
               <a:ext uri="{FF2B5EF4-FFF2-40B4-BE49-F238E27FC236}">
-                <a16:creationId xmlns:a16="http://schemas.microsoft.com/office/drawing/2014/main" id="{8A66F8E3-E660-4C88-A4B4-347CF57581B2}"/>
+                <a16:creationId xmlns:a16="http://schemas.microsoft.com/office/drawing/2014/main" xmlns="" id="{8A66F8E3-E660-4C88-A4B4-347CF57581B2}"/>
               </a:ext>
             </a:extLst>
           </p:cNvPr>
@@ -6014,7 +6033,7 @@
           <p:cNvPr id="7" name="Pfeil: nach rechts 6">
             <a:extLst>
               <a:ext uri="{FF2B5EF4-FFF2-40B4-BE49-F238E27FC236}">
-                <a16:creationId xmlns:a16="http://schemas.microsoft.com/office/drawing/2014/main" id="{0D303E9E-B37E-4930-A338-8405AD00A805}"/>
+                <a16:creationId xmlns:a16="http://schemas.microsoft.com/office/drawing/2014/main" xmlns="" id="{0D303E9E-B37E-4930-A338-8405AD00A805}"/>
               </a:ext>
             </a:extLst>
           </p:cNvPr>
@@ -6060,7 +6079,7 @@
           <p:cNvPr id="8" name="Pfeil: nach rechts 7">
             <a:extLst>
               <a:ext uri="{FF2B5EF4-FFF2-40B4-BE49-F238E27FC236}">
-                <a16:creationId xmlns:a16="http://schemas.microsoft.com/office/drawing/2014/main" id="{44FCA105-1888-4AA9-91F4-A151BB70C287}"/>
+                <a16:creationId xmlns:a16="http://schemas.microsoft.com/office/drawing/2014/main" xmlns="" id="{44FCA105-1888-4AA9-91F4-A151BB70C287}"/>
               </a:ext>
             </a:extLst>
           </p:cNvPr>

--- a/Präsentationen/Endpräsi.pptx
+++ b/Präsentationen/Endpräsi.pptx
@@ -2771,16 +2771,6 @@
               </a:rPr>
               <a:t> Gewerk 2</a:t>
             </a:r>
-            <a:r>
-              <a:rPr lang="en-US" dirty="0">
-                <a:solidFill>
-                  <a:schemeClr val="tx1"/>
-                </a:solidFill>
-                <a:latin typeface="+mj-ea"/>
-                <a:cs typeface="+mj-ea"/>
-              </a:rPr>
-              <a:t/>
-            </a:r>
             <a:br>
               <a:rPr lang="en-US" dirty="0">
                 <a:solidFill>
@@ -2825,14 +2815,6 @@
                 <a:spcPct val="90000"/>
               </a:lnSpc>
             </a:pPr>
-            <a:r>
-              <a:rPr lang="en-US" dirty="0">
-                <a:solidFill>
-                  <a:schemeClr val="tx1"/>
-                </a:solidFill>
-              </a:rPr>
-              <a:t/>
-            </a:r>
             <a:br>
               <a:rPr lang="en-US" dirty="0">
                 <a:solidFill>
@@ -2975,7 +2957,7 @@
           <p:cNvPr id="4" name="Grafik 3">
             <a:extLst>
               <a:ext uri="{FF2B5EF4-FFF2-40B4-BE49-F238E27FC236}">
-                <a16:creationId xmlns:a16="http://schemas.microsoft.com/office/drawing/2014/main" xmlns="" id="{E8FD4E4A-4BD4-441B-A6FB-F1DF917A54FF}"/>
+                <a16:creationId xmlns:a16="http://schemas.microsoft.com/office/drawing/2014/main" id="{E8FD4E4A-4BD4-441B-A6FB-F1DF917A54FF}"/>
               </a:ext>
             </a:extLst>
           </p:cNvPr>
@@ -3011,7 +2993,7 @@
           <p:cNvPr id="6" name="Grafik 5">
             <a:extLst>
               <a:ext uri="{FF2B5EF4-FFF2-40B4-BE49-F238E27FC236}">
-                <a16:creationId xmlns:a16="http://schemas.microsoft.com/office/drawing/2014/main" xmlns="" id="{2FAA14AD-2BD0-4AB6-B784-D2821EEA1036}"/>
+                <a16:creationId xmlns:a16="http://schemas.microsoft.com/office/drawing/2014/main" id="{2FAA14AD-2BD0-4AB6-B784-D2821EEA1036}"/>
               </a:ext>
             </a:extLst>
           </p:cNvPr>
@@ -3073,7 +3055,7 @@
           <p:cNvPr id="2" name="Titel 1">
             <a:extLst>
               <a:ext uri="{FF2B5EF4-FFF2-40B4-BE49-F238E27FC236}">
-                <a16:creationId xmlns:a16="http://schemas.microsoft.com/office/drawing/2014/main" xmlns="" id="{77C7410A-A749-403D-90C6-63AE79254069}"/>
+                <a16:creationId xmlns:a16="http://schemas.microsoft.com/office/drawing/2014/main" id="{77C7410A-A749-403D-90C6-63AE79254069}"/>
               </a:ext>
             </a:extLst>
           </p:cNvPr>
@@ -3101,7 +3083,7 @@
           <p:cNvPr id="3" name="Inhaltsplatzhalter 2">
             <a:extLst>
               <a:ext uri="{FF2B5EF4-FFF2-40B4-BE49-F238E27FC236}">
-                <a16:creationId xmlns:a16="http://schemas.microsoft.com/office/drawing/2014/main" xmlns="" id="{6ABAA3C3-7524-4E18-9B49-AA59EE12C569}"/>
+                <a16:creationId xmlns:a16="http://schemas.microsoft.com/office/drawing/2014/main" id="{6ABAA3C3-7524-4E18-9B49-AA59EE12C569}"/>
               </a:ext>
             </a:extLst>
           </p:cNvPr>
@@ -3133,11 +3115,7 @@
             </a:pPr>
             <a:r>
               <a:rPr lang="de-DE" sz="1800" dirty="0"/>
-              <a:t>Kein Werkstück vorhanden, wo eins abgeholt werden </a:t>
-            </a:r>
-            <a:r>
-              <a:rPr lang="de-DE" sz="1800" dirty="0" smtClean="0"/>
-              <a:t>soll</a:t>
+              <a:t>Kein Werkstück vorhanden, wo eins abgeholt werden soll</a:t>
             </a:r>
           </a:p>
           <a:p>
@@ -3146,10 +3124,9 @@
               <a:buChar char="•"/>
             </a:pPr>
             <a:r>
-              <a:rPr lang="de-DE" sz="1800" dirty="0" smtClean="0"/>
+              <a:rPr lang="de-DE" sz="1800" dirty="0"/>
               <a:t>Beim Transport wird ein Werkstück verloren</a:t>
             </a:r>
-            <a:endParaRPr lang="de-DE" sz="1800" dirty="0"/>
           </a:p>
           <a:p>
             <a:pPr lvl="2">
@@ -3175,7 +3152,7 @@
           <p:cNvPr id="4" name="Fußzeilenplatzhalter 3">
             <a:extLst>
               <a:ext uri="{FF2B5EF4-FFF2-40B4-BE49-F238E27FC236}">
-                <a16:creationId xmlns:a16="http://schemas.microsoft.com/office/drawing/2014/main" xmlns="" id="{78B07854-0228-4BD8-B365-CD96563C4722}"/>
+                <a16:creationId xmlns:a16="http://schemas.microsoft.com/office/drawing/2014/main" id="{78B07854-0228-4BD8-B365-CD96563C4722}"/>
               </a:ext>
             </a:extLst>
           </p:cNvPr>
@@ -3215,7 +3192,7 @@
           <p:cNvPr id="5" name="Foliennummernplatzhalter 4">
             <a:extLst>
               <a:ext uri="{FF2B5EF4-FFF2-40B4-BE49-F238E27FC236}">
-                <a16:creationId xmlns:a16="http://schemas.microsoft.com/office/drawing/2014/main" xmlns="" id="{BCD3049B-3E92-4BC4-B654-90432C8C6D39}"/>
+                <a16:creationId xmlns:a16="http://schemas.microsoft.com/office/drawing/2014/main" id="{BCD3049B-3E92-4BC4-B654-90432C8C6D39}"/>
               </a:ext>
             </a:extLst>
           </p:cNvPr>
@@ -3283,7 +3260,7 @@
           <p:cNvPr id="2" name="Titel 1">
             <a:extLst>
               <a:ext uri="{FF2B5EF4-FFF2-40B4-BE49-F238E27FC236}">
-                <a16:creationId xmlns:a16="http://schemas.microsoft.com/office/drawing/2014/main" xmlns="" id="{69D175C7-2277-48EE-80FF-0E761953819F}"/>
+                <a16:creationId xmlns:a16="http://schemas.microsoft.com/office/drawing/2014/main" id="{69D175C7-2277-48EE-80FF-0E761953819F}"/>
               </a:ext>
             </a:extLst>
           </p:cNvPr>
@@ -3311,7 +3288,7 @@
           <p:cNvPr id="3" name="Inhaltsplatzhalter 2">
             <a:extLst>
               <a:ext uri="{FF2B5EF4-FFF2-40B4-BE49-F238E27FC236}">
-                <a16:creationId xmlns:a16="http://schemas.microsoft.com/office/drawing/2014/main" xmlns="" id="{D48E999B-3E55-4E29-B367-1F5A664CD438}"/>
+                <a16:creationId xmlns:a16="http://schemas.microsoft.com/office/drawing/2014/main" id="{D48E999B-3E55-4E29-B367-1F5A664CD438}"/>
               </a:ext>
             </a:extLst>
           </p:cNvPr>
@@ -3489,7 +3466,7 @@
           <p:cNvPr id="4" name="Fußzeilenplatzhalter 3">
             <a:extLst>
               <a:ext uri="{FF2B5EF4-FFF2-40B4-BE49-F238E27FC236}">
-                <a16:creationId xmlns:a16="http://schemas.microsoft.com/office/drawing/2014/main" xmlns="" id="{2137E165-7B19-4681-A71E-0B75A5F168F0}"/>
+                <a16:creationId xmlns:a16="http://schemas.microsoft.com/office/drawing/2014/main" id="{2137E165-7B19-4681-A71E-0B75A5F168F0}"/>
               </a:ext>
             </a:extLst>
           </p:cNvPr>
@@ -3543,7 +3520,7 @@
           <p:cNvPr id="5" name="Foliennummernplatzhalter 4">
             <a:extLst>
               <a:ext uri="{FF2B5EF4-FFF2-40B4-BE49-F238E27FC236}">
-                <a16:creationId xmlns:a16="http://schemas.microsoft.com/office/drawing/2014/main" xmlns="" id="{4C25DBB2-B24D-49AD-BB7F-6A16BA69840D}"/>
+                <a16:creationId xmlns:a16="http://schemas.microsoft.com/office/drawing/2014/main" id="{4C25DBB2-B24D-49AD-BB7F-6A16BA69840D}"/>
               </a:ext>
             </a:extLst>
           </p:cNvPr>
@@ -3611,7 +3588,7 @@
           <p:cNvPr id="2" name="Titel 1">
             <a:extLst>
               <a:ext uri="{FF2B5EF4-FFF2-40B4-BE49-F238E27FC236}">
-                <a16:creationId xmlns:a16="http://schemas.microsoft.com/office/drawing/2014/main" xmlns="" id="{F3639E51-5011-4217-810D-F122D87922E7}"/>
+                <a16:creationId xmlns:a16="http://schemas.microsoft.com/office/drawing/2014/main" id="{F3639E51-5011-4217-810D-F122D87922E7}"/>
               </a:ext>
             </a:extLst>
           </p:cNvPr>
@@ -3643,7 +3620,7 @@
           <p:cNvPr id="3" name="Inhaltsplatzhalter 2">
             <a:extLst>
               <a:ext uri="{FF2B5EF4-FFF2-40B4-BE49-F238E27FC236}">
-                <a16:creationId xmlns:a16="http://schemas.microsoft.com/office/drawing/2014/main" xmlns="" id="{A1594824-0012-4797-AAE7-048655F517C9}"/>
+                <a16:creationId xmlns:a16="http://schemas.microsoft.com/office/drawing/2014/main" id="{A1594824-0012-4797-AAE7-048655F517C9}"/>
               </a:ext>
             </a:extLst>
           </p:cNvPr>
@@ -3703,7 +3680,7 @@
           <p:cNvPr id="4" name="Fußzeilenplatzhalter 3">
             <a:extLst>
               <a:ext uri="{FF2B5EF4-FFF2-40B4-BE49-F238E27FC236}">
-                <a16:creationId xmlns:a16="http://schemas.microsoft.com/office/drawing/2014/main" xmlns="" id="{10069B3C-7643-4D6C-9022-3F34C2215C51}"/>
+                <a16:creationId xmlns:a16="http://schemas.microsoft.com/office/drawing/2014/main" id="{10069B3C-7643-4D6C-9022-3F34C2215C51}"/>
               </a:ext>
             </a:extLst>
           </p:cNvPr>
@@ -3743,7 +3720,7 @@
           <p:cNvPr id="5" name="Foliennummernplatzhalter 4">
             <a:extLst>
               <a:ext uri="{FF2B5EF4-FFF2-40B4-BE49-F238E27FC236}">
-                <a16:creationId xmlns:a16="http://schemas.microsoft.com/office/drawing/2014/main" xmlns="" id="{43A387BD-F344-4FCB-AF63-CA7D8E6B2EB1}"/>
+                <a16:creationId xmlns:a16="http://schemas.microsoft.com/office/drawing/2014/main" id="{43A387BD-F344-4FCB-AF63-CA7D8E6B2EB1}"/>
               </a:ext>
             </a:extLst>
           </p:cNvPr>
@@ -3811,7 +3788,7 @@
           <p:cNvPr id="2" name="Titel 1">
             <a:extLst>
               <a:ext uri="{FF2B5EF4-FFF2-40B4-BE49-F238E27FC236}">
-                <a16:creationId xmlns:a16="http://schemas.microsoft.com/office/drawing/2014/main" xmlns="" id="{0DE113FB-13E9-4EBE-83D1-36549BEDE9B3}"/>
+                <a16:creationId xmlns:a16="http://schemas.microsoft.com/office/drawing/2014/main" id="{0DE113FB-13E9-4EBE-83D1-36549BEDE9B3}"/>
               </a:ext>
             </a:extLst>
           </p:cNvPr>
@@ -3828,14 +3805,12 @@
           <a:lstStyle/>
           <a:p>
             <a:r>
-              <a:rPr lang="de-DE" altLang="de-DE" sz="1800" dirty="0"/>
-              <a:t>4.</a:t>
-            </a:r>
-            <a:r>
-              <a:rPr lang="de-DE" altLang="de-DE" sz="1800" dirty="0">
-                <a:cs typeface="Arial"/>
-              </a:rPr>
-              <a:t> Terminplan</a:t>
+              <a:rPr lang="de-DE" sz="1800" dirty="0"/>
+              <a:t>5. </a:t>
+            </a:r>
+            <a:r>
+              <a:rPr lang="de-DE" sz="1800"/>
+              <a:t>Fazit</a:t>
             </a:r>
             <a:endParaRPr lang="de-DE" sz="1800" dirty="0"/>
           </a:p>
@@ -3846,7 +3821,7 @@
           <p:cNvPr id="4" name="Fußzeilenplatzhalter 3">
             <a:extLst>
               <a:ext uri="{FF2B5EF4-FFF2-40B4-BE49-F238E27FC236}">
-                <a16:creationId xmlns:a16="http://schemas.microsoft.com/office/drawing/2014/main" xmlns="" id="{4F8AE508-9E5F-4810-ADFD-2B16A9A9B7BF}"/>
+                <a16:creationId xmlns:a16="http://schemas.microsoft.com/office/drawing/2014/main" id="{4F8AE508-9E5F-4810-ADFD-2B16A9A9B7BF}"/>
               </a:ext>
             </a:extLst>
           </p:cNvPr>
@@ -3886,7 +3861,7 @@
           <p:cNvPr id="5" name="Foliennummernplatzhalter 4">
             <a:extLst>
               <a:ext uri="{FF2B5EF4-FFF2-40B4-BE49-F238E27FC236}">
-                <a16:creationId xmlns:a16="http://schemas.microsoft.com/office/drawing/2014/main" xmlns="" id="{E58A3AE0-41E8-4290-A24B-CBD45BFF565F}"/>
+                <a16:creationId xmlns:a16="http://schemas.microsoft.com/office/drawing/2014/main" id="{E58A3AE0-41E8-4290-A24B-CBD45BFF565F}"/>
               </a:ext>
             </a:extLst>
           </p:cNvPr>
@@ -3923,7 +3898,7 @@
           <p:cNvPr id="14" name="Inhaltsplatzhalter 13">
             <a:extLst>
               <a:ext uri="{FF2B5EF4-FFF2-40B4-BE49-F238E27FC236}">
-                <a16:creationId xmlns:a16="http://schemas.microsoft.com/office/drawing/2014/main" xmlns="" id="{AD79B16F-E1D2-4831-8438-42DCC430CC3C}"/>
+                <a16:creationId xmlns:a16="http://schemas.microsoft.com/office/drawing/2014/main" id="{AD79B16F-E1D2-4831-8438-42DCC430CC3C}"/>
               </a:ext>
             </a:extLst>
           </p:cNvPr>
@@ -3996,7 +3971,7 @@
           <p:cNvPr id="16" name="Grafik 15">
             <a:extLst>
               <a:ext uri="{FF2B5EF4-FFF2-40B4-BE49-F238E27FC236}">
-                <a16:creationId xmlns:a16="http://schemas.microsoft.com/office/drawing/2014/main" xmlns="" id="{2E0C0D6F-2419-433D-8A3A-87D155F1B6A1}"/>
+                <a16:creationId xmlns:a16="http://schemas.microsoft.com/office/drawing/2014/main" id="{2E0C0D6F-2419-433D-8A3A-87D155F1B6A1}"/>
               </a:ext>
             </a:extLst>
           </p:cNvPr>
@@ -4032,7 +4007,7 @@
           <p:cNvPr id="18" name="Grafik 17">
             <a:extLst>
               <a:ext uri="{FF2B5EF4-FFF2-40B4-BE49-F238E27FC236}">
-                <a16:creationId xmlns:a16="http://schemas.microsoft.com/office/drawing/2014/main" xmlns="" id="{079156A6-DD69-4D3B-B7F6-C495DAB36451}"/>
+                <a16:creationId xmlns:a16="http://schemas.microsoft.com/office/drawing/2014/main" id="{079156A6-DD69-4D3B-B7F6-C495DAB36451}"/>
               </a:ext>
             </a:extLst>
           </p:cNvPr>
@@ -4174,7 +4149,7 @@
           <p:cNvPr id="2" name="Titel 1">
             <a:extLst>
               <a:ext uri="{FF2B5EF4-FFF2-40B4-BE49-F238E27FC236}">
-                <a16:creationId xmlns:a16="http://schemas.microsoft.com/office/drawing/2014/main" xmlns="" id="{199E0412-C9C1-4338-AF11-254B58531795}"/>
+                <a16:creationId xmlns:a16="http://schemas.microsoft.com/office/drawing/2014/main" id="{199E0412-C9C1-4338-AF11-254B58531795}"/>
               </a:ext>
             </a:extLst>
           </p:cNvPr>
@@ -4203,7 +4178,7 @@
           <p:cNvPr id="3" name="Inhaltsplatzhalter 2">
             <a:extLst>
               <a:ext uri="{FF2B5EF4-FFF2-40B4-BE49-F238E27FC236}">
-                <a16:creationId xmlns:a16="http://schemas.microsoft.com/office/drawing/2014/main" xmlns="" id="{C398954B-85C0-425D-A3DF-8844D64D05F0}"/>
+                <a16:creationId xmlns:a16="http://schemas.microsoft.com/office/drawing/2014/main" id="{C398954B-85C0-425D-A3DF-8844D64D05F0}"/>
               </a:ext>
             </a:extLst>
           </p:cNvPr>
@@ -4255,7 +4230,7 @@
             </a:pPr>
             <a:r>
               <a:rPr lang="de-DE" altLang="de-DE" sz="1800" dirty="0"/>
-              <a:t>Probleme</a:t>
+              <a:t>Probleme und Lösungen</a:t>
             </a:r>
           </a:p>
           <a:p>
@@ -4267,7 +4242,7 @@
               <a:rPr lang="de-DE" altLang="de-DE" sz="1800" dirty="0">
                 <a:cs typeface="Arial"/>
               </a:rPr>
-              <a:t>Terminplan</a:t>
+              <a:t>Fazit</a:t>
             </a:r>
           </a:p>
           <a:p>
@@ -4286,7 +4261,7 @@
           <p:cNvPr id="4" name="Fußzeilenplatzhalter 3">
             <a:extLst>
               <a:ext uri="{FF2B5EF4-FFF2-40B4-BE49-F238E27FC236}">
-                <a16:creationId xmlns:a16="http://schemas.microsoft.com/office/drawing/2014/main" xmlns="" id="{CF38E57F-8951-4C6C-808C-D512836D4D27}"/>
+                <a16:creationId xmlns:a16="http://schemas.microsoft.com/office/drawing/2014/main" id="{CF38E57F-8951-4C6C-808C-D512836D4D27}"/>
               </a:ext>
             </a:extLst>
           </p:cNvPr>
@@ -4340,7 +4315,7 @@
           <p:cNvPr id="5" name="Foliennummernplatzhalter 4">
             <a:extLst>
               <a:ext uri="{FF2B5EF4-FFF2-40B4-BE49-F238E27FC236}">
-                <a16:creationId xmlns:a16="http://schemas.microsoft.com/office/drawing/2014/main" xmlns="" id="{DF2B7CFB-9EDB-41B2-98FF-80F53662EB29}"/>
+                <a16:creationId xmlns:a16="http://schemas.microsoft.com/office/drawing/2014/main" id="{DF2B7CFB-9EDB-41B2-98FF-80F53662EB29}"/>
               </a:ext>
             </a:extLst>
           </p:cNvPr>
@@ -4408,7 +4383,7 @@
           <p:cNvPr id="2" name="Titel 1">
             <a:extLst>
               <a:ext uri="{FF2B5EF4-FFF2-40B4-BE49-F238E27FC236}">
-                <a16:creationId xmlns:a16="http://schemas.microsoft.com/office/drawing/2014/main" xmlns="" id="{46690A77-D47F-472A-AB27-1C3F26DAFD45}"/>
+                <a16:creationId xmlns:a16="http://schemas.microsoft.com/office/drawing/2014/main" id="{46690A77-D47F-472A-AB27-1C3F26DAFD45}"/>
               </a:ext>
             </a:extLst>
           </p:cNvPr>
@@ -4436,7 +4411,7 @@
           <p:cNvPr id="4" name="Fußzeilenplatzhalter 3">
             <a:extLst>
               <a:ext uri="{FF2B5EF4-FFF2-40B4-BE49-F238E27FC236}">
-                <a16:creationId xmlns:a16="http://schemas.microsoft.com/office/drawing/2014/main" xmlns="" id="{0437E12D-4F3D-495B-A07A-B6FA7C40A8D3}"/>
+                <a16:creationId xmlns:a16="http://schemas.microsoft.com/office/drawing/2014/main" id="{0437E12D-4F3D-495B-A07A-B6FA7C40A8D3}"/>
               </a:ext>
             </a:extLst>
           </p:cNvPr>
@@ -4490,7 +4465,7 @@
           <p:cNvPr id="5" name="Foliennummernplatzhalter 4">
             <a:extLst>
               <a:ext uri="{FF2B5EF4-FFF2-40B4-BE49-F238E27FC236}">
-                <a16:creationId xmlns:a16="http://schemas.microsoft.com/office/drawing/2014/main" xmlns="" id="{0886D6B4-2E03-4E02-8110-641A267784A8}"/>
+                <a16:creationId xmlns:a16="http://schemas.microsoft.com/office/drawing/2014/main" id="{0886D6B4-2E03-4E02-8110-641A267784A8}"/>
               </a:ext>
             </a:extLst>
           </p:cNvPr>
@@ -4527,7 +4502,7 @@
           <p:cNvPr id="9" name="Inhaltsplatzhalter 8">
             <a:extLst>
               <a:ext uri="{FF2B5EF4-FFF2-40B4-BE49-F238E27FC236}">
-                <a16:creationId xmlns:a16="http://schemas.microsoft.com/office/drawing/2014/main" xmlns="" id="{4E0A2C57-F1B1-41D8-83F3-C708FFB3744D}"/>
+                <a16:creationId xmlns:a16="http://schemas.microsoft.com/office/drawing/2014/main" id="{4E0A2C57-F1B1-41D8-83F3-C708FFB3744D}"/>
               </a:ext>
             </a:extLst>
           </p:cNvPr>
@@ -4593,7 +4568,7 @@
           <p:cNvPr id="2" name="Titel 1">
             <a:extLst>
               <a:ext uri="{FF2B5EF4-FFF2-40B4-BE49-F238E27FC236}">
-                <a16:creationId xmlns:a16="http://schemas.microsoft.com/office/drawing/2014/main" xmlns="" id="{1D01E2E5-1074-46DC-8480-1F80146A86FC}"/>
+                <a16:creationId xmlns:a16="http://schemas.microsoft.com/office/drawing/2014/main" id="{1D01E2E5-1074-46DC-8480-1F80146A86FC}"/>
               </a:ext>
             </a:extLst>
           </p:cNvPr>
@@ -4621,7 +4596,7 @@
           <p:cNvPr id="4" name="Fußzeilenplatzhalter 3">
             <a:extLst>
               <a:ext uri="{FF2B5EF4-FFF2-40B4-BE49-F238E27FC236}">
-                <a16:creationId xmlns:a16="http://schemas.microsoft.com/office/drawing/2014/main" xmlns="" id="{583DA148-6337-4743-A905-1AE732F50969}"/>
+                <a16:creationId xmlns:a16="http://schemas.microsoft.com/office/drawing/2014/main" id="{583DA148-6337-4743-A905-1AE732F50969}"/>
               </a:ext>
             </a:extLst>
           </p:cNvPr>
@@ -4661,7 +4636,7 @@
           <p:cNvPr id="5" name="Foliennummernplatzhalter 4">
             <a:extLst>
               <a:ext uri="{FF2B5EF4-FFF2-40B4-BE49-F238E27FC236}">
-                <a16:creationId xmlns:a16="http://schemas.microsoft.com/office/drawing/2014/main" xmlns="" id="{A0D5C8BD-9677-4BC5-A234-D3DA6C5C17F2}"/>
+                <a16:creationId xmlns:a16="http://schemas.microsoft.com/office/drawing/2014/main" id="{A0D5C8BD-9677-4BC5-A234-D3DA6C5C17F2}"/>
               </a:ext>
             </a:extLst>
           </p:cNvPr>
@@ -4698,7 +4673,7 @@
           <p:cNvPr id="8" name="Inhaltsplatzhalter 7">
             <a:extLst>
               <a:ext uri="{FF2B5EF4-FFF2-40B4-BE49-F238E27FC236}">
-                <a16:creationId xmlns:a16="http://schemas.microsoft.com/office/drawing/2014/main" xmlns="" id="{2D7B404C-6E29-4EAB-ABEB-6FF3532E892F}"/>
+                <a16:creationId xmlns:a16="http://schemas.microsoft.com/office/drawing/2014/main" id="{2D7B404C-6E29-4EAB-ABEB-6FF3532E892F}"/>
               </a:ext>
             </a:extLst>
           </p:cNvPr>
@@ -4764,7 +4739,7 @@
           <p:cNvPr id="2" name="Titel 1">
             <a:extLst>
               <a:ext uri="{FF2B5EF4-FFF2-40B4-BE49-F238E27FC236}">
-                <a16:creationId xmlns:a16="http://schemas.microsoft.com/office/drawing/2014/main" xmlns="" id="{1D01E2E5-1074-46DC-8480-1F80146A86FC}"/>
+                <a16:creationId xmlns:a16="http://schemas.microsoft.com/office/drawing/2014/main" id="{1D01E2E5-1074-46DC-8480-1F80146A86FC}"/>
               </a:ext>
             </a:extLst>
           </p:cNvPr>
@@ -4792,7 +4767,7 @@
           <p:cNvPr id="4" name="Fußzeilenplatzhalter 3">
             <a:extLst>
               <a:ext uri="{FF2B5EF4-FFF2-40B4-BE49-F238E27FC236}">
-                <a16:creationId xmlns:a16="http://schemas.microsoft.com/office/drawing/2014/main" xmlns="" id="{583DA148-6337-4743-A905-1AE732F50969}"/>
+                <a16:creationId xmlns:a16="http://schemas.microsoft.com/office/drawing/2014/main" id="{583DA148-6337-4743-A905-1AE732F50969}"/>
               </a:ext>
             </a:extLst>
           </p:cNvPr>
@@ -4832,7 +4807,7 @@
           <p:cNvPr id="5" name="Foliennummernplatzhalter 4">
             <a:extLst>
               <a:ext uri="{FF2B5EF4-FFF2-40B4-BE49-F238E27FC236}">
-                <a16:creationId xmlns:a16="http://schemas.microsoft.com/office/drawing/2014/main" xmlns="" id="{A0D5C8BD-9677-4BC5-A234-D3DA6C5C17F2}"/>
+                <a16:creationId xmlns:a16="http://schemas.microsoft.com/office/drawing/2014/main" id="{A0D5C8BD-9677-4BC5-A234-D3DA6C5C17F2}"/>
               </a:ext>
             </a:extLst>
           </p:cNvPr>
@@ -4869,7 +4844,7 @@
           <p:cNvPr id="9" name="Inhaltsplatzhalter 8">
             <a:extLst>
               <a:ext uri="{FF2B5EF4-FFF2-40B4-BE49-F238E27FC236}">
-                <a16:creationId xmlns:a16="http://schemas.microsoft.com/office/drawing/2014/main" xmlns="" id="{59BC9062-F814-426E-96AA-3E0DF14A7F5A}"/>
+                <a16:creationId xmlns:a16="http://schemas.microsoft.com/office/drawing/2014/main" id="{59BC9062-F814-426E-96AA-3E0DF14A7F5A}"/>
               </a:ext>
             </a:extLst>
           </p:cNvPr>
@@ -4935,7 +4910,7 @@
           <p:cNvPr id="2" name="Titel 1">
             <a:extLst>
               <a:ext uri="{FF2B5EF4-FFF2-40B4-BE49-F238E27FC236}">
-                <a16:creationId xmlns:a16="http://schemas.microsoft.com/office/drawing/2014/main" xmlns="" id="{2D3E2030-5BB9-4D06-91FD-164687F4F48F}"/>
+                <a16:creationId xmlns:a16="http://schemas.microsoft.com/office/drawing/2014/main" id="{2D3E2030-5BB9-4D06-91FD-164687F4F48F}"/>
               </a:ext>
             </a:extLst>
           </p:cNvPr>
@@ -4963,7 +4938,7 @@
           <p:cNvPr id="4" name="Fußzeilenplatzhalter 3">
             <a:extLst>
               <a:ext uri="{FF2B5EF4-FFF2-40B4-BE49-F238E27FC236}">
-                <a16:creationId xmlns:a16="http://schemas.microsoft.com/office/drawing/2014/main" xmlns="" id="{8D087DE4-FA3C-4B3F-8025-4A054DA6B3BD}"/>
+                <a16:creationId xmlns:a16="http://schemas.microsoft.com/office/drawing/2014/main" id="{8D087DE4-FA3C-4B3F-8025-4A054DA6B3BD}"/>
               </a:ext>
             </a:extLst>
           </p:cNvPr>
@@ -5003,7 +4978,7 @@
           <p:cNvPr id="5" name="Foliennummernplatzhalter 4">
             <a:extLst>
               <a:ext uri="{FF2B5EF4-FFF2-40B4-BE49-F238E27FC236}">
-                <a16:creationId xmlns:a16="http://schemas.microsoft.com/office/drawing/2014/main" xmlns="" id="{E0035365-0548-47C9-BEA8-79F847D29ED9}"/>
+                <a16:creationId xmlns:a16="http://schemas.microsoft.com/office/drawing/2014/main" id="{E0035365-0548-47C9-BEA8-79F847D29ED9}"/>
               </a:ext>
             </a:extLst>
           </p:cNvPr>
@@ -5040,7 +5015,7 @@
           <p:cNvPr id="11" name="Inhaltsplatzhalter 10">
             <a:extLst>
               <a:ext uri="{FF2B5EF4-FFF2-40B4-BE49-F238E27FC236}">
-                <a16:creationId xmlns:a16="http://schemas.microsoft.com/office/drawing/2014/main" xmlns="" id="{E1E1C9C5-F4AD-4A8E-BFF9-9CDDE1129207}"/>
+                <a16:creationId xmlns:a16="http://schemas.microsoft.com/office/drawing/2014/main" id="{E1E1C9C5-F4AD-4A8E-BFF9-9CDDE1129207}"/>
               </a:ext>
             </a:extLst>
           </p:cNvPr>
@@ -5106,7 +5081,7 @@
           <p:cNvPr id="2" name="Titel 1">
             <a:extLst>
               <a:ext uri="{FF2B5EF4-FFF2-40B4-BE49-F238E27FC236}">
-                <a16:creationId xmlns:a16="http://schemas.microsoft.com/office/drawing/2014/main" xmlns="" id="{4A0F5E8D-F58A-4E19-847B-829BC0D241AE}"/>
+                <a16:creationId xmlns:a16="http://schemas.microsoft.com/office/drawing/2014/main" id="{4A0F5E8D-F58A-4E19-847B-829BC0D241AE}"/>
               </a:ext>
             </a:extLst>
           </p:cNvPr>
@@ -5134,7 +5109,7 @@
           <p:cNvPr id="3" name="Inhaltsplatzhalter 2">
             <a:extLst>
               <a:ext uri="{FF2B5EF4-FFF2-40B4-BE49-F238E27FC236}">
-                <a16:creationId xmlns:a16="http://schemas.microsoft.com/office/drawing/2014/main" xmlns="" id="{5A6611EA-D485-4EFE-BAE3-245FB9833B89}"/>
+                <a16:creationId xmlns:a16="http://schemas.microsoft.com/office/drawing/2014/main" id="{5A6611EA-D485-4EFE-BAE3-245FB9833B89}"/>
               </a:ext>
             </a:extLst>
           </p:cNvPr>
@@ -5259,7 +5234,7 @@
           <p:cNvPr id="4" name="Fußzeilenplatzhalter 3">
             <a:extLst>
               <a:ext uri="{FF2B5EF4-FFF2-40B4-BE49-F238E27FC236}">
-                <a16:creationId xmlns:a16="http://schemas.microsoft.com/office/drawing/2014/main" xmlns="" id="{22BA5185-90F9-48FD-BC24-F8F43126611C}"/>
+                <a16:creationId xmlns:a16="http://schemas.microsoft.com/office/drawing/2014/main" id="{22BA5185-90F9-48FD-BC24-F8F43126611C}"/>
               </a:ext>
             </a:extLst>
           </p:cNvPr>
@@ -5313,7 +5288,7 @@
           <p:cNvPr id="5" name="Foliennummernplatzhalter 4">
             <a:extLst>
               <a:ext uri="{FF2B5EF4-FFF2-40B4-BE49-F238E27FC236}">
-                <a16:creationId xmlns:a16="http://schemas.microsoft.com/office/drawing/2014/main" xmlns="" id="{8A66F8E3-E660-4C88-A4B4-347CF57581B2}"/>
+                <a16:creationId xmlns:a16="http://schemas.microsoft.com/office/drawing/2014/main" id="{8A66F8E3-E660-4C88-A4B4-347CF57581B2}"/>
               </a:ext>
             </a:extLst>
           </p:cNvPr>
@@ -5350,7 +5325,7 @@
           <p:cNvPr id="7" name="Grafik 6">
             <a:extLst>
               <a:ext uri="{FF2B5EF4-FFF2-40B4-BE49-F238E27FC236}">
-                <a16:creationId xmlns:a16="http://schemas.microsoft.com/office/drawing/2014/main" xmlns="" id="{C29A8163-ADF9-4618-A744-D39307692309}"/>
+                <a16:creationId xmlns:a16="http://schemas.microsoft.com/office/drawing/2014/main" id="{C29A8163-ADF9-4618-A744-D39307692309}"/>
               </a:ext>
             </a:extLst>
           </p:cNvPr>
@@ -5386,7 +5361,7 @@
           <p:cNvPr id="8" name="Pfeil: nach rechts 7">
             <a:extLst>
               <a:ext uri="{FF2B5EF4-FFF2-40B4-BE49-F238E27FC236}">
-                <a16:creationId xmlns:a16="http://schemas.microsoft.com/office/drawing/2014/main" xmlns="" id="{CF4A36E8-65DD-415E-BF4C-24F89800958C}"/>
+                <a16:creationId xmlns:a16="http://schemas.microsoft.com/office/drawing/2014/main" id="{CF4A36E8-65DD-415E-BF4C-24F89800958C}"/>
               </a:ext>
             </a:extLst>
           </p:cNvPr>
@@ -5463,7 +5438,7 @@
           <p:cNvPr id="2" name="Titel 1">
             <a:extLst>
               <a:ext uri="{FF2B5EF4-FFF2-40B4-BE49-F238E27FC236}">
-                <a16:creationId xmlns:a16="http://schemas.microsoft.com/office/drawing/2014/main" xmlns="" id="{4A0F5E8D-F58A-4E19-847B-829BC0D241AE}"/>
+                <a16:creationId xmlns:a16="http://schemas.microsoft.com/office/drawing/2014/main" id="{4A0F5E8D-F58A-4E19-847B-829BC0D241AE}"/>
               </a:ext>
             </a:extLst>
           </p:cNvPr>
@@ -5491,7 +5466,7 @@
           <p:cNvPr id="3" name="Inhaltsplatzhalter 2">
             <a:extLst>
               <a:ext uri="{FF2B5EF4-FFF2-40B4-BE49-F238E27FC236}">
-                <a16:creationId xmlns:a16="http://schemas.microsoft.com/office/drawing/2014/main" xmlns="" id="{5A6611EA-D485-4EFE-BAE3-245FB9833B89}"/>
+                <a16:creationId xmlns:a16="http://schemas.microsoft.com/office/drawing/2014/main" id="{5A6611EA-D485-4EFE-BAE3-245FB9833B89}"/>
               </a:ext>
             </a:extLst>
           </p:cNvPr>
@@ -5597,7 +5572,7 @@
           <p:cNvPr id="4" name="Fußzeilenplatzhalter 3">
             <a:extLst>
               <a:ext uri="{FF2B5EF4-FFF2-40B4-BE49-F238E27FC236}">
-                <a16:creationId xmlns:a16="http://schemas.microsoft.com/office/drawing/2014/main" xmlns="" id="{22BA5185-90F9-48FD-BC24-F8F43126611C}"/>
+                <a16:creationId xmlns:a16="http://schemas.microsoft.com/office/drawing/2014/main" id="{22BA5185-90F9-48FD-BC24-F8F43126611C}"/>
               </a:ext>
             </a:extLst>
           </p:cNvPr>
@@ -5651,7 +5626,7 @@
           <p:cNvPr id="5" name="Foliennummernplatzhalter 4">
             <a:extLst>
               <a:ext uri="{FF2B5EF4-FFF2-40B4-BE49-F238E27FC236}">
-                <a16:creationId xmlns:a16="http://schemas.microsoft.com/office/drawing/2014/main" xmlns="" id="{8A66F8E3-E660-4C88-A4B4-347CF57581B2}"/>
+                <a16:creationId xmlns:a16="http://schemas.microsoft.com/office/drawing/2014/main" id="{8A66F8E3-E660-4C88-A4B4-347CF57581B2}"/>
               </a:ext>
             </a:extLst>
           </p:cNvPr>
@@ -5688,7 +5663,7 @@
           <p:cNvPr id="7" name="Grafik 6">
             <a:extLst>
               <a:ext uri="{FF2B5EF4-FFF2-40B4-BE49-F238E27FC236}">
-                <a16:creationId xmlns:a16="http://schemas.microsoft.com/office/drawing/2014/main" xmlns="" id="{B8EEDB8B-0C1B-4278-BA62-B71C3D16253A}"/>
+                <a16:creationId xmlns:a16="http://schemas.microsoft.com/office/drawing/2014/main" id="{B8EEDB8B-0C1B-4278-BA62-B71C3D16253A}"/>
               </a:ext>
             </a:extLst>
           </p:cNvPr>
@@ -5724,7 +5699,7 @@
           <p:cNvPr id="8" name="Pfeil: nach rechts 7">
             <a:extLst>
               <a:ext uri="{FF2B5EF4-FFF2-40B4-BE49-F238E27FC236}">
-                <a16:creationId xmlns:a16="http://schemas.microsoft.com/office/drawing/2014/main" xmlns="" id="{586405A1-545F-4B02-939C-F560480E8556}"/>
+                <a16:creationId xmlns:a16="http://schemas.microsoft.com/office/drawing/2014/main" id="{586405A1-545F-4B02-939C-F560480E8556}"/>
               </a:ext>
             </a:extLst>
           </p:cNvPr>
@@ -5801,7 +5776,7 @@
           <p:cNvPr id="2" name="Titel 1">
             <a:extLst>
               <a:ext uri="{FF2B5EF4-FFF2-40B4-BE49-F238E27FC236}">
-                <a16:creationId xmlns:a16="http://schemas.microsoft.com/office/drawing/2014/main" xmlns="" id="{4A0F5E8D-F58A-4E19-847B-829BC0D241AE}"/>
+                <a16:creationId xmlns:a16="http://schemas.microsoft.com/office/drawing/2014/main" id="{4A0F5E8D-F58A-4E19-847B-829BC0D241AE}"/>
               </a:ext>
             </a:extLst>
           </p:cNvPr>
@@ -5829,7 +5804,7 @@
           <p:cNvPr id="3" name="Inhaltsplatzhalter 2">
             <a:extLst>
               <a:ext uri="{FF2B5EF4-FFF2-40B4-BE49-F238E27FC236}">
-                <a16:creationId xmlns:a16="http://schemas.microsoft.com/office/drawing/2014/main" xmlns="" id="{5A6611EA-D485-4EFE-BAE3-245FB9833B89}"/>
+                <a16:creationId xmlns:a16="http://schemas.microsoft.com/office/drawing/2014/main" id="{5A6611EA-D485-4EFE-BAE3-245FB9833B89}"/>
               </a:ext>
             </a:extLst>
           </p:cNvPr>
@@ -5942,7 +5917,7 @@
           <p:cNvPr id="4" name="Fußzeilenplatzhalter 3">
             <a:extLst>
               <a:ext uri="{FF2B5EF4-FFF2-40B4-BE49-F238E27FC236}">
-                <a16:creationId xmlns:a16="http://schemas.microsoft.com/office/drawing/2014/main" xmlns="" id="{22BA5185-90F9-48FD-BC24-F8F43126611C}"/>
+                <a16:creationId xmlns:a16="http://schemas.microsoft.com/office/drawing/2014/main" id="{22BA5185-90F9-48FD-BC24-F8F43126611C}"/>
               </a:ext>
             </a:extLst>
           </p:cNvPr>
@@ -5996,7 +5971,7 @@
           <p:cNvPr id="5" name="Foliennummernplatzhalter 4">
             <a:extLst>
               <a:ext uri="{FF2B5EF4-FFF2-40B4-BE49-F238E27FC236}">
-                <a16:creationId xmlns:a16="http://schemas.microsoft.com/office/drawing/2014/main" xmlns="" id="{8A66F8E3-E660-4C88-A4B4-347CF57581B2}"/>
+                <a16:creationId xmlns:a16="http://schemas.microsoft.com/office/drawing/2014/main" id="{8A66F8E3-E660-4C88-A4B4-347CF57581B2}"/>
               </a:ext>
             </a:extLst>
           </p:cNvPr>
@@ -6033,7 +6008,7 @@
           <p:cNvPr id="7" name="Pfeil: nach rechts 6">
             <a:extLst>
               <a:ext uri="{FF2B5EF4-FFF2-40B4-BE49-F238E27FC236}">
-                <a16:creationId xmlns:a16="http://schemas.microsoft.com/office/drawing/2014/main" xmlns="" id="{0D303E9E-B37E-4930-A338-8405AD00A805}"/>
+                <a16:creationId xmlns:a16="http://schemas.microsoft.com/office/drawing/2014/main" id="{0D303E9E-B37E-4930-A338-8405AD00A805}"/>
               </a:ext>
             </a:extLst>
           </p:cNvPr>
@@ -6079,7 +6054,7 @@
           <p:cNvPr id="8" name="Pfeil: nach rechts 7">
             <a:extLst>
               <a:ext uri="{FF2B5EF4-FFF2-40B4-BE49-F238E27FC236}">
-                <a16:creationId xmlns:a16="http://schemas.microsoft.com/office/drawing/2014/main" xmlns="" id="{44FCA105-1888-4AA9-91F4-A151BB70C287}"/>
+                <a16:creationId xmlns:a16="http://schemas.microsoft.com/office/drawing/2014/main" id="{44FCA105-1888-4AA9-91F4-A151BB70C287}"/>
               </a:ext>
             </a:extLst>
           </p:cNvPr>

--- a/Präsentationen/Endpräsi.pptx
+++ b/Präsentationen/Endpräsi.pptx
@@ -2975,7 +2975,7 @@
           <p:cNvPr id="4" name="Grafik 3">
             <a:extLst>
               <a:ext uri="{FF2B5EF4-FFF2-40B4-BE49-F238E27FC236}">
-                <a16:creationId xmlns:a16="http://schemas.microsoft.com/office/drawing/2014/main" xmlns="" id="{E8FD4E4A-4BD4-441B-A6FB-F1DF917A54FF}"/>
+                <a16:creationId xmlns="" xmlns:a16="http://schemas.microsoft.com/office/drawing/2014/main" id="{E8FD4E4A-4BD4-441B-A6FB-F1DF917A54FF}"/>
               </a:ext>
             </a:extLst>
           </p:cNvPr>
@@ -3011,7 +3011,7 @@
           <p:cNvPr id="6" name="Grafik 5">
             <a:extLst>
               <a:ext uri="{FF2B5EF4-FFF2-40B4-BE49-F238E27FC236}">
-                <a16:creationId xmlns:a16="http://schemas.microsoft.com/office/drawing/2014/main" xmlns="" id="{2FAA14AD-2BD0-4AB6-B784-D2821EEA1036}"/>
+                <a16:creationId xmlns="" xmlns:a16="http://schemas.microsoft.com/office/drawing/2014/main" id="{2FAA14AD-2BD0-4AB6-B784-D2821EEA1036}"/>
               </a:ext>
             </a:extLst>
           </p:cNvPr>
@@ -3073,7 +3073,7 @@
           <p:cNvPr id="2" name="Titel 1">
             <a:extLst>
               <a:ext uri="{FF2B5EF4-FFF2-40B4-BE49-F238E27FC236}">
-                <a16:creationId xmlns:a16="http://schemas.microsoft.com/office/drawing/2014/main" xmlns="" id="{77C7410A-A749-403D-90C6-63AE79254069}"/>
+                <a16:creationId xmlns="" xmlns:a16="http://schemas.microsoft.com/office/drawing/2014/main" id="{77C7410A-A749-403D-90C6-63AE79254069}"/>
               </a:ext>
             </a:extLst>
           </p:cNvPr>
@@ -3090,9 +3090,10 @@
           <a:lstStyle/>
           <a:p>
             <a:r>
-              <a:rPr lang="de-DE" dirty="0"/>
-              <a:t>Fehler-Handling</a:t>
-            </a:r>
+              <a:rPr lang="de-DE" dirty="0" smtClean="0"/>
+              <a:t>3. Fehler-Handling</a:t>
+            </a:r>
+            <a:endParaRPr lang="de-DE" dirty="0"/>
           </a:p>
         </p:txBody>
       </p:sp>
@@ -3101,7 +3102,7 @@
           <p:cNvPr id="3" name="Inhaltsplatzhalter 2">
             <a:extLst>
               <a:ext uri="{FF2B5EF4-FFF2-40B4-BE49-F238E27FC236}">
-                <a16:creationId xmlns:a16="http://schemas.microsoft.com/office/drawing/2014/main" xmlns="" id="{6ABAA3C3-7524-4E18-9B49-AA59EE12C569}"/>
+                <a16:creationId xmlns="" xmlns:a16="http://schemas.microsoft.com/office/drawing/2014/main" id="{6ABAA3C3-7524-4E18-9B49-AA59EE12C569}"/>
               </a:ext>
             </a:extLst>
           </p:cNvPr>
@@ -3175,7 +3176,7 @@
           <p:cNvPr id="4" name="Fußzeilenplatzhalter 3">
             <a:extLst>
               <a:ext uri="{FF2B5EF4-FFF2-40B4-BE49-F238E27FC236}">
-                <a16:creationId xmlns:a16="http://schemas.microsoft.com/office/drawing/2014/main" xmlns="" id="{78B07854-0228-4BD8-B365-CD96563C4722}"/>
+                <a16:creationId xmlns="" xmlns:a16="http://schemas.microsoft.com/office/drawing/2014/main" id="{78B07854-0228-4BD8-B365-CD96563C4722}"/>
               </a:ext>
             </a:extLst>
           </p:cNvPr>
@@ -3215,7 +3216,7 @@
           <p:cNvPr id="5" name="Foliennummernplatzhalter 4">
             <a:extLst>
               <a:ext uri="{FF2B5EF4-FFF2-40B4-BE49-F238E27FC236}">
-                <a16:creationId xmlns:a16="http://schemas.microsoft.com/office/drawing/2014/main" xmlns="" id="{BCD3049B-3E92-4BC4-B654-90432C8C6D39}"/>
+                <a16:creationId xmlns="" xmlns:a16="http://schemas.microsoft.com/office/drawing/2014/main" id="{BCD3049B-3E92-4BC4-B654-90432C8C6D39}"/>
               </a:ext>
             </a:extLst>
           </p:cNvPr>
@@ -3283,7 +3284,7 @@
           <p:cNvPr id="2" name="Titel 1">
             <a:extLst>
               <a:ext uri="{FF2B5EF4-FFF2-40B4-BE49-F238E27FC236}">
-                <a16:creationId xmlns:a16="http://schemas.microsoft.com/office/drawing/2014/main" xmlns="" id="{69D175C7-2277-48EE-80FF-0E761953819F}"/>
+                <a16:creationId xmlns="" xmlns:a16="http://schemas.microsoft.com/office/drawing/2014/main" id="{69D175C7-2277-48EE-80FF-0E761953819F}"/>
               </a:ext>
             </a:extLst>
           </p:cNvPr>
@@ -3301,7 +3302,15 @@
           <a:p>
             <a:r>
               <a:rPr lang="de-DE" sz="1800" dirty="0"/>
-              <a:t>3. Probleme und Lösungen  </a:t>
+              <a:t>4</a:t>
+            </a:r>
+            <a:r>
+              <a:rPr lang="de-DE" sz="1800" dirty="0" smtClean="0"/>
+              <a:t>. </a:t>
+            </a:r>
+            <a:r>
+              <a:rPr lang="de-DE" sz="1800" dirty="0"/>
+              <a:t>Probleme und Lösungen  </a:t>
             </a:r>
           </a:p>
         </p:txBody>
@@ -3311,7 +3320,7 @@
           <p:cNvPr id="3" name="Inhaltsplatzhalter 2">
             <a:extLst>
               <a:ext uri="{FF2B5EF4-FFF2-40B4-BE49-F238E27FC236}">
-                <a16:creationId xmlns:a16="http://schemas.microsoft.com/office/drawing/2014/main" xmlns="" id="{D48E999B-3E55-4E29-B367-1F5A664CD438}"/>
+                <a16:creationId xmlns="" xmlns:a16="http://schemas.microsoft.com/office/drawing/2014/main" id="{D48E999B-3E55-4E29-B367-1F5A664CD438}"/>
               </a:ext>
             </a:extLst>
           </p:cNvPr>
@@ -3489,7 +3498,7 @@
           <p:cNvPr id="4" name="Fußzeilenplatzhalter 3">
             <a:extLst>
               <a:ext uri="{FF2B5EF4-FFF2-40B4-BE49-F238E27FC236}">
-                <a16:creationId xmlns:a16="http://schemas.microsoft.com/office/drawing/2014/main" xmlns="" id="{2137E165-7B19-4681-A71E-0B75A5F168F0}"/>
+                <a16:creationId xmlns="" xmlns:a16="http://schemas.microsoft.com/office/drawing/2014/main" id="{2137E165-7B19-4681-A71E-0B75A5F168F0}"/>
               </a:ext>
             </a:extLst>
           </p:cNvPr>
@@ -3543,7 +3552,7 @@
           <p:cNvPr id="5" name="Foliennummernplatzhalter 4">
             <a:extLst>
               <a:ext uri="{FF2B5EF4-FFF2-40B4-BE49-F238E27FC236}">
-                <a16:creationId xmlns:a16="http://schemas.microsoft.com/office/drawing/2014/main" xmlns="" id="{4C25DBB2-B24D-49AD-BB7F-6A16BA69840D}"/>
+                <a16:creationId xmlns="" xmlns:a16="http://schemas.microsoft.com/office/drawing/2014/main" id="{4C25DBB2-B24D-49AD-BB7F-6A16BA69840D}"/>
               </a:ext>
             </a:extLst>
           </p:cNvPr>
@@ -3611,7 +3620,7 @@
           <p:cNvPr id="2" name="Titel 1">
             <a:extLst>
               <a:ext uri="{FF2B5EF4-FFF2-40B4-BE49-F238E27FC236}">
-                <a16:creationId xmlns:a16="http://schemas.microsoft.com/office/drawing/2014/main" xmlns="" id="{F3639E51-5011-4217-810D-F122D87922E7}"/>
+                <a16:creationId xmlns="" xmlns:a16="http://schemas.microsoft.com/office/drawing/2014/main" id="{F3639E51-5011-4217-810D-F122D87922E7}"/>
               </a:ext>
             </a:extLst>
           </p:cNvPr>
@@ -3643,7 +3652,7 @@
           <p:cNvPr id="3" name="Inhaltsplatzhalter 2">
             <a:extLst>
               <a:ext uri="{FF2B5EF4-FFF2-40B4-BE49-F238E27FC236}">
-                <a16:creationId xmlns:a16="http://schemas.microsoft.com/office/drawing/2014/main" xmlns="" id="{A1594824-0012-4797-AAE7-048655F517C9}"/>
+                <a16:creationId xmlns="" xmlns:a16="http://schemas.microsoft.com/office/drawing/2014/main" id="{A1594824-0012-4797-AAE7-048655F517C9}"/>
               </a:ext>
             </a:extLst>
           </p:cNvPr>
@@ -3703,7 +3712,7 @@
           <p:cNvPr id="4" name="Fußzeilenplatzhalter 3">
             <a:extLst>
               <a:ext uri="{FF2B5EF4-FFF2-40B4-BE49-F238E27FC236}">
-                <a16:creationId xmlns:a16="http://schemas.microsoft.com/office/drawing/2014/main" xmlns="" id="{10069B3C-7643-4D6C-9022-3F34C2215C51}"/>
+                <a16:creationId xmlns="" xmlns:a16="http://schemas.microsoft.com/office/drawing/2014/main" id="{10069B3C-7643-4D6C-9022-3F34C2215C51}"/>
               </a:ext>
             </a:extLst>
           </p:cNvPr>
@@ -3743,7 +3752,7 @@
           <p:cNvPr id="5" name="Foliennummernplatzhalter 4">
             <a:extLst>
               <a:ext uri="{FF2B5EF4-FFF2-40B4-BE49-F238E27FC236}">
-                <a16:creationId xmlns:a16="http://schemas.microsoft.com/office/drawing/2014/main" xmlns="" id="{43A387BD-F344-4FCB-AF63-CA7D8E6B2EB1}"/>
+                <a16:creationId xmlns="" xmlns:a16="http://schemas.microsoft.com/office/drawing/2014/main" id="{43A387BD-F344-4FCB-AF63-CA7D8E6B2EB1}"/>
               </a:ext>
             </a:extLst>
           </p:cNvPr>
@@ -3811,7 +3820,7 @@
           <p:cNvPr id="2" name="Titel 1">
             <a:extLst>
               <a:ext uri="{FF2B5EF4-FFF2-40B4-BE49-F238E27FC236}">
-                <a16:creationId xmlns:a16="http://schemas.microsoft.com/office/drawing/2014/main" xmlns="" id="{0DE113FB-13E9-4EBE-83D1-36549BEDE9B3}"/>
+                <a16:creationId xmlns="" xmlns:a16="http://schemas.microsoft.com/office/drawing/2014/main" id="{0DE113FB-13E9-4EBE-83D1-36549BEDE9B3}"/>
               </a:ext>
             </a:extLst>
           </p:cNvPr>
@@ -3835,7 +3844,13 @@
               <a:rPr lang="de-DE" altLang="de-DE" sz="1800" dirty="0">
                 <a:cs typeface="Arial"/>
               </a:rPr>
-              <a:t> Terminplan</a:t>
+              <a:t> </a:t>
+            </a:r>
+            <a:r>
+              <a:rPr lang="de-DE" altLang="de-DE" sz="1800" dirty="0" smtClean="0">
+                <a:cs typeface="Arial"/>
+              </a:rPr>
+              <a:t>Fazit</a:t>
             </a:r>
             <a:endParaRPr lang="de-DE" sz="1800" dirty="0"/>
           </a:p>
@@ -3846,7 +3861,7 @@
           <p:cNvPr id="4" name="Fußzeilenplatzhalter 3">
             <a:extLst>
               <a:ext uri="{FF2B5EF4-FFF2-40B4-BE49-F238E27FC236}">
-                <a16:creationId xmlns:a16="http://schemas.microsoft.com/office/drawing/2014/main" xmlns="" id="{4F8AE508-9E5F-4810-ADFD-2B16A9A9B7BF}"/>
+                <a16:creationId xmlns="" xmlns:a16="http://schemas.microsoft.com/office/drawing/2014/main" id="{4F8AE508-9E5F-4810-ADFD-2B16A9A9B7BF}"/>
               </a:ext>
             </a:extLst>
           </p:cNvPr>
@@ -3886,7 +3901,7 @@
           <p:cNvPr id="5" name="Foliennummernplatzhalter 4">
             <a:extLst>
               <a:ext uri="{FF2B5EF4-FFF2-40B4-BE49-F238E27FC236}">
-                <a16:creationId xmlns:a16="http://schemas.microsoft.com/office/drawing/2014/main" xmlns="" id="{E58A3AE0-41E8-4290-A24B-CBD45BFF565F}"/>
+                <a16:creationId xmlns="" xmlns:a16="http://schemas.microsoft.com/office/drawing/2014/main" id="{E58A3AE0-41E8-4290-A24B-CBD45BFF565F}"/>
               </a:ext>
             </a:extLst>
           </p:cNvPr>
@@ -3923,7 +3938,7 @@
           <p:cNvPr id="14" name="Inhaltsplatzhalter 13">
             <a:extLst>
               <a:ext uri="{FF2B5EF4-FFF2-40B4-BE49-F238E27FC236}">
-                <a16:creationId xmlns:a16="http://schemas.microsoft.com/office/drawing/2014/main" xmlns="" id="{AD79B16F-E1D2-4831-8438-42DCC430CC3C}"/>
+                <a16:creationId xmlns="" xmlns:a16="http://schemas.microsoft.com/office/drawing/2014/main" id="{AD79B16F-E1D2-4831-8438-42DCC430CC3C}"/>
               </a:ext>
             </a:extLst>
           </p:cNvPr>
@@ -3996,7 +4011,7 @@
           <p:cNvPr id="16" name="Grafik 15">
             <a:extLst>
               <a:ext uri="{FF2B5EF4-FFF2-40B4-BE49-F238E27FC236}">
-                <a16:creationId xmlns:a16="http://schemas.microsoft.com/office/drawing/2014/main" xmlns="" id="{2E0C0D6F-2419-433D-8A3A-87D155F1B6A1}"/>
+                <a16:creationId xmlns="" xmlns:a16="http://schemas.microsoft.com/office/drawing/2014/main" id="{2E0C0D6F-2419-433D-8A3A-87D155F1B6A1}"/>
               </a:ext>
             </a:extLst>
           </p:cNvPr>
@@ -4032,7 +4047,7 @@
           <p:cNvPr id="18" name="Grafik 17">
             <a:extLst>
               <a:ext uri="{FF2B5EF4-FFF2-40B4-BE49-F238E27FC236}">
-                <a16:creationId xmlns:a16="http://schemas.microsoft.com/office/drawing/2014/main" xmlns="" id="{079156A6-DD69-4D3B-B7F6-C495DAB36451}"/>
+                <a16:creationId xmlns="" xmlns:a16="http://schemas.microsoft.com/office/drawing/2014/main" id="{079156A6-DD69-4D3B-B7F6-C495DAB36451}"/>
               </a:ext>
             </a:extLst>
           </p:cNvPr>
@@ -4174,7 +4189,7 @@
           <p:cNvPr id="2" name="Titel 1">
             <a:extLst>
               <a:ext uri="{FF2B5EF4-FFF2-40B4-BE49-F238E27FC236}">
-                <a16:creationId xmlns:a16="http://schemas.microsoft.com/office/drawing/2014/main" xmlns="" id="{199E0412-C9C1-4338-AF11-254B58531795}"/>
+                <a16:creationId xmlns="" xmlns:a16="http://schemas.microsoft.com/office/drawing/2014/main" id="{199E0412-C9C1-4338-AF11-254B58531795}"/>
               </a:ext>
             </a:extLst>
           </p:cNvPr>
@@ -4203,7 +4218,7 @@
           <p:cNvPr id="3" name="Inhaltsplatzhalter 2">
             <a:extLst>
               <a:ext uri="{FF2B5EF4-FFF2-40B4-BE49-F238E27FC236}">
-                <a16:creationId xmlns:a16="http://schemas.microsoft.com/office/drawing/2014/main" xmlns="" id="{C398954B-85C0-425D-A3DF-8844D64D05F0}"/>
+                <a16:creationId xmlns="" xmlns:a16="http://schemas.microsoft.com/office/drawing/2014/main" id="{C398954B-85C0-425D-A3DF-8844D64D05F0}"/>
               </a:ext>
             </a:extLst>
           </p:cNvPr>
@@ -4264,11 +4279,14 @@
               <a:buAutoNum type="arabicPeriod"/>
             </a:pPr>
             <a:r>
-              <a:rPr lang="de-DE" altLang="de-DE" sz="1800" dirty="0">
+              <a:rPr lang="de-DE" altLang="de-DE" sz="1800" dirty="0" smtClean="0">
                 <a:cs typeface="Arial"/>
               </a:rPr>
-              <a:t>Terminplan</a:t>
-            </a:r>
+              <a:t>Fazit</a:t>
+            </a:r>
+            <a:endParaRPr lang="de-DE" altLang="de-DE" sz="1800" dirty="0">
+              <a:cs typeface="Arial"/>
+            </a:endParaRPr>
           </a:p>
           <a:p>
             <a:pPr marL="0" indent="0" eaLnBrk="1" hangingPunct="1"/>
@@ -4286,7 +4304,7 @@
           <p:cNvPr id="4" name="Fußzeilenplatzhalter 3">
             <a:extLst>
               <a:ext uri="{FF2B5EF4-FFF2-40B4-BE49-F238E27FC236}">
-                <a16:creationId xmlns:a16="http://schemas.microsoft.com/office/drawing/2014/main" xmlns="" id="{CF38E57F-8951-4C6C-808C-D512836D4D27}"/>
+                <a16:creationId xmlns="" xmlns:a16="http://schemas.microsoft.com/office/drawing/2014/main" id="{CF38E57F-8951-4C6C-808C-D512836D4D27}"/>
               </a:ext>
             </a:extLst>
           </p:cNvPr>
@@ -4340,7 +4358,7 @@
           <p:cNvPr id="5" name="Foliennummernplatzhalter 4">
             <a:extLst>
               <a:ext uri="{FF2B5EF4-FFF2-40B4-BE49-F238E27FC236}">
-                <a16:creationId xmlns:a16="http://schemas.microsoft.com/office/drawing/2014/main" xmlns="" id="{DF2B7CFB-9EDB-41B2-98FF-80F53662EB29}"/>
+                <a16:creationId xmlns="" xmlns:a16="http://schemas.microsoft.com/office/drawing/2014/main" id="{DF2B7CFB-9EDB-41B2-98FF-80F53662EB29}"/>
               </a:ext>
             </a:extLst>
           </p:cNvPr>
@@ -4408,7 +4426,7 @@
           <p:cNvPr id="2" name="Titel 1">
             <a:extLst>
               <a:ext uri="{FF2B5EF4-FFF2-40B4-BE49-F238E27FC236}">
-                <a16:creationId xmlns:a16="http://schemas.microsoft.com/office/drawing/2014/main" xmlns="" id="{46690A77-D47F-472A-AB27-1C3F26DAFD45}"/>
+                <a16:creationId xmlns="" xmlns:a16="http://schemas.microsoft.com/office/drawing/2014/main" id="{46690A77-D47F-472A-AB27-1C3F26DAFD45}"/>
               </a:ext>
             </a:extLst>
           </p:cNvPr>
@@ -4436,7 +4454,7 @@
           <p:cNvPr id="4" name="Fußzeilenplatzhalter 3">
             <a:extLst>
               <a:ext uri="{FF2B5EF4-FFF2-40B4-BE49-F238E27FC236}">
-                <a16:creationId xmlns:a16="http://schemas.microsoft.com/office/drawing/2014/main" xmlns="" id="{0437E12D-4F3D-495B-A07A-B6FA7C40A8D3}"/>
+                <a16:creationId xmlns="" xmlns:a16="http://schemas.microsoft.com/office/drawing/2014/main" id="{0437E12D-4F3D-495B-A07A-B6FA7C40A8D3}"/>
               </a:ext>
             </a:extLst>
           </p:cNvPr>
@@ -4490,7 +4508,7 @@
           <p:cNvPr id="5" name="Foliennummernplatzhalter 4">
             <a:extLst>
               <a:ext uri="{FF2B5EF4-FFF2-40B4-BE49-F238E27FC236}">
-                <a16:creationId xmlns:a16="http://schemas.microsoft.com/office/drawing/2014/main" xmlns="" id="{0886D6B4-2E03-4E02-8110-641A267784A8}"/>
+                <a16:creationId xmlns="" xmlns:a16="http://schemas.microsoft.com/office/drawing/2014/main" id="{0886D6B4-2E03-4E02-8110-641A267784A8}"/>
               </a:ext>
             </a:extLst>
           </p:cNvPr>
@@ -4527,7 +4545,7 @@
           <p:cNvPr id="9" name="Inhaltsplatzhalter 8">
             <a:extLst>
               <a:ext uri="{FF2B5EF4-FFF2-40B4-BE49-F238E27FC236}">
-                <a16:creationId xmlns:a16="http://schemas.microsoft.com/office/drawing/2014/main" xmlns="" id="{4E0A2C57-F1B1-41D8-83F3-C708FFB3744D}"/>
+                <a16:creationId xmlns="" xmlns:a16="http://schemas.microsoft.com/office/drawing/2014/main" id="{4E0A2C57-F1B1-41D8-83F3-C708FFB3744D}"/>
               </a:ext>
             </a:extLst>
           </p:cNvPr>
@@ -4593,7 +4611,7 @@
           <p:cNvPr id="2" name="Titel 1">
             <a:extLst>
               <a:ext uri="{FF2B5EF4-FFF2-40B4-BE49-F238E27FC236}">
-                <a16:creationId xmlns:a16="http://schemas.microsoft.com/office/drawing/2014/main" xmlns="" id="{1D01E2E5-1074-46DC-8480-1F80146A86FC}"/>
+                <a16:creationId xmlns="" xmlns:a16="http://schemas.microsoft.com/office/drawing/2014/main" id="{1D01E2E5-1074-46DC-8480-1F80146A86FC}"/>
               </a:ext>
             </a:extLst>
           </p:cNvPr>
@@ -4621,7 +4639,7 @@
           <p:cNvPr id="4" name="Fußzeilenplatzhalter 3">
             <a:extLst>
               <a:ext uri="{FF2B5EF4-FFF2-40B4-BE49-F238E27FC236}">
-                <a16:creationId xmlns:a16="http://schemas.microsoft.com/office/drawing/2014/main" xmlns="" id="{583DA148-6337-4743-A905-1AE732F50969}"/>
+                <a16:creationId xmlns="" xmlns:a16="http://schemas.microsoft.com/office/drawing/2014/main" id="{583DA148-6337-4743-A905-1AE732F50969}"/>
               </a:ext>
             </a:extLst>
           </p:cNvPr>
@@ -4661,7 +4679,7 @@
           <p:cNvPr id="5" name="Foliennummernplatzhalter 4">
             <a:extLst>
               <a:ext uri="{FF2B5EF4-FFF2-40B4-BE49-F238E27FC236}">
-                <a16:creationId xmlns:a16="http://schemas.microsoft.com/office/drawing/2014/main" xmlns="" id="{A0D5C8BD-9677-4BC5-A234-D3DA6C5C17F2}"/>
+                <a16:creationId xmlns="" xmlns:a16="http://schemas.microsoft.com/office/drawing/2014/main" id="{A0D5C8BD-9677-4BC5-A234-D3DA6C5C17F2}"/>
               </a:ext>
             </a:extLst>
           </p:cNvPr>
@@ -4698,7 +4716,7 @@
           <p:cNvPr id="8" name="Inhaltsplatzhalter 7">
             <a:extLst>
               <a:ext uri="{FF2B5EF4-FFF2-40B4-BE49-F238E27FC236}">
-                <a16:creationId xmlns:a16="http://schemas.microsoft.com/office/drawing/2014/main" xmlns="" id="{2D7B404C-6E29-4EAB-ABEB-6FF3532E892F}"/>
+                <a16:creationId xmlns="" xmlns:a16="http://schemas.microsoft.com/office/drawing/2014/main" id="{2D7B404C-6E29-4EAB-ABEB-6FF3532E892F}"/>
               </a:ext>
             </a:extLst>
           </p:cNvPr>
@@ -4764,7 +4782,7 @@
           <p:cNvPr id="2" name="Titel 1">
             <a:extLst>
               <a:ext uri="{FF2B5EF4-FFF2-40B4-BE49-F238E27FC236}">
-                <a16:creationId xmlns:a16="http://schemas.microsoft.com/office/drawing/2014/main" xmlns="" id="{1D01E2E5-1074-46DC-8480-1F80146A86FC}"/>
+                <a16:creationId xmlns="" xmlns:a16="http://schemas.microsoft.com/office/drawing/2014/main" id="{1D01E2E5-1074-46DC-8480-1F80146A86FC}"/>
               </a:ext>
             </a:extLst>
           </p:cNvPr>
@@ -4792,7 +4810,7 @@
           <p:cNvPr id="4" name="Fußzeilenplatzhalter 3">
             <a:extLst>
               <a:ext uri="{FF2B5EF4-FFF2-40B4-BE49-F238E27FC236}">
-                <a16:creationId xmlns:a16="http://schemas.microsoft.com/office/drawing/2014/main" xmlns="" id="{583DA148-6337-4743-A905-1AE732F50969}"/>
+                <a16:creationId xmlns="" xmlns:a16="http://schemas.microsoft.com/office/drawing/2014/main" id="{583DA148-6337-4743-A905-1AE732F50969}"/>
               </a:ext>
             </a:extLst>
           </p:cNvPr>
@@ -4832,7 +4850,7 @@
           <p:cNvPr id="5" name="Foliennummernplatzhalter 4">
             <a:extLst>
               <a:ext uri="{FF2B5EF4-FFF2-40B4-BE49-F238E27FC236}">
-                <a16:creationId xmlns:a16="http://schemas.microsoft.com/office/drawing/2014/main" xmlns="" id="{A0D5C8BD-9677-4BC5-A234-D3DA6C5C17F2}"/>
+                <a16:creationId xmlns="" xmlns:a16="http://schemas.microsoft.com/office/drawing/2014/main" id="{A0D5C8BD-9677-4BC5-A234-D3DA6C5C17F2}"/>
               </a:ext>
             </a:extLst>
           </p:cNvPr>
@@ -4869,7 +4887,7 @@
           <p:cNvPr id="9" name="Inhaltsplatzhalter 8">
             <a:extLst>
               <a:ext uri="{FF2B5EF4-FFF2-40B4-BE49-F238E27FC236}">
-                <a16:creationId xmlns:a16="http://schemas.microsoft.com/office/drawing/2014/main" xmlns="" id="{59BC9062-F814-426E-96AA-3E0DF14A7F5A}"/>
+                <a16:creationId xmlns="" xmlns:a16="http://schemas.microsoft.com/office/drawing/2014/main" id="{59BC9062-F814-426E-96AA-3E0DF14A7F5A}"/>
               </a:ext>
             </a:extLst>
           </p:cNvPr>
@@ -4935,7 +4953,7 @@
           <p:cNvPr id="2" name="Titel 1">
             <a:extLst>
               <a:ext uri="{FF2B5EF4-FFF2-40B4-BE49-F238E27FC236}">
-                <a16:creationId xmlns:a16="http://schemas.microsoft.com/office/drawing/2014/main" xmlns="" id="{2D3E2030-5BB9-4D06-91FD-164687F4F48F}"/>
+                <a16:creationId xmlns="" xmlns:a16="http://schemas.microsoft.com/office/drawing/2014/main" id="{2D3E2030-5BB9-4D06-91FD-164687F4F48F}"/>
               </a:ext>
             </a:extLst>
           </p:cNvPr>
@@ -4963,7 +4981,7 @@
           <p:cNvPr id="4" name="Fußzeilenplatzhalter 3">
             <a:extLst>
               <a:ext uri="{FF2B5EF4-FFF2-40B4-BE49-F238E27FC236}">
-                <a16:creationId xmlns:a16="http://schemas.microsoft.com/office/drawing/2014/main" xmlns="" id="{8D087DE4-FA3C-4B3F-8025-4A054DA6B3BD}"/>
+                <a16:creationId xmlns="" xmlns:a16="http://schemas.microsoft.com/office/drawing/2014/main" id="{8D087DE4-FA3C-4B3F-8025-4A054DA6B3BD}"/>
               </a:ext>
             </a:extLst>
           </p:cNvPr>
@@ -5003,7 +5021,7 @@
           <p:cNvPr id="5" name="Foliennummernplatzhalter 4">
             <a:extLst>
               <a:ext uri="{FF2B5EF4-FFF2-40B4-BE49-F238E27FC236}">
-                <a16:creationId xmlns:a16="http://schemas.microsoft.com/office/drawing/2014/main" xmlns="" id="{E0035365-0548-47C9-BEA8-79F847D29ED9}"/>
+                <a16:creationId xmlns="" xmlns:a16="http://schemas.microsoft.com/office/drawing/2014/main" id="{E0035365-0548-47C9-BEA8-79F847D29ED9}"/>
               </a:ext>
             </a:extLst>
           </p:cNvPr>
@@ -5040,7 +5058,7 @@
           <p:cNvPr id="11" name="Inhaltsplatzhalter 10">
             <a:extLst>
               <a:ext uri="{FF2B5EF4-FFF2-40B4-BE49-F238E27FC236}">
-                <a16:creationId xmlns:a16="http://schemas.microsoft.com/office/drawing/2014/main" xmlns="" id="{E1E1C9C5-F4AD-4A8E-BFF9-9CDDE1129207}"/>
+                <a16:creationId xmlns="" xmlns:a16="http://schemas.microsoft.com/office/drawing/2014/main" id="{E1E1C9C5-F4AD-4A8E-BFF9-9CDDE1129207}"/>
               </a:ext>
             </a:extLst>
           </p:cNvPr>
@@ -5106,7 +5124,7 @@
           <p:cNvPr id="2" name="Titel 1">
             <a:extLst>
               <a:ext uri="{FF2B5EF4-FFF2-40B4-BE49-F238E27FC236}">
-                <a16:creationId xmlns:a16="http://schemas.microsoft.com/office/drawing/2014/main" xmlns="" id="{4A0F5E8D-F58A-4E19-847B-829BC0D241AE}"/>
+                <a16:creationId xmlns="" xmlns:a16="http://schemas.microsoft.com/office/drawing/2014/main" id="{4A0F5E8D-F58A-4E19-847B-829BC0D241AE}"/>
               </a:ext>
             </a:extLst>
           </p:cNvPr>
@@ -5134,7 +5152,7 @@
           <p:cNvPr id="3" name="Inhaltsplatzhalter 2">
             <a:extLst>
               <a:ext uri="{FF2B5EF4-FFF2-40B4-BE49-F238E27FC236}">
-                <a16:creationId xmlns:a16="http://schemas.microsoft.com/office/drawing/2014/main" xmlns="" id="{5A6611EA-D485-4EFE-BAE3-245FB9833B89}"/>
+                <a16:creationId xmlns="" xmlns:a16="http://schemas.microsoft.com/office/drawing/2014/main" id="{5A6611EA-D485-4EFE-BAE3-245FB9833B89}"/>
               </a:ext>
             </a:extLst>
           </p:cNvPr>
@@ -5259,7 +5277,7 @@
           <p:cNvPr id="4" name="Fußzeilenplatzhalter 3">
             <a:extLst>
               <a:ext uri="{FF2B5EF4-FFF2-40B4-BE49-F238E27FC236}">
-                <a16:creationId xmlns:a16="http://schemas.microsoft.com/office/drawing/2014/main" xmlns="" id="{22BA5185-90F9-48FD-BC24-F8F43126611C}"/>
+                <a16:creationId xmlns="" xmlns:a16="http://schemas.microsoft.com/office/drawing/2014/main" id="{22BA5185-90F9-48FD-BC24-F8F43126611C}"/>
               </a:ext>
             </a:extLst>
           </p:cNvPr>
@@ -5313,7 +5331,7 @@
           <p:cNvPr id="5" name="Foliennummernplatzhalter 4">
             <a:extLst>
               <a:ext uri="{FF2B5EF4-FFF2-40B4-BE49-F238E27FC236}">
-                <a16:creationId xmlns:a16="http://schemas.microsoft.com/office/drawing/2014/main" xmlns="" id="{8A66F8E3-E660-4C88-A4B4-347CF57581B2}"/>
+                <a16:creationId xmlns="" xmlns:a16="http://schemas.microsoft.com/office/drawing/2014/main" id="{8A66F8E3-E660-4C88-A4B4-347CF57581B2}"/>
               </a:ext>
             </a:extLst>
           </p:cNvPr>
@@ -5350,7 +5368,7 @@
           <p:cNvPr id="7" name="Grafik 6">
             <a:extLst>
               <a:ext uri="{FF2B5EF4-FFF2-40B4-BE49-F238E27FC236}">
-                <a16:creationId xmlns:a16="http://schemas.microsoft.com/office/drawing/2014/main" xmlns="" id="{C29A8163-ADF9-4618-A744-D39307692309}"/>
+                <a16:creationId xmlns="" xmlns:a16="http://schemas.microsoft.com/office/drawing/2014/main" id="{C29A8163-ADF9-4618-A744-D39307692309}"/>
               </a:ext>
             </a:extLst>
           </p:cNvPr>
@@ -5386,7 +5404,7 @@
           <p:cNvPr id="8" name="Pfeil: nach rechts 7">
             <a:extLst>
               <a:ext uri="{FF2B5EF4-FFF2-40B4-BE49-F238E27FC236}">
-                <a16:creationId xmlns:a16="http://schemas.microsoft.com/office/drawing/2014/main" xmlns="" id="{CF4A36E8-65DD-415E-BF4C-24F89800958C}"/>
+                <a16:creationId xmlns="" xmlns:a16="http://schemas.microsoft.com/office/drawing/2014/main" id="{CF4A36E8-65DD-415E-BF4C-24F89800958C}"/>
               </a:ext>
             </a:extLst>
           </p:cNvPr>
@@ -5463,7 +5481,7 @@
           <p:cNvPr id="2" name="Titel 1">
             <a:extLst>
               <a:ext uri="{FF2B5EF4-FFF2-40B4-BE49-F238E27FC236}">
-                <a16:creationId xmlns:a16="http://schemas.microsoft.com/office/drawing/2014/main" xmlns="" id="{4A0F5E8D-F58A-4E19-847B-829BC0D241AE}"/>
+                <a16:creationId xmlns="" xmlns:a16="http://schemas.microsoft.com/office/drawing/2014/main" id="{4A0F5E8D-F58A-4E19-847B-829BC0D241AE}"/>
               </a:ext>
             </a:extLst>
           </p:cNvPr>
@@ -5491,7 +5509,7 @@
           <p:cNvPr id="3" name="Inhaltsplatzhalter 2">
             <a:extLst>
               <a:ext uri="{FF2B5EF4-FFF2-40B4-BE49-F238E27FC236}">
-                <a16:creationId xmlns:a16="http://schemas.microsoft.com/office/drawing/2014/main" xmlns="" id="{5A6611EA-D485-4EFE-BAE3-245FB9833B89}"/>
+                <a16:creationId xmlns="" xmlns:a16="http://schemas.microsoft.com/office/drawing/2014/main" id="{5A6611EA-D485-4EFE-BAE3-245FB9833B89}"/>
               </a:ext>
             </a:extLst>
           </p:cNvPr>
@@ -5597,7 +5615,7 @@
           <p:cNvPr id="4" name="Fußzeilenplatzhalter 3">
             <a:extLst>
               <a:ext uri="{FF2B5EF4-FFF2-40B4-BE49-F238E27FC236}">
-                <a16:creationId xmlns:a16="http://schemas.microsoft.com/office/drawing/2014/main" xmlns="" id="{22BA5185-90F9-48FD-BC24-F8F43126611C}"/>
+                <a16:creationId xmlns="" xmlns:a16="http://schemas.microsoft.com/office/drawing/2014/main" id="{22BA5185-90F9-48FD-BC24-F8F43126611C}"/>
               </a:ext>
             </a:extLst>
           </p:cNvPr>
@@ -5651,7 +5669,7 @@
           <p:cNvPr id="5" name="Foliennummernplatzhalter 4">
             <a:extLst>
               <a:ext uri="{FF2B5EF4-FFF2-40B4-BE49-F238E27FC236}">
-                <a16:creationId xmlns:a16="http://schemas.microsoft.com/office/drawing/2014/main" xmlns="" id="{8A66F8E3-E660-4C88-A4B4-347CF57581B2}"/>
+                <a16:creationId xmlns="" xmlns:a16="http://schemas.microsoft.com/office/drawing/2014/main" id="{8A66F8E3-E660-4C88-A4B4-347CF57581B2}"/>
               </a:ext>
             </a:extLst>
           </p:cNvPr>
@@ -5688,7 +5706,7 @@
           <p:cNvPr id="7" name="Grafik 6">
             <a:extLst>
               <a:ext uri="{FF2B5EF4-FFF2-40B4-BE49-F238E27FC236}">
-                <a16:creationId xmlns:a16="http://schemas.microsoft.com/office/drawing/2014/main" xmlns="" id="{B8EEDB8B-0C1B-4278-BA62-B71C3D16253A}"/>
+                <a16:creationId xmlns="" xmlns:a16="http://schemas.microsoft.com/office/drawing/2014/main" id="{B8EEDB8B-0C1B-4278-BA62-B71C3D16253A}"/>
               </a:ext>
             </a:extLst>
           </p:cNvPr>
@@ -5724,7 +5742,7 @@
           <p:cNvPr id="8" name="Pfeil: nach rechts 7">
             <a:extLst>
               <a:ext uri="{FF2B5EF4-FFF2-40B4-BE49-F238E27FC236}">
-                <a16:creationId xmlns:a16="http://schemas.microsoft.com/office/drawing/2014/main" xmlns="" id="{586405A1-545F-4B02-939C-F560480E8556}"/>
+                <a16:creationId xmlns="" xmlns:a16="http://schemas.microsoft.com/office/drawing/2014/main" id="{586405A1-545F-4B02-939C-F560480E8556}"/>
               </a:ext>
             </a:extLst>
           </p:cNvPr>
@@ -5801,7 +5819,7 @@
           <p:cNvPr id="2" name="Titel 1">
             <a:extLst>
               <a:ext uri="{FF2B5EF4-FFF2-40B4-BE49-F238E27FC236}">
-                <a16:creationId xmlns:a16="http://schemas.microsoft.com/office/drawing/2014/main" xmlns="" id="{4A0F5E8D-F58A-4E19-847B-829BC0D241AE}"/>
+                <a16:creationId xmlns="" xmlns:a16="http://schemas.microsoft.com/office/drawing/2014/main" id="{4A0F5E8D-F58A-4E19-847B-829BC0D241AE}"/>
               </a:ext>
             </a:extLst>
           </p:cNvPr>
@@ -5829,7 +5847,7 @@
           <p:cNvPr id="3" name="Inhaltsplatzhalter 2">
             <a:extLst>
               <a:ext uri="{FF2B5EF4-FFF2-40B4-BE49-F238E27FC236}">
-                <a16:creationId xmlns:a16="http://schemas.microsoft.com/office/drawing/2014/main" xmlns="" id="{5A6611EA-D485-4EFE-BAE3-245FB9833B89}"/>
+                <a16:creationId xmlns="" xmlns:a16="http://schemas.microsoft.com/office/drawing/2014/main" id="{5A6611EA-D485-4EFE-BAE3-245FB9833B89}"/>
               </a:ext>
             </a:extLst>
           </p:cNvPr>
@@ -5942,7 +5960,7 @@
           <p:cNvPr id="4" name="Fußzeilenplatzhalter 3">
             <a:extLst>
               <a:ext uri="{FF2B5EF4-FFF2-40B4-BE49-F238E27FC236}">
-                <a16:creationId xmlns:a16="http://schemas.microsoft.com/office/drawing/2014/main" xmlns="" id="{22BA5185-90F9-48FD-BC24-F8F43126611C}"/>
+                <a16:creationId xmlns="" xmlns:a16="http://schemas.microsoft.com/office/drawing/2014/main" id="{22BA5185-90F9-48FD-BC24-F8F43126611C}"/>
               </a:ext>
             </a:extLst>
           </p:cNvPr>
@@ -5996,7 +6014,7 @@
           <p:cNvPr id="5" name="Foliennummernplatzhalter 4">
             <a:extLst>
               <a:ext uri="{FF2B5EF4-FFF2-40B4-BE49-F238E27FC236}">
-                <a16:creationId xmlns:a16="http://schemas.microsoft.com/office/drawing/2014/main" xmlns="" id="{8A66F8E3-E660-4C88-A4B4-347CF57581B2}"/>
+                <a16:creationId xmlns="" xmlns:a16="http://schemas.microsoft.com/office/drawing/2014/main" id="{8A66F8E3-E660-4C88-A4B4-347CF57581B2}"/>
               </a:ext>
             </a:extLst>
           </p:cNvPr>
@@ -6033,7 +6051,7 @@
           <p:cNvPr id="7" name="Pfeil: nach rechts 6">
             <a:extLst>
               <a:ext uri="{FF2B5EF4-FFF2-40B4-BE49-F238E27FC236}">
-                <a16:creationId xmlns:a16="http://schemas.microsoft.com/office/drawing/2014/main" xmlns="" id="{0D303E9E-B37E-4930-A338-8405AD00A805}"/>
+                <a16:creationId xmlns="" xmlns:a16="http://schemas.microsoft.com/office/drawing/2014/main" id="{0D303E9E-B37E-4930-A338-8405AD00A805}"/>
               </a:ext>
             </a:extLst>
           </p:cNvPr>
@@ -6079,7 +6097,7 @@
           <p:cNvPr id="8" name="Pfeil: nach rechts 7">
             <a:extLst>
               <a:ext uri="{FF2B5EF4-FFF2-40B4-BE49-F238E27FC236}">
-                <a16:creationId xmlns:a16="http://schemas.microsoft.com/office/drawing/2014/main" xmlns="" id="{44FCA105-1888-4AA9-91F4-A151BB70C287}"/>
+                <a16:creationId xmlns="" xmlns:a16="http://schemas.microsoft.com/office/drawing/2014/main" id="{44FCA105-1888-4AA9-91F4-A151BB70C287}"/>
               </a:ext>
             </a:extLst>
           </p:cNvPr>
